--- a/_PowerPoints/1st Semester/Unit 2 Relations and Functions/Algebra3_Day_018 2.5 Using Linear Functions and 2.6 Families of Functions.pptx
+++ b/_PowerPoints/1st Semester/Unit 2 Relations and Functions/Algebra3_Day_018 2.5 Using Linear Functions and 2.6 Families of Functions.pptx
@@ -6,19 +6,26 @@
   </p:sldMasterIdLst>
   <p:sldIdLst>
     <p:sldId id="274" r:id="rId2"/>
-    <p:sldId id="282" r:id="rId3"/>
-    <p:sldId id="263" r:id="rId4"/>
-    <p:sldId id="258" r:id="rId5"/>
-    <p:sldId id="265" r:id="rId6"/>
-    <p:sldId id="272" r:id="rId7"/>
-    <p:sldId id="273" r:id="rId8"/>
-    <p:sldId id="280" r:id="rId9"/>
-    <p:sldId id="281" r:id="rId10"/>
-    <p:sldId id="278" r:id="rId11"/>
-    <p:sldId id="269" r:id="rId12"/>
+    <p:sldId id="286" r:id="rId3"/>
+    <p:sldId id="288" r:id="rId4"/>
+    <p:sldId id="287" r:id="rId5"/>
+    <p:sldId id="289" r:id="rId6"/>
+    <p:sldId id="282" r:id="rId7"/>
+    <p:sldId id="263" r:id="rId8"/>
+    <p:sldId id="283" r:id="rId9"/>
+    <p:sldId id="284" r:id="rId10"/>
+    <p:sldId id="285" r:id="rId11"/>
+    <p:sldId id="258" r:id="rId12"/>
+    <p:sldId id="265" r:id="rId13"/>
+    <p:sldId id="272" r:id="rId14"/>
+    <p:sldId id="273" r:id="rId15"/>
+    <p:sldId id="280" r:id="rId16"/>
+    <p:sldId id="281" r:id="rId17"/>
+    <p:sldId id="278" r:id="rId18"/>
+    <p:sldId id="269" r:id="rId19"/>
   </p:sldIdLst>
   <p:sldSz cx="12192000" cy="6858000"/>
-  <p:notesSz cx="6858000" cy="9144000"/>
+  <p:notesSz cx="6881813" cy="9296400"/>
   <p:defaultTextStyle>
     <a:defPPr>
       <a:defRPr lang="en-US"/>
@@ -292,7 +299,7 @@
             <a:fld id="{87DE6118-2437-4B30-8E3C-4D2BE6020583}" type="datetimeFigureOut">
               <a:rPr lang="en-US" dirty="0"/>
               <a:pPr/>
-              <a:t>10/10/2017</a:t>
+              <a:t>10/22/2018</a:t>
             </a:fld>
             <a:endParaRPr lang="en-US" dirty="0"/>
           </a:p>
@@ -618,7 +625,7 @@
           <a:p>
             <a:fld id="{87DE6118-2437-4B30-8E3C-4D2BE6020583}" type="datetimeFigureOut">
               <a:rPr lang="en-US" dirty="0"/>
-              <a:t>10/10/2017</a:t>
+              <a:t>10/22/2018</a:t>
             </a:fld>
             <a:endParaRPr lang="en-US" dirty="0"/>
           </a:p>
@@ -793,7 +800,7 @@
           <a:p>
             <a:fld id="{87DE6118-2437-4B30-8E3C-4D2BE6020583}" type="datetimeFigureOut">
               <a:rPr lang="en-US" dirty="0"/>
-              <a:t>10/10/2017</a:t>
+              <a:t>10/22/2018</a:t>
             </a:fld>
             <a:endParaRPr lang="en-US" dirty="0"/>
           </a:p>
@@ -958,7 +965,7 @@
           <a:p>
             <a:fld id="{87DE6118-2437-4B30-8E3C-4D2BE6020583}" type="datetimeFigureOut">
               <a:rPr lang="en-US" dirty="0"/>
-              <a:t>10/10/2017</a:t>
+              <a:t>10/22/2018</a:t>
             </a:fld>
             <a:endParaRPr lang="en-US" dirty="0"/>
           </a:p>
@@ -1231,7 +1238,7 @@
             <a:fld id="{87DE6118-2437-4B30-8E3C-4D2BE6020583}" type="datetimeFigureOut">
               <a:rPr lang="en-US" dirty="0"/>
               <a:pPr/>
-              <a:t>10/10/2017</a:t>
+              <a:t>10/22/2018</a:t>
             </a:fld>
             <a:endParaRPr lang="en-US" dirty="0"/>
           </a:p>
@@ -1621,7 +1628,7 @@
           <a:p>
             <a:fld id="{87DE6118-2437-4B30-8E3C-4D2BE6020583}" type="datetimeFigureOut">
               <a:rPr lang="en-US" dirty="0"/>
-              <a:t>10/10/2017</a:t>
+              <a:t>10/22/2018</a:t>
             </a:fld>
             <a:endParaRPr lang="en-US" dirty="0"/>
           </a:p>
@@ -2093,7 +2100,7 @@
           <a:p>
             <a:fld id="{87DE6118-2437-4B30-8E3C-4D2BE6020583}" type="datetimeFigureOut">
               <a:rPr lang="en-US" dirty="0"/>
-              <a:t>10/10/2017</a:t>
+              <a:t>10/22/2018</a:t>
             </a:fld>
             <a:endParaRPr lang="en-US" dirty="0"/>
           </a:p>
@@ -2206,7 +2213,7 @@
           <a:p>
             <a:fld id="{87DE6118-2437-4B30-8E3C-4D2BE6020583}" type="datetimeFigureOut">
               <a:rPr lang="en-US" dirty="0"/>
-              <a:t>10/10/2017</a:t>
+              <a:t>10/22/2018</a:t>
             </a:fld>
             <a:endParaRPr lang="en-US" dirty="0"/>
           </a:p>
@@ -2296,7 +2303,7 @@
           <a:p>
             <a:fld id="{87DE6118-2437-4B30-8E3C-4D2BE6020583}" type="datetimeFigureOut">
               <a:rPr lang="en-US" dirty="0"/>
-              <a:t>10/10/2017</a:t>
+              <a:t>10/22/2018</a:t>
             </a:fld>
             <a:endParaRPr lang="en-US" dirty="0"/>
           </a:p>
@@ -2638,7 +2645,7 @@
             <a:fld id="{87DE6118-2437-4B30-8E3C-4D2BE6020583}" type="datetimeFigureOut">
               <a:rPr lang="en-US" dirty="0"/>
               <a:pPr/>
-              <a:t>10/10/2017</a:t>
+              <a:t>10/22/2018</a:t>
             </a:fld>
             <a:endParaRPr lang="en-US" dirty="0"/>
           </a:p>
@@ -3023,7 +3030,7 @@
             <a:fld id="{87DE6118-2437-4B30-8E3C-4D2BE6020583}" type="datetimeFigureOut">
               <a:rPr lang="en-US" dirty="0"/>
               <a:pPr/>
-              <a:t>10/10/2017</a:t>
+              <a:t>10/22/2018</a:t>
             </a:fld>
             <a:endParaRPr lang="en-US" dirty="0"/>
           </a:p>
@@ -3298,7 +3305,7 @@
             <a:fld id="{87DE6118-2437-4B30-8E3C-4D2BE6020583}" type="datetimeFigureOut">
               <a:rPr lang="en-US" dirty="0"/>
               <a:pPr/>
-              <a:t>10/10/2017</a:t>
+              <a:t>10/22/2018</a:t>
             </a:fld>
             <a:endParaRPr lang="en-US" dirty="0"/>
           </a:p>
@@ -3818,8 +3825,8 @@
         </p:nvSpPr>
         <p:spPr>
           <a:xfrm>
-            <a:off x="1425059" y="542581"/>
-            <a:ext cx="7983346" cy="6172201"/>
+            <a:off x="1425058" y="542581"/>
+            <a:ext cx="9939627" cy="6172201"/>
           </a:xfrm>
         </p:spPr>
         <p:txBody>
@@ -3830,7 +3837,7 @@
           <a:p>
             <a:r>
               <a:rPr lang="en-US" dirty="0" smtClean="0"/>
-              <a:t>Bell Work:</a:t>
+              <a:t>Bell Work (7 – 10 minutes):</a:t>
             </a:r>
             <a:br>
               <a:rPr lang="en-US" dirty="0" smtClean="0"/>
@@ -3844,23 +3851,23 @@
             </a:br>
             <a:r>
               <a:rPr lang="en-US" dirty="0" smtClean="0"/>
-              <a:t>1.) Write the equation, and graph the line through (-6, </a:t>
+              <a:t>1.) </a:t>
             </a:r>
             <a:r>
               <a:rPr lang="en-US" dirty="0"/>
-              <a:t>1</a:t>
+              <a:t>Write the equation, and graph the line through </a:t>
             </a:r>
             <a:r>
               <a:rPr lang="en-US" dirty="0" smtClean="0"/>
-              <a:t>) and (5, </a:t>
+              <a:t>(3, 10) </a:t>
             </a:r>
             <a:r>
               <a:rPr lang="en-US" dirty="0"/>
-              <a:t>2</a:t>
+              <a:t>and </a:t>
             </a:r>
             <a:r>
               <a:rPr lang="en-US" dirty="0" smtClean="0"/>
-              <a:t>)</a:t>
+              <a:t>(0, 1)</a:t>
             </a:r>
             <a:br>
               <a:rPr lang="en-US" dirty="0" smtClean="0"/>
@@ -3874,11 +3881,29 @@
             </a:br>
             <a:r>
               <a:rPr lang="en-US" dirty="0" smtClean="0"/>
-              <a:t>Find the slope, y-intercept, domain </a:t>
-            </a:r>
-            <a:r>
-              <a:rPr lang="en-US" smtClean="0"/>
-              <a:t>and range.</a:t>
+              <a:t>2.) Write the equation of the line through the point (-6, </a:t>
+            </a:r>
+            <a:r>
+              <a:rPr lang="en-US" dirty="0"/>
+              <a:t>1</a:t>
+            </a:r>
+            <a:r>
+              <a:rPr lang="en-US" dirty="0" smtClean="0"/>
+              <a:t>) and parallel to y=3x+8</a:t>
+            </a:r>
+            <a:br>
+              <a:rPr lang="en-US" dirty="0" smtClean="0"/>
+            </a:br>
+            <a:r>
+              <a:rPr lang="en-US" dirty="0" smtClean="0"/>
+              <a:t/>
+            </a:r>
+            <a:br>
+              <a:rPr lang="en-US" dirty="0" smtClean="0"/>
+            </a:br>
+            <a:r>
+              <a:rPr lang="en-US" dirty="0" smtClean="0"/>
+              <a:t>3.) Also, state the domain and range.</a:t>
             </a:r>
             <a:endParaRPr lang="en-US" dirty="0"/>
           </a:p>
@@ -3931,493 +3956,154 @@
             <p:ph type="title"/>
           </p:nvPr>
         </p:nvSpPr>
-        <p:spPr/>
+        <p:spPr>
+          <a:xfrm>
+            <a:off x="1214203" y="490928"/>
+            <a:ext cx="9601200" cy="1485900"/>
+          </a:xfrm>
+        </p:spPr>
         <p:txBody>
           <a:bodyPr/>
           <a:lstStyle/>
           <a:p>
             <a:r>
               <a:rPr lang="en-US" dirty="0" smtClean="0"/>
-              <a:t>Example (Using Graphing Calculator): </a:t>
-            </a:r>
-            <a:br>
-              <a:rPr lang="en-US" dirty="0" smtClean="0"/>
-            </a:br>
-            <a:r>
-              <a:rPr lang="en-US" dirty="0" smtClean="0"/>
-              <a:t>Describe the transformation. </a:t>
+              <a:t>Quiz 1: Level 4 (5 minutes)</a:t>
             </a:r>
             <a:endParaRPr lang="en-US" dirty="0"/>
           </a:p>
         </p:txBody>
       </p:sp>
-      <mc:AlternateContent xmlns:mc="http://schemas.openxmlformats.org/markup-compatibility/2006">
-        <mc:Choice xmlns:a14="http://schemas.microsoft.com/office/drawing/2010/main" Requires="a14">
-          <p:sp>
-            <p:nvSpPr>
-              <p:cNvPr id="3" name="Content Placeholder 2"/>
-              <p:cNvSpPr>
-                <a:spLocks noGrp="1"/>
-              </p:cNvSpPr>
-              <p:nvPr>
-                <p:ph idx="1"/>
-              </p:nvPr>
-            </p:nvSpPr>
-            <p:spPr/>
-            <p:txBody>
-              <a:bodyPr/>
-              <a:lstStyle/>
-              <a:p>
-                <a:pPr marL="0" indent="0">
-                  <a:buNone/>
-                </a:pPr>
-                <a:r>
-                  <a:rPr lang="en-US" sz="3200" dirty="0" smtClean="0"/>
-                  <a:t>Parent Graph </a:t>
-                </a:r>
-                <a14:m>
-                  <m:oMath xmlns:m="http://schemas.openxmlformats.org/officeDocument/2006/math">
-                    <m:r>
-                      <a:rPr lang="en-US" sz="3200" i="1">
-                        <a:latin typeface="Cambria Math" panose="02040503050406030204" pitchFamily="18" charset="0"/>
-                      </a:rPr>
-                      <m:t>𝑓</m:t>
-                    </m:r>
-                    <m:d>
-                      <m:dPr>
-                        <m:ctrlPr>
-                          <a:rPr lang="en-US" sz="3200" i="1">
-                            <a:latin typeface="Cambria Math" panose="02040503050406030204" pitchFamily="18" charset="0"/>
-                          </a:rPr>
-                        </m:ctrlPr>
-                      </m:dPr>
-                      <m:e>
-                        <m:r>
-                          <a:rPr lang="en-US" sz="3200" i="1">
-                            <a:latin typeface="Cambria Math" panose="02040503050406030204" pitchFamily="18" charset="0"/>
-                          </a:rPr>
-                          <m:t>𝑥</m:t>
-                        </m:r>
-                      </m:e>
-                    </m:d>
-                    <m:r>
-                      <a:rPr lang="en-US" sz="3200" i="1">
-                        <a:latin typeface="Cambria Math" panose="02040503050406030204" pitchFamily="18" charset="0"/>
-                      </a:rPr>
-                      <m:t>=</m:t>
-                    </m:r>
-                    <m:sSup>
-                      <m:sSupPr>
-                        <m:ctrlPr>
-                          <a:rPr lang="en-US" sz="3200" i="1">
-                            <a:latin typeface="Cambria Math" panose="02040503050406030204" pitchFamily="18" charset="0"/>
-                          </a:rPr>
-                        </m:ctrlPr>
-                      </m:sSupPr>
-                      <m:e>
-                        <m:r>
-                          <a:rPr lang="en-US" sz="3200" i="1">
-                            <a:latin typeface="Cambria Math" panose="02040503050406030204" pitchFamily="18" charset="0"/>
-                          </a:rPr>
-                          <m:t>𝑥</m:t>
-                        </m:r>
-                      </m:e>
-                      <m:sup>
-                        <m:r>
-                          <a:rPr lang="en-US" sz="3200" i="1">
-                            <a:latin typeface="Cambria Math" panose="02040503050406030204" pitchFamily="18" charset="0"/>
-                          </a:rPr>
-                          <m:t>2</m:t>
-                        </m:r>
-                      </m:sup>
-                    </m:sSup>
-                  </m:oMath>
-                </a14:m>
-                <a:endParaRPr lang="en-US" sz="3200" i="1" dirty="0" smtClean="0"/>
-              </a:p>
-              <a:p>
-                <a:pPr marL="0" indent="0">
-                  <a:buNone/>
-                </a:pPr>
-                <a:r>
-                  <a:rPr lang="en-US" sz="3200" dirty="0" smtClean="0"/>
-                  <a:t>1.) </a:t>
-                </a:r>
-                <a14:m>
-                  <m:oMath xmlns:m="http://schemas.openxmlformats.org/officeDocument/2006/math">
-                    <m:r>
-                      <a:rPr lang="en-US" sz="3200" i="1">
-                        <a:latin typeface="Cambria Math" panose="02040503050406030204" pitchFamily="18" charset="0"/>
-                      </a:rPr>
-                      <m:t>𝑓</m:t>
-                    </m:r>
-                    <m:d>
-                      <m:dPr>
-                        <m:ctrlPr>
-                          <a:rPr lang="en-US" sz="3200" i="1">
-                            <a:latin typeface="Cambria Math" panose="02040503050406030204" pitchFamily="18" charset="0"/>
-                          </a:rPr>
-                        </m:ctrlPr>
-                      </m:dPr>
-                      <m:e>
-                        <m:r>
-                          <a:rPr lang="en-US" sz="3200" i="1">
-                            <a:latin typeface="Cambria Math" panose="02040503050406030204" pitchFamily="18" charset="0"/>
-                          </a:rPr>
-                          <m:t>𝑥</m:t>
-                        </m:r>
-                      </m:e>
-                    </m:d>
-                    <m:r>
-                      <a:rPr lang="en-US" sz="3200" i="1">
-                        <a:latin typeface="Cambria Math" panose="02040503050406030204" pitchFamily="18" charset="0"/>
-                      </a:rPr>
-                      <m:t>=</m:t>
-                    </m:r>
-                    <m:sSup>
-                      <m:sSupPr>
-                        <m:ctrlPr>
-                          <a:rPr lang="en-US" sz="3200" i="1">
-                            <a:latin typeface="Cambria Math" panose="02040503050406030204" pitchFamily="18" charset="0"/>
-                          </a:rPr>
-                        </m:ctrlPr>
-                      </m:sSupPr>
-                      <m:e>
-                        <m:r>
-                          <a:rPr lang="en-US" sz="3200" i="1">
-                            <a:latin typeface="Cambria Math" panose="02040503050406030204" pitchFamily="18" charset="0"/>
-                          </a:rPr>
-                          <m:t>(</m:t>
-                        </m:r>
-                        <m:r>
-                          <a:rPr lang="en-US" sz="3200" i="1">
-                            <a:latin typeface="Cambria Math" panose="02040503050406030204" pitchFamily="18" charset="0"/>
-                          </a:rPr>
-                          <m:t>𝑥</m:t>
-                        </m:r>
-                        <m:r>
-                          <a:rPr lang="en-US" sz="3200" i="1">
-                            <a:latin typeface="Cambria Math" panose="02040503050406030204" pitchFamily="18" charset="0"/>
-                          </a:rPr>
-                          <m:t>−4)</m:t>
-                        </m:r>
-                      </m:e>
-                      <m:sup>
-                        <m:r>
-                          <a:rPr lang="en-US" sz="3200" i="1">
-                            <a:latin typeface="Cambria Math" panose="02040503050406030204" pitchFamily="18" charset="0"/>
-                          </a:rPr>
-                          <m:t>2</m:t>
-                        </m:r>
-                      </m:sup>
-                    </m:sSup>
-                  </m:oMath>
-                </a14:m>
-                <a:endParaRPr lang="en-US" sz="3200" i="1" dirty="0" smtClean="0"/>
-              </a:p>
-              <a:p>
-                <a:pPr marL="0" indent="0">
-                  <a:buNone/>
-                </a:pPr>
-                <a:r>
-                  <a:rPr lang="en-US" sz="3200" dirty="0"/>
-                  <a:t>2</a:t>
-                </a:r>
-                <a:r>
-                  <a:rPr lang="en-US" sz="3200" dirty="0" smtClean="0"/>
-                  <a:t>.) </a:t>
-                </a:r>
-                <a14:m>
-                  <m:oMath xmlns:m="http://schemas.openxmlformats.org/officeDocument/2006/math">
-                    <m:r>
-                      <a:rPr lang="en-US" sz="3200" i="1">
-                        <a:latin typeface="Cambria Math" panose="02040503050406030204" pitchFamily="18" charset="0"/>
-                      </a:rPr>
-                      <m:t>𝑓</m:t>
-                    </m:r>
-                    <m:d>
-                      <m:dPr>
-                        <m:ctrlPr>
-                          <a:rPr lang="en-US" sz="3200" i="1">
-                            <a:latin typeface="Cambria Math" panose="02040503050406030204" pitchFamily="18" charset="0"/>
-                          </a:rPr>
-                        </m:ctrlPr>
-                      </m:dPr>
-                      <m:e>
-                        <m:r>
-                          <a:rPr lang="en-US" sz="3200" i="1">
-                            <a:latin typeface="Cambria Math" panose="02040503050406030204" pitchFamily="18" charset="0"/>
-                          </a:rPr>
-                          <m:t>𝑥</m:t>
-                        </m:r>
-                      </m:e>
-                    </m:d>
-                    <m:r>
-                      <a:rPr lang="en-US" sz="3200" i="1">
-                        <a:latin typeface="Cambria Math" panose="02040503050406030204" pitchFamily="18" charset="0"/>
-                      </a:rPr>
-                      <m:t>=</m:t>
-                    </m:r>
-                    <m:sSup>
-                      <m:sSupPr>
-                        <m:ctrlPr>
-                          <a:rPr lang="en-US" sz="3200" i="1">
-                            <a:latin typeface="Cambria Math" panose="02040503050406030204" pitchFamily="18" charset="0"/>
-                          </a:rPr>
-                        </m:ctrlPr>
-                      </m:sSupPr>
-                      <m:e>
-                        <m:r>
-                          <a:rPr lang="en-US" sz="3200" i="1">
-                            <a:latin typeface="Cambria Math" panose="02040503050406030204" pitchFamily="18" charset="0"/>
-                          </a:rPr>
-                          <m:t>𝑥</m:t>
-                        </m:r>
-                      </m:e>
-                      <m:sup>
-                        <m:r>
-                          <a:rPr lang="en-US" sz="3200" i="1">
-                            <a:latin typeface="Cambria Math" panose="02040503050406030204" pitchFamily="18" charset="0"/>
-                          </a:rPr>
-                          <m:t>2</m:t>
-                        </m:r>
-                      </m:sup>
-                    </m:sSup>
-                    <m:r>
-                      <a:rPr lang="en-US" sz="3200" i="1">
-                        <a:latin typeface="Cambria Math" panose="02040503050406030204" pitchFamily="18" charset="0"/>
-                      </a:rPr>
-                      <m:t>+3 </m:t>
-                    </m:r>
-                  </m:oMath>
-                </a14:m>
-                <a:endParaRPr lang="en-US" sz="3200" dirty="0" smtClean="0"/>
-              </a:p>
-              <a:p>
-                <a:pPr marL="0" indent="0">
-                  <a:buNone/>
-                </a:pPr>
-                <a:r>
-                  <a:rPr lang="en-US" sz="3200" dirty="0" smtClean="0"/>
-                  <a:t>3.) </a:t>
-                </a:r>
-                <a14:m>
-                  <m:oMath xmlns:m="http://schemas.openxmlformats.org/officeDocument/2006/math">
-                    <m:r>
-                      <a:rPr lang="en-US" sz="3200" i="1">
-                        <a:latin typeface="Cambria Math" panose="02040503050406030204" pitchFamily="18" charset="0"/>
-                      </a:rPr>
-                      <m:t>𝑓</m:t>
-                    </m:r>
-                    <m:d>
-                      <m:dPr>
-                        <m:ctrlPr>
-                          <a:rPr lang="en-US" sz="3200" i="1">
-                            <a:latin typeface="Cambria Math" panose="02040503050406030204" pitchFamily="18" charset="0"/>
-                          </a:rPr>
-                        </m:ctrlPr>
-                      </m:dPr>
-                      <m:e>
-                        <m:r>
-                          <a:rPr lang="en-US" sz="3200" i="1">
-                            <a:latin typeface="Cambria Math" panose="02040503050406030204" pitchFamily="18" charset="0"/>
-                          </a:rPr>
-                          <m:t>𝑥</m:t>
-                        </m:r>
-                      </m:e>
-                    </m:d>
-                    <m:r>
-                      <a:rPr lang="en-US" sz="3200" i="1">
-                        <a:latin typeface="Cambria Math" panose="02040503050406030204" pitchFamily="18" charset="0"/>
-                      </a:rPr>
-                      <m:t>=</m:t>
-                    </m:r>
-                    <m:sSup>
-                      <m:sSupPr>
-                        <m:ctrlPr>
-                          <a:rPr lang="en-US" sz="3200" i="1">
-                            <a:latin typeface="Cambria Math" panose="02040503050406030204" pitchFamily="18" charset="0"/>
-                          </a:rPr>
-                        </m:ctrlPr>
-                      </m:sSupPr>
-                      <m:e>
-                        <m:r>
-                          <a:rPr lang="en-US" sz="3200" b="0" i="1" smtClean="0">
-                            <a:latin typeface="Cambria Math" panose="02040503050406030204" pitchFamily="18" charset="0"/>
-                          </a:rPr>
-                          <m:t>(</m:t>
-                        </m:r>
-                        <m:r>
-                          <a:rPr lang="en-US" sz="3200" i="1">
-                            <a:latin typeface="Cambria Math" panose="02040503050406030204" pitchFamily="18" charset="0"/>
-                          </a:rPr>
-                          <m:t>𝑥</m:t>
-                        </m:r>
-                        <m:r>
-                          <a:rPr lang="en-US" sz="3200" b="0" i="1" smtClean="0">
-                            <a:latin typeface="Cambria Math" panose="02040503050406030204" pitchFamily="18" charset="0"/>
-                          </a:rPr>
-                          <m:t>+2)</m:t>
-                        </m:r>
-                      </m:e>
-                      <m:sup>
-                        <m:r>
-                          <a:rPr lang="en-US" sz="3200" i="1">
-                            <a:latin typeface="Cambria Math" panose="02040503050406030204" pitchFamily="18" charset="0"/>
-                          </a:rPr>
-                          <m:t>2</m:t>
-                        </m:r>
-                      </m:sup>
-                    </m:sSup>
-                    <m:r>
-                      <a:rPr lang="en-US" sz="3200" b="0" i="1" smtClean="0">
-                        <a:latin typeface="Cambria Math" panose="02040503050406030204" pitchFamily="18" charset="0"/>
-                      </a:rPr>
-                      <m:t>−5</m:t>
-                    </m:r>
-                  </m:oMath>
-                </a14:m>
-                <a:endParaRPr lang="en-US" sz="3200" dirty="0" smtClean="0"/>
-              </a:p>
-              <a:p>
-                <a:pPr marL="0" indent="0">
-                  <a:buNone/>
-                </a:pPr>
-                <a:r>
-                  <a:rPr lang="en-US" sz="3200" dirty="0" smtClean="0"/>
-                  <a:t>4.) </a:t>
-                </a:r>
-                <a14:m>
-                  <m:oMath xmlns:m="http://schemas.openxmlformats.org/officeDocument/2006/math">
-                    <m:r>
-                      <a:rPr lang="en-US" sz="3200" i="1">
-                        <a:latin typeface="Cambria Math" panose="02040503050406030204" pitchFamily="18" charset="0"/>
-                      </a:rPr>
-                      <m:t>𝑓</m:t>
-                    </m:r>
-                    <m:d>
-                      <m:dPr>
-                        <m:ctrlPr>
-                          <a:rPr lang="en-US" sz="3200" i="1">
-                            <a:latin typeface="Cambria Math" panose="02040503050406030204" pitchFamily="18" charset="0"/>
-                          </a:rPr>
-                        </m:ctrlPr>
-                      </m:dPr>
-                      <m:e>
-                        <m:r>
-                          <a:rPr lang="en-US" sz="3200" i="1">
-                            <a:latin typeface="Cambria Math" panose="02040503050406030204" pitchFamily="18" charset="0"/>
-                          </a:rPr>
-                          <m:t>𝑥</m:t>
-                        </m:r>
-                      </m:e>
-                    </m:d>
-                    <m:r>
-                      <a:rPr lang="en-US" sz="3200" i="1">
-                        <a:latin typeface="Cambria Math" panose="02040503050406030204" pitchFamily="18" charset="0"/>
-                      </a:rPr>
-                      <m:t>=</m:t>
-                    </m:r>
-                    <m:r>
-                      <a:rPr lang="en-US" sz="3200" b="0" i="1" smtClean="0">
-                        <a:latin typeface="Cambria Math" panose="02040503050406030204" pitchFamily="18" charset="0"/>
-                      </a:rPr>
-                      <m:t>−5(</m:t>
-                    </m:r>
-                    <m:sSup>
-                      <m:sSupPr>
-                        <m:ctrlPr>
-                          <a:rPr lang="en-US" sz="3200" i="1">
-                            <a:latin typeface="Cambria Math" panose="02040503050406030204" pitchFamily="18" charset="0"/>
-                          </a:rPr>
-                        </m:ctrlPr>
-                      </m:sSupPr>
-                      <m:e>
-                        <m:r>
-                          <a:rPr lang="en-US" sz="3200" i="1">
-                            <a:latin typeface="Cambria Math" panose="02040503050406030204" pitchFamily="18" charset="0"/>
-                          </a:rPr>
-                          <m:t>𝑥</m:t>
-                        </m:r>
-                        <m:r>
-                          <a:rPr lang="en-US" sz="3200" b="0" i="1" smtClean="0">
-                            <a:latin typeface="Cambria Math" panose="02040503050406030204" pitchFamily="18" charset="0"/>
-                          </a:rPr>
-                          <m:t>−1)</m:t>
-                        </m:r>
-                      </m:e>
-                      <m:sup>
-                        <m:r>
-                          <a:rPr lang="en-US" sz="3200" i="1">
-                            <a:latin typeface="Cambria Math" panose="02040503050406030204" pitchFamily="18" charset="0"/>
-                          </a:rPr>
-                          <m:t>2</m:t>
-                        </m:r>
-                      </m:sup>
-                    </m:sSup>
-                    <m:r>
-                      <a:rPr lang="en-US" sz="3200" b="0" i="1" smtClean="0">
-                        <a:latin typeface="Cambria Math" panose="02040503050406030204" pitchFamily="18" charset="0"/>
-                      </a:rPr>
-                      <m:t>+6</m:t>
-                    </m:r>
-                  </m:oMath>
-                </a14:m>
-                <a:endParaRPr lang="en-US" sz="3200" dirty="0" smtClean="0"/>
-              </a:p>
-              <a:p>
-                <a:pPr marL="0" indent="0">
-                  <a:buNone/>
-                </a:pPr>
-                <a:endParaRPr lang="en-US" dirty="0"/>
-              </a:p>
-              <a:p>
-                <a:pPr marL="0" indent="0">
-                  <a:buNone/>
-                </a:pPr>
-                <a:endParaRPr lang="en-US" dirty="0"/>
-              </a:p>
-            </p:txBody>
-          </p:sp>
-        </mc:Choice>
-        <mc:Fallback>
-          <p:sp>
-            <p:nvSpPr>
-              <p:cNvPr id="3" name="Content Placeholder 2"/>
-              <p:cNvSpPr>
-                <a:spLocks noGrp="1" noRot="1" noChangeAspect="1" noMove="1" noResize="1" noEditPoints="1" noAdjustHandles="1" noChangeArrowheads="1" noChangeShapeType="1" noTextEdit="1"/>
-              </p:cNvSpPr>
-              <p:nvPr>
-                <p:ph idx="1"/>
-              </p:nvPr>
-            </p:nvSpPr>
-            <p:spPr>
-              <a:blipFill rotWithShape="0">
-                <a:blip r:embed="rId2"/>
-                <a:stretch>
-                  <a:fillRect l="-1587" t="-2891"/>
-                </a:stretch>
-              </a:blipFill>
-            </p:spPr>
-            <p:txBody>
-              <a:bodyPr/>
-              <a:lstStyle/>
-              <a:p>
-                <a:r>
-                  <a:rPr lang="en-US">
-                    <a:noFill/>
-                  </a:rPr>
-                  <a:t> </a:t>
-                </a:r>
-              </a:p>
-            </p:txBody>
-          </p:sp>
-        </mc:Fallback>
-      </mc:AlternateContent>
+      <p:sp>
+        <p:nvSpPr>
+          <p:cNvPr id="3" name="Content Placeholder 2"/>
+          <p:cNvSpPr>
+            <a:spLocks noGrp="1"/>
+          </p:cNvSpPr>
+          <p:nvPr>
+            <p:ph idx="1"/>
+          </p:nvPr>
+        </p:nvSpPr>
+        <p:spPr>
+          <a:xfrm>
+            <a:off x="1214203" y="1705660"/>
+            <a:ext cx="9915993" cy="4219731"/>
+          </a:xfrm>
+        </p:spPr>
+        <p:txBody>
+          <a:bodyPr>
+            <a:noAutofit/>
+          </a:bodyPr>
+          <a:lstStyle/>
+          <a:p>
+            <a:pPr marL="0" indent="0">
+              <a:buNone/>
+            </a:pPr>
+            <a:r>
+              <a:rPr lang="en-US" sz="3800" dirty="0"/>
+              <a:t>6</a:t>
+            </a:r>
+            <a:r>
+              <a:rPr lang="en-US" sz="3800" dirty="0" smtClean="0"/>
+              <a:t>.) Given the graph</a:t>
+            </a:r>
+          </a:p>
+          <a:p>
+            <a:pPr marL="0" indent="0">
+              <a:buNone/>
+            </a:pPr>
+            <a:r>
+              <a:rPr lang="en-US" sz="3800" dirty="0"/>
+              <a:t>a</a:t>
+            </a:r>
+            <a:r>
+              <a:rPr lang="en-US" sz="3800" dirty="0" smtClean="0"/>
+              <a:t>t right… describe the</a:t>
+            </a:r>
+          </a:p>
+          <a:p>
+            <a:pPr marL="0" indent="0">
+              <a:buNone/>
+            </a:pPr>
+            <a:r>
+              <a:rPr lang="en-US" sz="3800" dirty="0" smtClean="0"/>
+              <a:t>Domain and Range. </a:t>
+            </a:r>
+          </a:p>
+          <a:p>
+            <a:pPr marL="0" indent="0">
+              <a:buNone/>
+            </a:pPr>
+            <a:endParaRPr lang="en-US" sz="3800" dirty="0"/>
+          </a:p>
+          <a:p>
+            <a:pPr marL="0" indent="0">
+              <a:buNone/>
+            </a:pPr>
+            <a:r>
+              <a:rPr lang="en-US" sz="3800" dirty="0" smtClean="0"/>
+              <a:t>What could you do to </a:t>
+            </a:r>
+          </a:p>
+          <a:p>
+            <a:pPr marL="0" indent="0">
+              <a:buNone/>
+            </a:pPr>
+            <a:r>
+              <a:rPr lang="en-US" sz="3800" dirty="0" smtClean="0"/>
+              <a:t>the graph for it to NOT</a:t>
+            </a:r>
+          </a:p>
+          <a:p>
+            <a:pPr marL="0" indent="0">
+              <a:buNone/>
+            </a:pPr>
+            <a:r>
+              <a:rPr lang="en-US" sz="3800" dirty="0"/>
+              <a:t>b</a:t>
+            </a:r>
+            <a:r>
+              <a:rPr lang="en-US" sz="3800" dirty="0" smtClean="0"/>
+              <a:t>e a function anymore?</a:t>
+            </a:r>
+            <a:endParaRPr lang="en-US" sz="3800" dirty="0"/>
+          </a:p>
+        </p:txBody>
+      </p:sp>
+      <p:pic>
+        <p:nvPicPr>
+          <p:cNvPr id="4" name="Picture 3"/>
+          <p:cNvPicPr>
+            <a:picLocks noChangeAspect="1"/>
+          </p:cNvPicPr>
+          <p:nvPr/>
+        </p:nvPicPr>
+        <p:blipFill>
+          <a:blip r:embed="rId2">
+            <a:extLst>
+              <a:ext uri="{28A0092B-C50C-407E-A947-70E740481C1C}">
+                <a14:useLocalDpi xmlns:a14="http://schemas.microsoft.com/office/drawing/2010/main" val="0"/>
+              </a:ext>
+            </a:extLst>
+          </a:blip>
+          <a:stretch>
+            <a:fillRect/>
+          </a:stretch>
+        </p:blipFill>
+        <p:spPr>
+          <a:xfrm>
+            <a:off x="6280879" y="1125995"/>
+            <a:ext cx="5726242" cy="5650230"/>
+          </a:xfrm>
+          <a:prstGeom prst="rect">
+            <a:avLst/>
+          </a:prstGeom>
+        </p:spPr>
+      </p:pic>
     </p:spTree>
     <p:extLst>
       <p:ext uri="{BB962C8B-B14F-4D97-AF65-F5344CB8AC3E}">
-        <p14:creationId xmlns:p14="http://schemas.microsoft.com/office/powerpoint/2010/main" val="2509323724"/>
+        <p14:creationId xmlns:p14="http://schemas.microsoft.com/office/powerpoint/2010/main" val="2312279862"/>
       </p:ext>
     </p:extLst>
   </p:cSld>
@@ -4435,385 +4121,6 @@
 </file>
 
 <file path=ppt/slides/slide11.xml><?xml version="1.0" encoding="utf-8"?>
-<p:sld xmlns:a="http://schemas.openxmlformats.org/drawingml/2006/main" xmlns:r="http://schemas.openxmlformats.org/officeDocument/2006/relationships" xmlns:p="http://schemas.openxmlformats.org/presentationml/2006/main">
-  <p:cSld>
-    <p:spTree>
-      <p:nvGrpSpPr>
-        <p:cNvPr id="1" name=""/>
-        <p:cNvGrpSpPr/>
-        <p:nvPr/>
-      </p:nvGrpSpPr>
-      <p:grpSpPr>
-        <a:xfrm>
-          <a:off x="0" y="0"/>
-          <a:ext cx="0" cy="0"/>
-          <a:chOff x="0" y="0"/>
-          <a:chExt cx="0" cy="0"/>
-        </a:xfrm>
-      </p:grpSpPr>
-      <p:sp>
-        <p:nvSpPr>
-          <p:cNvPr id="2" name="Title 1"/>
-          <p:cNvSpPr>
-            <a:spLocks noGrp="1"/>
-          </p:cNvSpPr>
-          <p:nvPr>
-            <p:ph type="title"/>
-          </p:nvPr>
-        </p:nvSpPr>
-        <p:spPr/>
-        <p:txBody>
-          <a:bodyPr/>
-          <a:lstStyle/>
-          <a:p>
-            <a:r>
-              <a:rPr lang="en-US" dirty="0" smtClean="0"/>
-              <a:t>For Next Time… </a:t>
-            </a:r>
-            <a:endParaRPr lang="en-US" dirty="0"/>
-          </a:p>
-        </p:txBody>
-      </p:sp>
-      <p:sp>
-        <p:nvSpPr>
-          <p:cNvPr id="3" name="Content Placeholder 2"/>
-          <p:cNvSpPr>
-            <a:spLocks noGrp="1"/>
-          </p:cNvSpPr>
-          <p:nvPr>
-            <p:ph idx="1"/>
-          </p:nvPr>
-        </p:nvSpPr>
-        <p:spPr>
-          <a:xfrm>
-            <a:off x="1371600" y="1753849"/>
-            <a:ext cx="9601200" cy="4961744"/>
-          </a:xfrm>
-        </p:spPr>
-        <p:txBody>
-          <a:bodyPr>
-            <a:normAutofit/>
-          </a:bodyPr>
-          <a:lstStyle/>
-          <a:p>
-            <a:pPr marL="0" indent="0">
-              <a:buNone/>
-            </a:pPr>
-            <a:r>
-              <a:rPr lang="en-US" sz="3000" dirty="0" smtClean="0"/>
-              <a:t>New Material (Section 2.5)</a:t>
-            </a:r>
-          </a:p>
-          <a:p>
-            <a:pPr marL="0" indent="0">
-              <a:buNone/>
-            </a:pPr>
-            <a:r>
-              <a:rPr lang="en-US" sz="3000" dirty="0" smtClean="0"/>
-              <a:t>Page 96 #</a:t>
-            </a:r>
-            <a:r>
-              <a:rPr lang="en-US" sz="3200" dirty="0" smtClean="0"/>
-              <a:t>1, 7</a:t>
-            </a:r>
-            <a:r>
-              <a:rPr lang="en-US" sz="3200" dirty="0" smtClean="0"/>
-              <a:t>, 9, 13, </a:t>
-            </a:r>
-            <a:r>
-              <a:rPr lang="en-US" sz="3200" dirty="0" smtClean="0"/>
-              <a:t>15-17, 27</a:t>
-            </a:r>
-            <a:endParaRPr lang="en-US" sz="3200" dirty="0" smtClean="0"/>
-          </a:p>
-          <a:p>
-            <a:pPr marL="0" indent="0">
-              <a:buNone/>
-            </a:pPr>
-            <a:endParaRPr lang="en-US" sz="3000" dirty="0" smtClean="0"/>
-          </a:p>
-          <a:p>
-            <a:pPr marL="0" indent="0">
-              <a:buNone/>
-            </a:pPr>
-            <a:r>
-              <a:rPr lang="en-US" sz="3000" dirty="0"/>
-              <a:t>New Material (Section </a:t>
-            </a:r>
-            <a:r>
-              <a:rPr lang="en-US" sz="3000" dirty="0" smtClean="0"/>
-              <a:t>2.6)</a:t>
-            </a:r>
-            <a:endParaRPr lang="en-US" sz="3000" dirty="0"/>
-          </a:p>
-          <a:p>
-            <a:pPr marL="0" indent="0">
-              <a:buNone/>
-            </a:pPr>
-            <a:r>
-              <a:rPr lang="en-US" sz="3000" dirty="0" smtClean="0"/>
-              <a:t>Page 103 </a:t>
-            </a:r>
-            <a:r>
-              <a:rPr lang="en-US" sz="3000" dirty="0" smtClean="0"/>
-              <a:t>#5, 6</a:t>
-            </a:r>
-            <a:r>
-              <a:rPr lang="en-US" sz="3000" dirty="0" smtClean="0"/>
-              <a:t>, 13, </a:t>
-            </a:r>
-            <a:r>
-              <a:rPr lang="en-US" sz="3000" dirty="0" smtClean="0"/>
-              <a:t>19-21</a:t>
-            </a:r>
-            <a:r>
-              <a:rPr lang="en-US" sz="3000" dirty="0" smtClean="0"/>
-              <a:t>, </a:t>
-            </a:r>
-            <a:r>
-              <a:rPr lang="en-US" sz="3000" dirty="0" smtClean="0"/>
-              <a:t>55</a:t>
-            </a:r>
-            <a:endParaRPr lang="en-US" sz="3000" dirty="0" smtClean="0"/>
-          </a:p>
-          <a:p>
-            <a:pPr marL="0" indent="0">
-              <a:buNone/>
-            </a:pPr>
-            <a:endParaRPr lang="en-US" sz="3000" dirty="0" smtClean="0"/>
-          </a:p>
-        </p:txBody>
-      </p:sp>
-    </p:spTree>
-    <p:extLst>
-      <p:ext uri="{BB962C8B-B14F-4D97-AF65-F5344CB8AC3E}">
-        <p14:creationId xmlns:p14="http://schemas.microsoft.com/office/powerpoint/2010/main" val="3701921675"/>
-      </p:ext>
-    </p:extLst>
-  </p:cSld>
-  <p:clrMapOvr>
-    <a:masterClrMapping/>
-  </p:clrMapOvr>
-  <p:timing>
-    <p:tnLst>
-      <p:par>
-        <p:cTn id="1" dur="indefinite" restart="never" nodeType="tmRoot"/>
-      </p:par>
-    </p:tnLst>
-  </p:timing>
-</p:sld>
-</file>
-
-<file path=ppt/slides/slide2.xml><?xml version="1.0" encoding="utf-8"?>
-<p:sld xmlns:a="http://schemas.openxmlformats.org/drawingml/2006/main" xmlns:r="http://schemas.openxmlformats.org/officeDocument/2006/relationships" xmlns:p="http://schemas.openxmlformats.org/presentationml/2006/main">
-  <p:cSld>
-    <p:spTree>
-      <p:nvGrpSpPr>
-        <p:cNvPr id="1" name=""/>
-        <p:cNvGrpSpPr/>
-        <p:nvPr/>
-      </p:nvGrpSpPr>
-      <p:grpSpPr>
-        <a:xfrm>
-          <a:off x="0" y="0"/>
-          <a:ext cx="0" cy="0"/>
-          <a:chOff x="0" y="0"/>
-          <a:chExt cx="0" cy="0"/>
-        </a:xfrm>
-      </p:grpSpPr>
-      <p:sp>
-        <p:nvSpPr>
-          <p:cNvPr id="2" name="Title 1"/>
-          <p:cNvSpPr>
-            <a:spLocks noGrp="1"/>
-          </p:cNvSpPr>
-          <p:nvPr>
-            <p:ph type="title"/>
-          </p:nvPr>
-        </p:nvSpPr>
-        <p:spPr/>
-        <p:txBody>
-          <a:bodyPr/>
-          <a:lstStyle/>
-          <a:p>
-            <a:r>
-              <a:rPr lang="en-US" dirty="0" smtClean="0"/>
-              <a:t>From Last Time… </a:t>
-            </a:r>
-            <a:endParaRPr lang="en-US" dirty="0"/>
-          </a:p>
-        </p:txBody>
-      </p:sp>
-      <p:sp>
-        <p:nvSpPr>
-          <p:cNvPr id="3" name="Content Placeholder 2"/>
-          <p:cNvSpPr>
-            <a:spLocks noGrp="1"/>
-          </p:cNvSpPr>
-          <p:nvPr>
-            <p:ph idx="1"/>
-          </p:nvPr>
-        </p:nvSpPr>
-        <p:spPr/>
-        <p:txBody>
-          <a:bodyPr>
-            <a:normAutofit/>
-          </a:bodyPr>
-          <a:lstStyle/>
-          <a:p>
-            <a:pPr marL="0" indent="0">
-              <a:buNone/>
-            </a:pPr>
-            <a:r>
-              <a:rPr lang="en-US" sz="3000" dirty="0" smtClean="0"/>
-              <a:t>New Material</a:t>
-            </a:r>
-          </a:p>
-          <a:p>
-            <a:pPr marL="0" indent="0">
-              <a:buNone/>
-            </a:pPr>
-            <a:r>
-              <a:rPr lang="en-US" sz="3000" dirty="0" smtClean="0"/>
-              <a:t>Page 86 #</a:t>
-            </a:r>
-            <a:r>
-              <a:rPr lang="en-US" sz="3200" dirty="0" smtClean="0"/>
-              <a:t>1, 11, 17, 19, 27, 32</a:t>
-            </a:r>
-            <a:endParaRPr lang="en-US" sz="3000" dirty="0" smtClean="0"/>
-          </a:p>
-          <a:p>
-            <a:pPr marL="0" indent="0">
-              <a:buNone/>
-            </a:pPr>
-            <a:endParaRPr lang="en-US" sz="3000" dirty="0" smtClean="0"/>
-          </a:p>
-          <a:p>
-            <a:pPr marL="0" indent="0">
-              <a:buNone/>
-            </a:pPr>
-            <a:r>
-              <a:rPr lang="en-US" sz="3000" dirty="0" smtClean="0"/>
-              <a:t>Mixed Review</a:t>
-            </a:r>
-          </a:p>
-          <a:p>
-            <a:pPr marL="0" indent="0">
-              <a:buNone/>
-            </a:pPr>
-            <a:r>
-              <a:rPr lang="en-US" sz="3000" smtClean="0"/>
-              <a:t>Page 88 #60, 62, 66, 67</a:t>
-            </a:r>
-            <a:endParaRPr lang="en-US" sz="3000" dirty="0"/>
-          </a:p>
-        </p:txBody>
-      </p:sp>
-    </p:spTree>
-    <p:extLst>
-      <p:ext uri="{BB962C8B-B14F-4D97-AF65-F5344CB8AC3E}">
-        <p14:creationId xmlns:p14="http://schemas.microsoft.com/office/powerpoint/2010/main" val="98526893"/>
-      </p:ext>
-    </p:extLst>
-  </p:cSld>
-  <p:clrMapOvr>
-    <a:masterClrMapping/>
-  </p:clrMapOvr>
-  <p:timing>
-    <p:tnLst>
-      <p:par>
-        <p:cTn id="1" dur="indefinite" restart="never" nodeType="tmRoot"/>
-      </p:par>
-    </p:tnLst>
-  </p:timing>
-</p:sld>
-</file>
-
-<file path=ppt/slides/slide3.xml><?xml version="1.0" encoding="utf-8"?>
-<p:sld xmlns:a="http://schemas.openxmlformats.org/drawingml/2006/main" xmlns:r="http://schemas.openxmlformats.org/officeDocument/2006/relationships" xmlns:p="http://schemas.openxmlformats.org/presentationml/2006/main">
-  <p:cSld>
-    <p:spTree>
-      <p:nvGrpSpPr>
-        <p:cNvPr id="1" name=""/>
-        <p:cNvGrpSpPr/>
-        <p:nvPr/>
-      </p:nvGrpSpPr>
-      <p:grpSpPr>
-        <a:xfrm>
-          <a:off x="0" y="0"/>
-          <a:ext cx="0" cy="0"/>
-          <a:chOff x="0" y="0"/>
-          <a:chExt cx="0" cy="0"/>
-        </a:xfrm>
-      </p:grpSpPr>
-      <p:sp>
-        <p:nvSpPr>
-          <p:cNvPr id="2" name="Title 1"/>
-          <p:cNvSpPr>
-            <a:spLocks noGrp="1"/>
-          </p:cNvSpPr>
-          <p:nvPr>
-            <p:ph type="ctrTitle"/>
-          </p:nvPr>
-        </p:nvSpPr>
-        <p:spPr/>
-        <p:txBody>
-          <a:bodyPr/>
-          <a:lstStyle/>
-          <a:p>
-            <a:r>
-              <a:rPr lang="en-US" dirty="0" smtClean="0"/>
-              <a:t>ALGEBRA 3</a:t>
-            </a:r>
-            <a:endParaRPr lang="en-US" dirty="0"/>
-          </a:p>
-        </p:txBody>
-      </p:sp>
-      <p:sp>
-        <p:nvSpPr>
-          <p:cNvPr id="3" name="Subtitle 2"/>
-          <p:cNvSpPr>
-            <a:spLocks noGrp="1"/>
-          </p:cNvSpPr>
-          <p:nvPr>
-            <p:ph type="subTitle" idx="1"/>
-          </p:nvPr>
-        </p:nvSpPr>
-        <p:spPr/>
-        <p:txBody>
-          <a:bodyPr/>
-          <a:lstStyle/>
-          <a:p>
-            <a:r>
-              <a:rPr lang="en-US" dirty="0" smtClean="0"/>
-              <a:t>Day 18</a:t>
-            </a:r>
-            <a:endParaRPr lang="en-US" dirty="0"/>
-          </a:p>
-        </p:txBody>
-      </p:sp>
-    </p:spTree>
-    <p:extLst>
-      <p:ext uri="{BB962C8B-B14F-4D97-AF65-F5344CB8AC3E}">
-        <p14:creationId xmlns:p14="http://schemas.microsoft.com/office/powerpoint/2010/main" val="3063505576"/>
-      </p:ext>
-    </p:extLst>
-  </p:cSld>
-  <p:clrMapOvr>
-    <a:masterClrMapping/>
-  </p:clrMapOvr>
-  <p:timing>
-    <p:tnLst>
-      <p:par>
-        <p:cTn id="1" dur="indefinite" restart="never" nodeType="tmRoot"/>
-      </p:par>
-    </p:tnLst>
-  </p:timing>
-</p:sld>
-</file>
-
-<file path=ppt/slides/slide4.xml><?xml version="1.0" encoding="utf-8"?>
 <p:sld xmlns:a="http://schemas.openxmlformats.org/drawingml/2006/main" xmlns:r="http://schemas.openxmlformats.org/officeDocument/2006/relationships" xmlns:p="http://schemas.openxmlformats.org/presentationml/2006/main">
   <p:cSld>
     <p:spTree>
@@ -5220,7 +4527,7 @@
 </p:sld>
 </file>
 
-<file path=ppt/slides/slide5.xml><?xml version="1.0" encoding="utf-8"?>
+<file path=ppt/slides/slide12.xml><?xml version="1.0" encoding="utf-8"?>
 <p:sld xmlns:a="http://schemas.openxmlformats.org/drawingml/2006/main" xmlns:r="http://schemas.openxmlformats.org/officeDocument/2006/relationships" xmlns:p="http://schemas.openxmlformats.org/presentationml/2006/main">
   <p:cSld>
     <p:spTree>
@@ -5433,7 +4740,7 @@
 </p:sld>
 </file>
 
-<file path=ppt/slides/slide6.xml><?xml version="1.0" encoding="utf-8"?>
+<file path=ppt/slides/slide13.xml><?xml version="1.0" encoding="utf-8"?>
 <p:sld xmlns:a="http://schemas.openxmlformats.org/drawingml/2006/main" xmlns:r="http://schemas.openxmlformats.org/officeDocument/2006/relationships" xmlns:p="http://schemas.openxmlformats.org/presentationml/2006/main">
   <p:cSld>
     <p:spTree>
@@ -5543,8 +4850,8 @@
           </a:p>
         </p:txBody>
       </p:sp>
-      <mc:AlternateContent xmlns:mc="http://schemas.openxmlformats.org/markup-compatibility/2006" xmlns:a14="http://schemas.microsoft.com/office/drawing/2010/main">
-        <mc:Choice Requires="a14">
+      <mc:AlternateContent xmlns:mc="http://schemas.openxmlformats.org/markup-compatibility/2006">
+        <mc:Choice xmlns:a14="http://schemas.microsoft.com/office/drawing/2010/main" Requires="a14">
           <p:sp>
             <p:nvSpPr>
               <p:cNvPr id="5" name="Content Placeholder 4"/>
@@ -5557,8 +4864,8 @@
             </p:nvSpPr>
             <p:spPr>
               <a:xfrm>
-                <a:off x="1103082" y="1319134"/>
-                <a:ext cx="10784117" cy="3737608"/>
+                <a:off x="657726" y="1319134"/>
+                <a:ext cx="11534274" cy="5538866"/>
               </a:xfrm>
             </p:spPr>
             <p:txBody>
@@ -5571,25 +4878,25 @@
                   <a:buNone/>
                 </a:pPr>
                 <a:r>
-                  <a:rPr lang="en-US" sz="3200" b="1" u="sng" dirty="0" smtClean="0"/>
+                  <a:rPr lang="en-US" sz="4900" b="1" u="sng" dirty="0" smtClean="0"/>
                   <a:t>Steps to Writing Equation of Best </a:t>
                 </a:r>
                 <a:r>
-                  <a:rPr lang="en-US" sz="3200" b="1" u="sng" dirty="0"/>
+                  <a:rPr lang="en-US" sz="4900" b="1" u="sng" dirty="0"/>
                   <a:t>Fitting Lines</a:t>
                 </a:r>
-                <a:endParaRPr lang="en-US" sz="3200" dirty="0"/>
+                <a:endParaRPr lang="en-US" sz="4900" dirty="0"/>
               </a:p>
               <a:p>
                 <a:pPr marL="0" lvl="0" indent="0">
                   <a:buNone/>
                 </a:pPr>
                 <a:r>
-                  <a:rPr lang="en-US" sz="3200" dirty="0" smtClean="0"/>
+                  <a:rPr lang="en-US" sz="4900" dirty="0" smtClean="0"/>
                   <a:t>-- Draw </a:t>
                 </a:r>
                 <a:r>
-                  <a:rPr lang="en-US" sz="3200" dirty="0"/>
+                  <a:rPr lang="en-US" sz="4900" dirty="0"/>
                   <a:t>Scatter Plot</a:t>
                 </a:r>
               </a:p>
@@ -5598,11 +4905,11 @@
                   <a:buNone/>
                 </a:pPr>
                 <a:r>
-                  <a:rPr lang="en-US" sz="3200" dirty="0" smtClean="0"/>
+                  <a:rPr lang="en-US" sz="4900" dirty="0" smtClean="0"/>
                   <a:t>-- Sketch </a:t>
                 </a:r>
                 <a:r>
-                  <a:rPr lang="en-US" sz="3200" dirty="0"/>
+                  <a:rPr lang="en-US" sz="4900" dirty="0"/>
                   <a:t>line that appears to follow the pattern (equal dots above and below)</a:t>
                 </a:r>
               </a:p>
@@ -5611,11 +4918,11 @@
                   <a:buNone/>
                 </a:pPr>
                 <a:r>
-                  <a:rPr lang="en-US" sz="3200" dirty="0" smtClean="0"/>
+                  <a:rPr lang="en-US" sz="4900" dirty="0" smtClean="0"/>
                   <a:t>-- Choose </a:t>
                 </a:r>
                 <a:r>
-                  <a:rPr lang="en-US" sz="3200" dirty="0"/>
+                  <a:rPr lang="en-US" sz="4900" dirty="0"/>
                   <a:t>two points on the line and estimate coordinates (don’t have to be original)</a:t>
                 </a:r>
               </a:p>
@@ -5624,19 +4931,19 @@
                   <a:buNone/>
                 </a:pPr>
                 <a:r>
-                  <a:rPr lang="en-US" sz="3200" dirty="0" smtClean="0"/>
+                  <a:rPr lang="en-US" sz="4900" dirty="0" smtClean="0"/>
                   <a:t>-- Find </a:t>
                 </a:r>
                 <a:r>
-                  <a:rPr lang="en-US" sz="3200" dirty="0"/>
+                  <a:rPr lang="en-US" sz="4900" dirty="0"/>
                   <a:t>an equation of that line (</a:t>
                 </a:r>
                 <a:r>
-                  <a:rPr lang="en-US" sz="3200" i="1" dirty="0"/>
+                  <a:rPr lang="en-US" sz="4900" i="1" dirty="0"/>
                   <a:t>trend line</a:t>
                 </a:r>
                 <a:r>
-                  <a:rPr lang="en-US" sz="3200" dirty="0"/>
+                  <a:rPr lang="en-US" sz="4900" dirty="0"/>
                   <a:t>)</a:t>
                 </a:r>
               </a:p>
@@ -5645,23 +4952,23 @@
                   <a:buNone/>
                 </a:pPr>
                 <a:r>
-                  <a:rPr lang="en-US" sz="3200" dirty="0" smtClean="0"/>
+                  <a:rPr lang="en-US" sz="4900" dirty="0" smtClean="0"/>
                   <a:t>-- Find </a:t>
                 </a:r>
                 <a:r>
-                  <a:rPr lang="en-US" sz="3200" dirty="0"/>
+                  <a:rPr lang="en-US" sz="4900" dirty="0"/>
                   <a:t>the slope:  </a:t>
                 </a:r>
                 <a14:m>
                   <m:oMath xmlns:m="http://schemas.openxmlformats.org/officeDocument/2006/math">
                     <m:r>
-                      <a:rPr lang="en-US" sz="3200" i="1">
+                      <a:rPr lang="en-US" sz="4900" i="1">
                         <a:latin typeface="Cambria Math" panose="02040503050406030204" pitchFamily="18" charset="0"/>
                       </a:rPr>
                       <m:t>𝑚</m:t>
                     </m:r>
                     <m:r>
-                      <a:rPr lang="en-US" sz="3200" i="1">
+                      <a:rPr lang="en-US" sz="4900" i="1">
                         <a:latin typeface="Cambria Math" panose="02040503050406030204" pitchFamily="18" charset="0"/>
                       </a:rPr>
                       <m:t>= </m:t>
@@ -5669,32 +4976,32 @@
                     <m:f>
                       <m:fPr>
                         <m:ctrlPr>
-                          <a:rPr lang="en-US" sz="3200" i="1">
+                          <a:rPr lang="en-US" sz="4900" i="1">
                             <a:latin typeface="Cambria Math" panose="02040503050406030204" pitchFamily="18" charset="0"/>
                           </a:rPr>
                         </m:ctrlPr>
                       </m:fPr>
                       <m:num>
                         <m:r>
-                          <a:rPr lang="en-US" sz="3200" i="1">
+                          <a:rPr lang="en-US" sz="4900" i="1">
                             <a:latin typeface="Cambria Math" panose="02040503050406030204" pitchFamily="18" charset="0"/>
                           </a:rPr>
                           <m:t>𝑦</m:t>
                         </m:r>
                         <m:r>
-                          <a:rPr lang="en-US" sz="3200" i="1">
+                          <a:rPr lang="en-US" sz="4900" i="1">
                             <a:latin typeface="Cambria Math" panose="02040503050406030204" pitchFamily="18" charset="0"/>
                           </a:rPr>
                           <m:t>2−</m:t>
                         </m:r>
                         <m:r>
-                          <a:rPr lang="en-US" sz="3200" i="1">
+                          <a:rPr lang="en-US" sz="4900" i="1">
                             <a:latin typeface="Cambria Math" panose="02040503050406030204" pitchFamily="18" charset="0"/>
                           </a:rPr>
                           <m:t>𝑦</m:t>
                         </m:r>
                         <m:r>
-                          <a:rPr lang="en-US" sz="3200" i="1">
+                          <a:rPr lang="en-US" sz="4900" i="1">
                             <a:latin typeface="Cambria Math" panose="02040503050406030204" pitchFamily="18" charset="0"/>
                           </a:rPr>
                           <m:t>1</m:t>
@@ -5702,25 +5009,25 @@
                       </m:num>
                       <m:den>
                         <m:r>
-                          <a:rPr lang="en-US" sz="3200" i="1">
+                          <a:rPr lang="en-US" sz="4900" i="1">
                             <a:latin typeface="Cambria Math" panose="02040503050406030204" pitchFamily="18" charset="0"/>
                           </a:rPr>
                           <m:t>𝑥</m:t>
                         </m:r>
                         <m:r>
-                          <a:rPr lang="en-US" sz="3200" i="1">
+                          <a:rPr lang="en-US" sz="4900" i="1">
                             <a:latin typeface="Cambria Math" panose="02040503050406030204" pitchFamily="18" charset="0"/>
                           </a:rPr>
                           <m:t>2−</m:t>
                         </m:r>
                         <m:r>
-                          <a:rPr lang="en-US" sz="3200" i="1">
+                          <a:rPr lang="en-US" sz="4900" i="1">
                             <a:latin typeface="Cambria Math" panose="02040503050406030204" pitchFamily="18" charset="0"/>
                           </a:rPr>
                           <m:t>𝑥</m:t>
                         </m:r>
                         <m:r>
-                          <a:rPr lang="en-US" sz="3200" i="1">
+                          <a:rPr lang="en-US" sz="4900" i="1">
                             <a:latin typeface="Cambria Math" panose="02040503050406030204" pitchFamily="18" charset="0"/>
                           </a:rPr>
                           <m:t>1</m:t>
@@ -5729,14 +5036,14 @@
                     </m:f>
                   </m:oMath>
                 </a14:m>
-                <a:endParaRPr lang="en-US" sz="3200" dirty="0"/>
+                <a:endParaRPr lang="en-US" sz="4900" dirty="0"/>
               </a:p>
               <a:p>
                 <a:pPr marL="0" indent="0">
                   <a:buNone/>
                 </a:pPr>
                 <a:r>
-                  <a:rPr lang="en-US" sz="3200" dirty="0"/>
+                  <a:rPr lang="en-US" sz="4900" dirty="0"/>
                   <a:t> </a:t>
                 </a:r>
               </a:p>
@@ -5745,71 +5052,71 @@
                   <a:buNone/>
                 </a:pPr>
                 <a:r>
-                  <a:rPr lang="en-US" sz="3200" dirty="0" smtClean="0"/>
+                  <a:rPr lang="en-US" sz="4900" dirty="0" smtClean="0"/>
                   <a:t>-- Use </a:t>
                 </a:r>
                 <a:r>
-                  <a:rPr lang="en-US" sz="3200" dirty="0"/>
+                  <a:rPr lang="en-US" sz="4900" dirty="0"/>
                   <a:t>point slope:  </a:t>
                 </a:r>
                 <a14:m>
                   <m:oMath xmlns:m="http://schemas.openxmlformats.org/officeDocument/2006/math">
                     <m:r>
-                      <a:rPr lang="en-US" sz="3200" i="1">
+                      <a:rPr lang="en-US" sz="4900" i="1">
                         <a:latin typeface="Cambria Math" panose="02040503050406030204" pitchFamily="18" charset="0"/>
                       </a:rPr>
                       <m:t>𝑦</m:t>
                     </m:r>
                     <m:r>
-                      <a:rPr lang="en-US" sz="3200" i="1">
+                      <a:rPr lang="en-US" sz="4900" i="1">
                         <a:latin typeface="Cambria Math" panose="02040503050406030204" pitchFamily="18" charset="0"/>
                       </a:rPr>
                       <m:t>−</m:t>
                     </m:r>
                     <m:r>
-                      <a:rPr lang="en-US" sz="3200" i="1">
+                      <a:rPr lang="en-US" sz="4900" i="1">
                         <a:latin typeface="Cambria Math" panose="02040503050406030204" pitchFamily="18" charset="0"/>
                       </a:rPr>
                       <m:t>𝑦</m:t>
                     </m:r>
                     <m:r>
-                      <a:rPr lang="en-US" sz="3200" i="1">
+                      <a:rPr lang="en-US" sz="4900" i="1">
                         <a:latin typeface="Cambria Math" panose="02040503050406030204" pitchFamily="18" charset="0"/>
                       </a:rPr>
                       <m:t>1 = </m:t>
                     </m:r>
                     <m:r>
-                      <a:rPr lang="en-US" sz="3200" i="1">
+                      <a:rPr lang="en-US" sz="4900" i="1">
                         <a:latin typeface="Cambria Math" panose="02040503050406030204" pitchFamily="18" charset="0"/>
                       </a:rPr>
                       <m:t>𝑚</m:t>
                     </m:r>
                     <m:r>
-                      <a:rPr lang="en-US" sz="3200" i="1">
+                      <a:rPr lang="en-US" sz="4900" i="1">
                         <a:latin typeface="Cambria Math" panose="02040503050406030204" pitchFamily="18" charset="0"/>
                       </a:rPr>
                       <m:t> (</m:t>
                     </m:r>
                     <m:r>
-                      <a:rPr lang="en-US" sz="3200" i="1">
+                      <a:rPr lang="en-US" sz="4900" i="1">
                         <a:latin typeface="Cambria Math" panose="02040503050406030204" pitchFamily="18" charset="0"/>
                       </a:rPr>
                       <m:t>𝑥</m:t>
                     </m:r>
                     <m:r>
-                      <a:rPr lang="en-US" sz="3200" i="1">
+                      <a:rPr lang="en-US" sz="4900" i="1">
                         <a:latin typeface="Cambria Math" panose="02040503050406030204" pitchFamily="18" charset="0"/>
                       </a:rPr>
                       <m:t>−</m:t>
                     </m:r>
                     <m:r>
-                      <a:rPr lang="en-US" sz="3200" i="1">
+                      <a:rPr lang="en-US" sz="4900" i="1">
                         <a:latin typeface="Cambria Math" panose="02040503050406030204" pitchFamily="18" charset="0"/>
                       </a:rPr>
                       <m:t>𝑥</m:t>
                     </m:r>
                     <m:r>
-                      <a:rPr lang="en-US" sz="3200" i="1">
+                      <a:rPr lang="en-US" sz="4900" i="1">
                         <a:latin typeface="Cambria Math" panose="02040503050406030204" pitchFamily="18" charset="0"/>
                       </a:rPr>
                       <m:t>1)</m:t>
@@ -5817,7 +5124,7 @@
                   </m:oMath>
                 </a14:m>
                 <a:r>
-                  <a:rPr lang="en-US" sz="3200" dirty="0"/>
+                  <a:rPr lang="en-US" sz="4900" dirty="0"/>
                   <a:t> </a:t>
                 </a:r>
               </a:p>
@@ -5830,7 +5137,7 @@
             </p:txBody>
           </p:sp>
         </mc:Choice>
-        <mc:Fallback xmlns="">
+        <mc:Fallback>
           <p:sp>
             <p:nvSpPr>
               <p:cNvPr id="5" name="Content Placeholder 4"/>
@@ -5843,13 +5150,13 @@
             </p:nvSpPr>
             <p:spPr>
               <a:xfrm>
-                <a:off x="1103082" y="1319134"/>
-                <a:ext cx="10784117" cy="3737608"/>
+                <a:off x="657726" y="1319134"/>
+                <a:ext cx="11534274" cy="5538866"/>
               </a:xfrm>
               <a:blipFill rotWithShape="0">
                 <a:blip r:embed="rId2"/>
                 <a:stretch>
-                  <a:fillRect l="-735" t="-3094"/>
+                  <a:fillRect l="-1480" t="-3960"/>
                 </a:stretch>
               </a:blipFill>
             </p:spPr>
@@ -5888,7 +5195,7 @@
 </p:sld>
 </file>
 
-<file path=ppt/slides/slide7.xml><?xml version="1.0" encoding="utf-8"?>
+<file path=ppt/slides/slide14.xml><?xml version="1.0" encoding="utf-8"?>
 <p:sld xmlns:a="http://schemas.openxmlformats.org/drawingml/2006/main" xmlns:r="http://schemas.openxmlformats.org/officeDocument/2006/relationships" xmlns:p="http://schemas.openxmlformats.org/presentationml/2006/main">
   <p:cSld>
     <p:spTree>
@@ -6038,7 +5345,7 @@
 </p:sld>
 </file>
 
-<file path=ppt/slides/slide8.xml><?xml version="1.0" encoding="utf-8"?>
+<file path=ppt/slides/slide15.xml><?xml version="1.0" encoding="utf-8"?>
 <p:sld xmlns:a="http://schemas.openxmlformats.org/drawingml/2006/main" xmlns:r="http://schemas.openxmlformats.org/officeDocument/2006/relationships" xmlns:p="http://schemas.openxmlformats.org/presentationml/2006/main">
   <p:cSld>
     <p:spTree>
@@ -6220,7 +5527,7 @@
 </p:sld>
 </file>
 
-<file path=ppt/slides/slide9.xml><?xml version="1.0" encoding="utf-8"?>
+<file path=ppt/slides/slide16.xml><?xml version="1.0" encoding="utf-8"?>
 <p:sld xmlns:a="http://schemas.openxmlformats.org/drawingml/2006/main" xmlns:r="http://schemas.openxmlformats.org/officeDocument/2006/relationships" xmlns:p="http://schemas.openxmlformats.org/presentationml/2006/main">
   <p:cSld>
     <p:spTree>
@@ -6760,6 +6067,4086 @@
     <p:extLst>
       <p:ext uri="{BB962C8B-B14F-4D97-AF65-F5344CB8AC3E}">
         <p14:creationId xmlns:p14="http://schemas.microsoft.com/office/powerpoint/2010/main" val="2881032968"/>
+      </p:ext>
+    </p:extLst>
+  </p:cSld>
+  <p:clrMapOvr>
+    <a:masterClrMapping/>
+  </p:clrMapOvr>
+  <p:timing>
+    <p:tnLst>
+      <p:par>
+        <p:cTn id="1" dur="indefinite" restart="never" nodeType="tmRoot"/>
+      </p:par>
+    </p:tnLst>
+  </p:timing>
+</p:sld>
+</file>
+
+<file path=ppt/slides/slide17.xml><?xml version="1.0" encoding="utf-8"?>
+<p:sld xmlns:a="http://schemas.openxmlformats.org/drawingml/2006/main" xmlns:r="http://schemas.openxmlformats.org/officeDocument/2006/relationships" xmlns:p="http://schemas.openxmlformats.org/presentationml/2006/main">
+  <p:cSld>
+    <p:spTree>
+      <p:nvGrpSpPr>
+        <p:cNvPr id="1" name=""/>
+        <p:cNvGrpSpPr/>
+        <p:nvPr/>
+      </p:nvGrpSpPr>
+      <p:grpSpPr>
+        <a:xfrm>
+          <a:off x="0" y="0"/>
+          <a:ext cx="0" cy="0"/>
+          <a:chOff x="0" y="0"/>
+          <a:chExt cx="0" cy="0"/>
+        </a:xfrm>
+      </p:grpSpPr>
+      <p:sp>
+        <p:nvSpPr>
+          <p:cNvPr id="2" name="Title 1"/>
+          <p:cNvSpPr>
+            <a:spLocks noGrp="1"/>
+          </p:cNvSpPr>
+          <p:nvPr>
+            <p:ph type="title"/>
+          </p:nvPr>
+        </p:nvSpPr>
+        <p:spPr/>
+        <p:txBody>
+          <a:bodyPr/>
+          <a:lstStyle/>
+          <a:p>
+            <a:r>
+              <a:rPr lang="en-US" dirty="0" smtClean="0"/>
+              <a:t>Example (Using Graphing Calculator): </a:t>
+            </a:r>
+            <a:br>
+              <a:rPr lang="en-US" dirty="0" smtClean="0"/>
+            </a:br>
+            <a:r>
+              <a:rPr lang="en-US" dirty="0" smtClean="0"/>
+              <a:t>Describe the transformation. </a:t>
+            </a:r>
+            <a:endParaRPr lang="en-US" dirty="0"/>
+          </a:p>
+        </p:txBody>
+      </p:sp>
+      <mc:AlternateContent xmlns:mc="http://schemas.openxmlformats.org/markup-compatibility/2006" xmlns:a14="http://schemas.microsoft.com/office/drawing/2010/main">
+        <mc:Choice Requires="a14">
+          <p:sp>
+            <p:nvSpPr>
+              <p:cNvPr id="3" name="Content Placeholder 2"/>
+              <p:cNvSpPr>
+                <a:spLocks noGrp="1"/>
+              </p:cNvSpPr>
+              <p:nvPr>
+                <p:ph idx="1"/>
+              </p:nvPr>
+            </p:nvSpPr>
+            <p:spPr/>
+            <p:txBody>
+              <a:bodyPr/>
+              <a:lstStyle/>
+              <a:p>
+                <a:pPr marL="0" indent="0">
+                  <a:buNone/>
+                </a:pPr>
+                <a:r>
+                  <a:rPr lang="en-US" sz="3200" dirty="0" smtClean="0"/>
+                  <a:t>Parent Graph </a:t>
+                </a:r>
+                <a14:m>
+                  <m:oMath xmlns:m="http://schemas.openxmlformats.org/officeDocument/2006/math">
+                    <m:r>
+                      <a:rPr lang="en-US" sz="3200" i="1">
+                        <a:latin typeface="Cambria Math" panose="02040503050406030204" pitchFamily="18" charset="0"/>
+                      </a:rPr>
+                      <m:t>𝑓</m:t>
+                    </m:r>
+                    <m:d>
+                      <m:dPr>
+                        <m:ctrlPr>
+                          <a:rPr lang="en-US" sz="3200" i="1">
+                            <a:latin typeface="Cambria Math" panose="02040503050406030204" pitchFamily="18" charset="0"/>
+                          </a:rPr>
+                        </m:ctrlPr>
+                      </m:dPr>
+                      <m:e>
+                        <m:r>
+                          <a:rPr lang="en-US" sz="3200" i="1">
+                            <a:latin typeface="Cambria Math" panose="02040503050406030204" pitchFamily="18" charset="0"/>
+                          </a:rPr>
+                          <m:t>𝑥</m:t>
+                        </m:r>
+                      </m:e>
+                    </m:d>
+                    <m:r>
+                      <a:rPr lang="en-US" sz="3200" i="1">
+                        <a:latin typeface="Cambria Math" panose="02040503050406030204" pitchFamily="18" charset="0"/>
+                      </a:rPr>
+                      <m:t>=</m:t>
+                    </m:r>
+                    <m:sSup>
+                      <m:sSupPr>
+                        <m:ctrlPr>
+                          <a:rPr lang="en-US" sz="3200" i="1">
+                            <a:latin typeface="Cambria Math" panose="02040503050406030204" pitchFamily="18" charset="0"/>
+                          </a:rPr>
+                        </m:ctrlPr>
+                      </m:sSupPr>
+                      <m:e>
+                        <m:r>
+                          <a:rPr lang="en-US" sz="3200" i="1">
+                            <a:latin typeface="Cambria Math" panose="02040503050406030204" pitchFamily="18" charset="0"/>
+                          </a:rPr>
+                          <m:t>𝑥</m:t>
+                        </m:r>
+                      </m:e>
+                      <m:sup>
+                        <m:r>
+                          <a:rPr lang="en-US" sz="3200" i="1">
+                            <a:latin typeface="Cambria Math" panose="02040503050406030204" pitchFamily="18" charset="0"/>
+                          </a:rPr>
+                          <m:t>2</m:t>
+                        </m:r>
+                      </m:sup>
+                    </m:sSup>
+                  </m:oMath>
+                </a14:m>
+                <a:endParaRPr lang="en-US" sz="3200" i="1" dirty="0" smtClean="0"/>
+              </a:p>
+              <a:p>
+                <a:pPr marL="0" indent="0">
+                  <a:buNone/>
+                </a:pPr>
+                <a:r>
+                  <a:rPr lang="en-US" sz="3200" dirty="0" smtClean="0"/>
+                  <a:t>1.) </a:t>
+                </a:r>
+                <a14:m>
+                  <m:oMath xmlns:m="http://schemas.openxmlformats.org/officeDocument/2006/math">
+                    <m:r>
+                      <a:rPr lang="en-US" sz="3200" i="1">
+                        <a:latin typeface="Cambria Math" panose="02040503050406030204" pitchFamily="18" charset="0"/>
+                      </a:rPr>
+                      <m:t>𝑓</m:t>
+                    </m:r>
+                    <m:d>
+                      <m:dPr>
+                        <m:ctrlPr>
+                          <a:rPr lang="en-US" sz="3200" i="1">
+                            <a:latin typeface="Cambria Math" panose="02040503050406030204" pitchFamily="18" charset="0"/>
+                          </a:rPr>
+                        </m:ctrlPr>
+                      </m:dPr>
+                      <m:e>
+                        <m:r>
+                          <a:rPr lang="en-US" sz="3200" i="1">
+                            <a:latin typeface="Cambria Math" panose="02040503050406030204" pitchFamily="18" charset="0"/>
+                          </a:rPr>
+                          <m:t>𝑥</m:t>
+                        </m:r>
+                      </m:e>
+                    </m:d>
+                    <m:r>
+                      <a:rPr lang="en-US" sz="3200" i="1">
+                        <a:latin typeface="Cambria Math" panose="02040503050406030204" pitchFamily="18" charset="0"/>
+                      </a:rPr>
+                      <m:t>=</m:t>
+                    </m:r>
+                    <m:sSup>
+                      <m:sSupPr>
+                        <m:ctrlPr>
+                          <a:rPr lang="en-US" sz="3200" i="1">
+                            <a:latin typeface="Cambria Math" panose="02040503050406030204" pitchFamily="18" charset="0"/>
+                          </a:rPr>
+                        </m:ctrlPr>
+                      </m:sSupPr>
+                      <m:e>
+                        <m:r>
+                          <a:rPr lang="en-US" sz="3200" i="1">
+                            <a:latin typeface="Cambria Math" panose="02040503050406030204" pitchFamily="18" charset="0"/>
+                          </a:rPr>
+                          <m:t>(</m:t>
+                        </m:r>
+                        <m:r>
+                          <a:rPr lang="en-US" sz="3200" i="1">
+                            <a:latin typeface="Cambria Math" panose="02040503050406030204" pitchFamily="18" charset="0"/>
+                          </a:rPr>
+                          <m:t>𝑥</m:t>
+                        </m:r>
+                        <m:r>
+                          <a:rPr lang="en-US" sz="3200" i="1">
+                            <a:latin typeface="Cambria Math" panose="02040503050406030204" pitchFamily="18" charset="0"/>
+                          </a:rPr>
+                          <m:t>−4)</m:t>
+                        </m:r>
+                      </m:e>
+                      <m:sup>
+                        <m:r>
+                          <a:rPr lang="en-US" sz="3200" i="1">
+                            <a:latin typeface="Cambria Math" panose="02040503050406030204" pitchFamily="18" charset="0"/>
+                          </a:rPr>
+                          <m:t>2</m:t>
+                        </m:r>
+                      </m:sup>
+                    </m:sSup>
+                  </m:oMath>
+                </a14:m>
+                <a:endParaRPr lang="en-US" sz="3200" i="1" dirty="0" smtClean="0"/>
+              </a:p>
+              <a:p>
+                <a:pPr marL="0" indent="0">
+                  <a:buNone/>
+                </a:pPr>
+                <a:r>
+                  <a:rPr lang="en-US" sz="3200" dirty="0"/>
+                  <a:t>2</a:t>
+                </a:r>
+                <a:r>
+                  <a:rPr lang="en-US" sz="3200" dirty="0" smtClean="0"/>
+                  <a:t>.) </a:t>
+                </a:r>
+                <a14:m>
+                  <m:oMath xmlns:m="http://schemas.openxmlformats.org/officeDocument/2006/math">
+                    <m:r>
+                      <a:rPr lang="en-US" sz="3200" i="1">
+                        <a:latin typeface="Cambria Math" panose="02040503050406030204" pitchFamily="18" charset="0"/>
+                      </a:rPr>
+                      <m:t>𝑓</m:t>
+                    </m:r>
+                    <m:d>
+                      <m:dPr>
+                        <m:ctrlPr>
+                          <a:rPr lang="en-US" sz="3200" i="1">
+                            <a:latin typeface="Cambria Math" panose="02040503050406030204" pitchFamily="18" charset="0"/>
+                          </a:rPr>
+                        </m:ctrlPr>
+                      </m:dPr>
+                      <m:e>
+                        <m:r>
+                          <a:rPr lang="en-US" sz="3200" i="1">
+                            <a:latin typeface="Cambria Math" panose="02040503050406030204" pitchFamily="18" charset="0"/>
+                          </a:rPr>
+                          <m:t>𝑥</m:t>
+                        </m:r>
+                      </m:e>
+                    </m:d>
+                    <m:r>
+                      <a:rPr lang="en-US" sz="3200" i="1">
+                        <a:latin typeface="Cambria Math" panose="02040503050406030204" pitchFamily="18" charset="0"/>
+                      </a:rPr>
+                      <m:t>=</m:t>
+                    </m:r>
+                    <m:sSup>
+                      <m:sSupPr>
+                        <m:ctrlPr>
+                          <a:rPr lang="en-US" sz="3200" i="1">
+                            <a:latin typeface="Cambria Math" panose="02040503050406030204" pitchFamily="18" charset="0"/>
+                          </a:rPr>
+                        </m:ctrlPr>
+                      </m:sSupPr>
+                      <m:e>
+                        <m:r>
+                          <a:rPr lang="en-US" sz="3200" i="1">
+                            <a:latin typeface="Cambria Math" panose="02040503050406030204" pitchFamily="18" charset="0"/>
+                          </a:rPr>
+                          <m:t>𝑥</m:t>
+                        </m:r>
+                      </m:e>
+                      <m:sup>
+                        <m:r>
+                          <a:rPr lang="en-US" sz="3200" i="1">
+                            <a:latin typeface="Cambria Math" panose="02040503050406030204" pitchFamily="18" charset="0"/>
+                          </a:rPr>
+                          <m:t>2</m:t>
+                        </m:r>
+                      </m:sup>
+                    </m:sSup>
+                    <m:r>
+                      <a:rPr lang="en-US" sz="3200" i="1">
+                        <a:latin typeface="Cambria Math" panose="02040503050406030204" pitchFamily="18" charset="0"/>
+                      </a:rPr>
+                      <m:t>+3 </m:t>
+                    </m:r>
+                  </m:oMath>
+                </a14:m>
+                <a:endParaRPr lang="en-US" sz="3200" dirty="0" smtClean="0"/>
+              </a:p>
+              <a:p>
+                <a:pPr marL="0" indent="0">
+                  <a:buNone/>
+                </a:pPr>
+                <a:r>
+                  <a:rPr lang="en-US" sz="3200" dirty="0" smtClean="0"/>
+                  <a:t>3.) </a:t>
+                </a:r>
+                <a14:m>
+                  <m:oMath xmlns:m="http://schemas.openxmlformats.org/officeDocument/2006/math">
+                    <m:r>
+                      <a:rPr lang="en-US" sz="3200" i="1">
+                        <a:latin typeface="Cambria Math" panose="02040503050406030204" pitchFamily="18" charset="0"/>
+                      </a:rPr>
+                      <m:t>𝑓</m:t>
+                    </m:r>
+                    <m:d>
+                      <m:dPr>
+                        <m:ctrlPr>
+                          <a:rPr lang="en-US" sz="3200" i="1">
+                            <a:latin typeface="Cambria Math" panose="02040503050406030204" pitchFamily="18" charset="0"/>
+                          </a:rPr>
+                        </m:ctrlPr>
+                      </m:dPr>
+                      <m:e>
+                        <m:r>
+                          <a:rPr lang="en-US" sz="3200" i="1">
+                            <a:latin typeface="Cambria Math" panose="02040503050406030204" pitchFamily="18" charset="0"/>
+                          </a:rPr>
+                          <m:t>𝑥</m:t>
+                        </m:r>
+                      </m:e>
+                    </m:d>
+                    <m:r>
+                      <a:rPr lang="en-US" sz="3200" i="1">
+                        <a:latin typeface="Cambria Math" panose="02040503050406030204" pitchFamily="18" charset="0"/>
+                      </a:rPr>
+                      <m:t>=</m:t>
+                    </m:r>
+                    <m:sSup>
+                      <m:sSupPr>
+                        <m:ctrlPr>
+                          <a:rPr lang="en-US" sz="3200" i="1">
+                            <a:latin typeface="Cambria Math" panose="02040503050406030204" pitchFamily="18" charset="0"/>
+                          </a:rPr>
+                        </m:ctrlPr>
+                      </m:sSupPr>
+                      <m:e>
+                        <m:r>
+                          <a:rPr lang="en-US" sz="3200" b="0" i="1" smtClean="0">
+                            <a:latin typeface="Cambria Math" panose="02040503050406030204" pitchFamily="18" charset="0"/>
+                          </a:rPr>
+                          <m:t>(</m:t>
+                        </m:r>
+                        <m:r>
+                          <a:rPr lang="en-US" sz="3200" i="1">
+                            <a:latin typeface="Cambria Math" panose="02040503050406030204" pitchFamily="18" charset="0"/>
+                          </a:rPr>
+                          <m:t>𝑥</m:t>
+                        </m:r>
+                        <m:r>
+                          <a:rPr lang="en-US" sz="3200" b="0" i="1" smtClean="0">
+                            <a:latin typeface="Cambria Math" panose="02040503050406030204" pitchFamily="18" charset="0"/>
+                          </a:rPr>
+                          <m:t>+2)</m:t>
+                        </m:r>
+                      </m:e>
+                      <m:sup>
+                        <m:r>
+                          <a:rPr lang="en-US" sz="3200" i="1">
+                            <a:latin typeface="Cambria Math" panose="02040503050406030204" pitchFamily="18" charset="0"/>
+                          </a:rPr>
+                          <m:t>2</m:t>
+                        </m:r>
+                      </m:sup>
+                    </m:sSup>
+                    <m:r>
+                      <a:rPr lang="en-US" sz="3200" b="0" i="1" smtClean="0">
+                        <a:latin typeface="Cambria Math" panose="02040503050406030204" pitchFamily="18" charset="0"/>
+                      </a:rPr>
+                      <m:t>−5</m:t>
+                    </m:r>
+                  </m:oMath>
+                </a14:m>
+                <a:endParaRPr lang="en-US" sz="3200" dirty="0" smtClean="0"/>
+              </a:p>
+              <a:p>
+                <a:pPr marL="0" indent="0">
+                  <a:buNone/>
+                </a:pPr>
+                <a:r>
+                  <a:rPr lang="en-US" sz="3200" dirty="0" smtClean="0"/>
+                  <a:t>4.) </a:t>
+                </a:r>
+                <a14:m>
+                  <m:oMath xmlns:m="http://schemas.openxmlformats.org/officeDocument/2006/math">
+                    <m:r>
+                      <a:rPr lang="en-US" sz="3200" i="1">
+                        <a:latin typeface="Cambria Math" panose="02040503050406030204" pitchFamily="18" charset="0"/>
+                      </a:rPr>
+                      <m:t>𝑓</m:t>
+                    </m:r>
+                    <m:d>
+                      <m:dPr>
+                        <m:ctrlPr>
+                          <a:rPr lang="en-US" sz="3200" i="1">
+                            <a:latin typeface="Cambria Math" panose="02040503050406030204" pitchFamily="18" charset="0"/>
+                          </a:rPr>
+                        </m:ctrlPr>
+                      </m:dPr>
+                      <m:e>
+                        <m:r>
+                          <a:rPr lang="en-US" sz="3200" i="1">
+                            <a:latin typeface="Cambria Math" panose="02040503050406030204" pitchFamily="18" charset="0"/>
+                          </a:rPr>
+                          <m:t>𝑥</m:t>
+                        </m:r>
+                      </m:e>
+                    </m:d>
+                    <m:r>
+                      <a:rPr lang="en-US" sz="3200" i="1">
+                        <a:latin typeface="Cambria Math" panose="02040503050406030204" pitchFamily="18" charset="0"/>
+                      </a:rPr>
+                      <m:t>=</m:t>
+                    </m:r>
+                    <m:r>
+                      <a:rPr lang="en-US" sz="3200" b="0" i="1" smtClean="0">
+                        <a:latin typeface="Cambria Math" panose="02040503050406030204" pitchFamily="18" charset="0"/>
+                      </a:rPr>
+                      <m:t>−5(</m:t>
+                    </m:r>
+                    <m:sSup>
+                      <m:sSupPr>
+                        <m:ctrlPr>
+                          <a:rPr lang="en-US" sz="3200" i="1">
+                            <a:latin typeface="Cambria Math" panose="02040503050406030204" pitchFamily="18" charset="0"/>
+                          </a:rPr>
+                        </m:ctrlPr>
+                      </m:sSupPr>
+                      <m:e>
+                        <m:r>
+                          <a:rPr lang="en-US" sz="3200" i="1">
+                            <a:latin typeface="Cambria Math" panose="02040503050406030204" pitchFamily="18" charset="0"/>
+                          </a:rPr>
+                          <m:t>𝑥</m:t>
+                        </m:r>
+                        <m:r>
+                          <a:rPr lang="en-US" sz="3200" b="0" i="1" smtClean="0">
+                            <a:latin typeface="Cambria Math" panose="02040503050406030204" pitchFamily="18" charset="0"/>
+                          </a:rPr>
+                          <m:t>−1)</m:t>
+                        </m:r>
+                      </m:e>
+                      <m:sup>
+                        <m:r>
+                          <a:rPr lang="en-US" sz="3200" i="1">
+                            <a:latin typeface="Cambria Math" panose="02040503050406030204" pitchFamily="18" charset="0"/>
+                          </a:rPr>
+                          <m:t>2</m:t>
+                        </m:r>
+                      </m:sup>
+                    </m:sSup>
+                    <m:r>
+                      <a:rPr lang="en-US" sz="3200" b="0" i="1" smtClean="0">
+                        <a:latin typeface="Cambria Math" panose="02040503050406030204" pitchFamily="18" charset="0"/>
+                      </a:rPr>
+                      <m:t>+6</m:t>
+                    </m:r>
+                  </m:oMath>
+                </a14:m>
+                <a:endParaRPr lang="en-US" sz="3200" dirty="0" smtClean="0"/>
+              </a:p>
+              <a:p>
+                <a:pPr marL="0" indent="0">
+                  <a:buNone/>
+                </a:pPr>
+                <a:endParaRPr lang="en-US" dirty="0"/>
+              </a:p>
+              <a:p>
+                <a:pPr marL="0" indent="0">
+                  <a:buNone/>
+                </a:pPr>
+                <a:endParaRPr lang="en-US" dirty="0"/>
+              </a:p>
+            </p:txBody>
+          </p:sp>
+        </mc:Choice>
+        <mc:Fallback xmlns="">
+          <p:sp>
+            <p:nvSpPr>
+              <p:cNvPr id="3" name="Content Placeholder 2"/>
+              <p:cNvSpPr>
+                <a:spLocks noGrp="1" noRot="1" noChangeAspect="1" noMove="1" noResize="1" noEditPoints="1" noAdjustHandles="1" noChangeArrowheads="1" noChangeShapeType="1" noTextEdit="1"/>
+              </p:cNvSpPr>
+              <p:nvPr>
+                <p:ph idx="1"/>
+              </p:nvPr>
+            </p:nvSpPr>
+            <p:spPr>
+              <a:blipFill rotWithShape="0">
+                <a:blip r:embed="rId2"/>
+                <a:stretch>
+                  <a:fillRect l="-1587" t="-2891"/>
+                </a:stretch>
+              </a:blipFill>
+            </p:spPr>
+            <p:txBody>
+              <a:bodyPr/>
+              <a:lstStyle/>
+              <a:p>
+                <a:r>
+                  <a:rPr lang="en-US">
+                    <a:noFill/>
+                  </a:rPr>
+                  <a:t> </a:t>
+                </a:r>
+              </a:p>
+            </p:txBody>
+          </p:sp>
+        </mc:Fallback>
+      </mc:AlternateContent>
+    </p:spTree>
+    <p:extLst>
+      <p:ext uri="{BB962C8B-B14F-4D97-AF65-F5344CB8AC3E}">
+        <p14:creationId xmlns:p14="http://schemas.microsoft.com/office/powerpoint/2010/main" val="2509323724"/>
+      </p:ext>
+    </p:extLst>
+  </p:cSld>
+  <p:clrMapOvr>
+    <a:masterClrMapping/>
+  </p:clrMapOvr>
+  <p:timing>
+    <p:tnLst>
+      <p:par>
+        <p:cTn id="1" dur="indefinite" restart="never" nodeType="tmRoot"/>
+      </p:par>
+    </p:tnLst>
+  </p:timing>
+</p:sld>
+</file>
+
+<file path=ppt/slides/slide18.xml><?xml version="1.0" encoding="utf-8"?>
+<p:sld xmlns:a="http://schemas.openxmlformats.org/drawingml/2006/main" xmlns:r="http://schemas.openxmlformats.org/officeDocument/2006/relationships" xmlns:p="http://schemas.openxmlformats.org/presentationml/2006/main">
+  <p:cSld>
+    <p:spTree>
+      <p:nvGrpSpPr>
+        <p:cNvPr id="1" name=""/>
+        <p:cNvGrpSpPr/>
+        <p:nvPr/>
+      </p:nvGrpSpPr>
+      <p:grpSpPr>
+        <a:xfrm>
+          <a:off x="0" y="0"/>
+          <a:ext cx="0" cy="0"/>
+          <a:chOff x="0" y="0"/>
+          <a:chExt cx="0" cy="0"/>
+        </a:xfrm>
+      </p:grpSpPr>
+      <p:sp>
+        <p:nvSpPr>
+          <p:cNvPr id="2" name="Title 1"/>
+          <p:cNvSpPr>
+            <a:spLocks noGrp="1"/>
+          </p:cNvSpPr>
+          <p:nvPr>
+            <p:ph type="title"/>
+          </p:nvPr>
+        </p:nvSpPr>
+        <p:spPr/>
+        <p:txBody>
+          <a:bodyPr/>
+          <a:lstStyle/>
+          <a:p>
+            <a:r>
+              <a:rPr lang="en-US" dirty="0" smtClean="0"/>
+              <a:t>For Next Time… </a:t>
+            </a:r>
+            <a:endParaRPr lang="en-US" dirty="0"/>
+          </a:p>
+        </p:txBody>
+      </p:sp>
+      <p:sp>
+        <p:nvSpPr>
+          <p:cNvPr id="3" name="Content Placeholder 2"/>
+          <p:cNvSpPr>
+            <a:spLocks noGrp="1"/>
+          </p:cNvSpPr>
+          <p:nvPr>
+            <p:ph idx="1"/>
+          </p:nvPr>
+        </p:nvSpPr>
+        <p:spPr>
+          <a:xfrm>
+            <a:off x="1371600" y="1753849"/>
+            <a:ext cx="9601200" cy="4961744"/>
+          </a:xfrm>
+        </p:spPr>
+        <p:txBody>
+          <a:bodyPr>
+            <a:normAutofit/>
+          </a:bodyPr>
+          <a:lstStyle/>
+          <a:p>
+            <a:pPr marL="0" indent="0">
+              <a:buNone/>
+            </a:pPr>
+            <a:r>
+              <a:rPr lang="en-US" sz="3000" dirty="0" smtClean="0"/>
+              <a:t>New Material (Section 2.5)</a:t>
+            </a:r>
+          </a:p>
+          <a:p>
+            <a:pPr marL="0" indent="0">
+              <a:buNone/>
+            </a:pPr>
+            <a:r>
+              <a:rPr lang="en-US" sz="3000" dirty="0" smtClean="0"/>
+              <a:t>Page 96 #</a:t>
+            </a:r>
+            <a:r>
+              <a:rPr lang="en-US" sz="3200" dirty="0" smtClean="0"/>
+              <a:t>1, 7, 9, 13, 15-17, 27</a:t>
+            </a:r>
+          </a:p>
+          <a:p>
+            <a:pPr marL="0" indent="0">
+              <a:buNone/>
+            </a:pPr>
+            <a:endParaRPr lang="en-US" sz="3000" dirty="0" smtClean="0"/>
+          </a:p>
+          <a:p>
+            <a:pPr marL="0" indent="0">
+              <a:buNone/>
+            </a:pPr>
+            <a:r>
+              <a:rPr lang="en-US" sz="3000" dirty="0"/>
+              <a:t>New Material (Section </a:t>
+            </a:r>
+            <a:r>
+              <a:rPr lang="en-US" sz="3000" dirty="0" smtClean="0"/>
+              <a:t>2.6)</a:t>
+            </a:r>
+            <a:endParaRPr lang="en-US" sz="3000" dirty="0"/>
+          </a:p>
+          <a:p>
+            <a:pPr marL="0" indent="0">
+              <a:buNone/>
+            </a:pPr>
+            <a:r>
+              <a:rPr lang="en-US" sz="3000" dirty="0" smtClean="0"/>
+              <a:t>Page 103 #5, 6, 13, 19-21, 55</a:t>
+            </a:r>
+          </a:p>
+          <a:p>
+            <a:pPr marL="0" indent="0">
+              <a:buNone/>
+            </a:pPr>
+            <a:endParaRPr lang="en-US" sz="3000" dirty="0" smtClean="0"/>
+          </a:p>
+        </p:txBody>
+      </p:sp>
+    </p:spTree>
+    <p:extLst>
+      <p:ext uri="{BB962C8B-B14F-4D97-AF65-F5344CB8AC3E}">
+        <p14:creationId xmlns:p14="http://schemas.microsoft.com/office/powerpoint/2010/main" val="3701921675"/>
+      </p:ext>
+    </p:extLst>
+  </p:cSld>
+  <p:clrMapOvr>
+    <a:masterClrMapping/>
+  </p:clrMapOvr>
+  <p:timing>
+    <p:tnLst>
+      <p:par>
+        <p:cTn id="1" dur="indefinite" restart="never" nodeType="tmRoot"/>
+      </p:par>
+    </p:tnLst>
+  </p:timing>
+</p:sld>
+</file>
+
+<file path=ppt/slides/slide2.xml><?xml version="1.0" encoding="utf-8"?>
+<p:sld xmlns:a="http://schemas.openxmlformats.org/drawingml/2006/main" xmlns:r="http://schemas.openxmlformats.org/officeDocument/2006/relationships" xmlns:p="http://schemas.openxmlformats.org/presentationml/2006/main">
+  <p:cSld>
+    <p:spTree>
+      <p:nvGrpSpPr>
+        <p:cNvPr id="1" name=""/>
+        <p:cNvGrpSpPr/>
+        <p:nvPr/>
+      </p:nvGrpSpPr>
+      <p:grpSpPr>
+        <a:xfrm>
+          <a:off x="0" y="0"/>
+          <a:ext cx="0" cy="0"/>
+          <a:chOff x="0" y="0"/>
+          <a:chExt cx="0" cy="0"/>
+        </a:xfrm>
+      </p:grpSpPr>
+      <p:sp>
+        <p:nvSpPr>
+          <p:cNvPr id="2" name="Title 1"/>
+          <p:cNvSpPr>
+            <a:spLocks noGrp="1"/>
+          </p:cNvSpPr>
+          <p:nvPr>
+            <p:ph type="title"/>
+          </p:nvPr>
+        </p:nvSpPr>
+        <p:spPr>
+          <a:xfrm>
+            <a:off x="749808" y="0"/>
+            <a:ext cx="9601200" cy="1485900"/>
+          </a:xfrm>
+        </p:spPr>
+        <p:txBody>
+          <a:bodyPr>
+            <a:normAutofit fontScale="90000"/>
+          </a:bodyPr>
+          <a:lstStyle/>
+          <a:p>
+            <a:r>
+              <a:rPr lang="en-US" dirty="0" smtClean="0"/>
+              <a:t>Bell Work Explained:</a:t>
+            </a:r>
+            <a:br>
+              <a:rPr lang="en-US" dirty="0" smtClean="0"/>
+            </a:br>
+            <a:r>
+              <a:rPr lang="en-US" dirty="0"/>
+              <a:t>1.) Write the equation, and graph the line through (3, 10) and (0, 1)</a:t>
+            </a:r>
+            <a:br>
+              <a:rPr lang="en-US" dirty="0"/>
+            </a:br>
+            <a:endParaRPr lang="en-US" dirty="0"/>
+          </a:p>
+        </p:txBody>
+      </p:sp>
+      <mc:AlternateContent xmlns:mc="http://schemas.openxmlformats.org/markup-compatibility/2006" xmlns:a14="http://schemas.microsoft.com/office/drawing/2010/main">
+        <mc:Choice Requires="a14">
+          <p:sp>
+            <p:nvSpPr>
+              <p:cNvPr id="3" name="Content Placeholder 2"/>
+              <p:cNvSpPr>
+                <a:spLocks noGrp="1"/>
+              </p:cNvSpPr>
+              <p:nvPr>
+                <p:ph idx="1"/>
+              </p:nvPr>
+            </p:nvSpPr>
+            <p:spPr>
+              <a:xfrm>
+                <a:off x="749808" y="1858061"/>
+                <a:ext cx="11442192" cy="4999939"/>
+              </a:xfrm>
+            </p:spPr>
+            <p:txBody>
+              <a:bodyPr>
+                <a:normAutofit fontScale="92500"/>
+              </a:bodyPr>
+              <a:lstStyle/>
+              <a:p>
+                <a:pPr marL="0" indent="0">
+                  <a:buNone/>
+                </a:pPr>
+                <a:r>
+                  <a:rPr lang="en-US" sz="3000" dirty="0" smtClean="0"/>
+                  <a:t>--We need to find the slope. You have 2 choices… plot the two points and count the </a:t>
+                </a:r>
+                <a14:m>
+                  <m:oMath xmlns:m="http://schemas.openxmlformats.org/officeDocument/2006/math">
+                    <m:f>
+                      <m:fPr>
+                        <m:ctrlPr>
+                          <a:rPr lang="en-US" sz="3000" i="1" smtClean="0">
+                            <a:latin typeface="Cambria Math" panose="02040503050406030204" pitchFamily="18" charset="0"/>
+                          </a:rPr>
+                        </m:ctrlPr>
+                      </m:fPr>
+                      <m:num>
+                        <m:r>
+                          <a:rPr lang="en-US" sz="3000" b="0" i="1" smtClean="0">
+                            <a:latin typeface="Cambria Math" panose="02040503050406030204" pitchFamily="18" charset="0"/>
+                          </a:rPr>
+                          <m:t>𝑟𝑖𝑠𝑒</m:t>
+                        </m:r>
+                      </m:num>
+                      <m:den>
+                        <m:r>
+                          <a:rPr lang="en-US" sz="3000" b="0" i="1" smtClean="0">
+                            <a:latin typeface="Cambria Math" panose="02040503050406030204" pitchFamily="18" charset="0"/>
+                          </a:rPr>
+                          <m:t>𝑟𝑢𝑛</m:t>
+                        </m:r>
+                      </m:den>
+                    </m:f>
+                    <m:r>
+                      <a:rPr lang="en-US" sz="3000" b="0" i="1" smtClean="0">
+                        <a:latin typeface="Cambria Math" panose="02040503050406030204" pitchFamily="18" charset="0"/>
+                      </a:rPr>
+                      <m:t>  </m:t>
+                    </m:r>
+                    <m:r>
+                      <a:rPr lang="en-US" sz="3000" b="0" i="1" smtClean="0">
+                        <a:latin typeface="Cambria Math" panose="02040503050406030204" pitchFamily="18" charset="0"/>
+                      </a:rPr>
+                      <m:t>𝑜𝑟</m:t>
+                    </m:r>
+                    <m:r>
+                      <a:rPr lang="en-US" sz="3000" b="0" i="1" smtClean="0">
+                        <a:latin typeface="Cambria Math" panose="02040503050406030204" pitchFamily="18" charset="0"/>
+                      </a:rPr>
+                      <m:t> </m:t>
+                    </m:r>
+                    <m:r>
+                      <a:rPr lang="en-US" sz="3000" b="0" i="1" smtClean="0">
+                        <a:latin typeface="Cambria Math" panose="02040503050406030204" pitchFamily="18" charset="0"/>
+                      </a:rPr>
+                      <m:t>𝑝𝑙𝑢𝑔</m:t>
+                    </m:r>
+                    <m:r>
+                      <a:rPr lang="en-US" sz="3000" b="0" i="1" smtClean="0">
+                        <a:latin typeface="Cambria Math" panose="02040503050406030204" pitchFamily="18" charset="0"/>
+                      </a:rPr>
+                      <m:t> </m:t>
+                    </m:r>
+                    <m:r>
+                      <a:rPr lang="en-US" sz="3000" b="0" i="1" smtClean="0">
+                        <a:latin typeface="Cambria Math" panose="02040503050406030204" pitchFamily="18" charset="0"/>
+                      </a:rPr>
+                      <m:t>𝑖𝑛𝑡𝑜</m:t>
+                    </m:r>
+                    <m:r>
+                      <a:rPr lang="en-US" sz="3000" b="0" i="1" smtClean="0">
+                        <a:latin typeface="Cambria Math" panose="02040503050406030204" pitchFamily="18" charset="0"/>
+                      </a:rPr>
+                      <m:t> </m:t>
+                    </m:r>
+                    <m:r>
+                      <a:rPr lang="en-US" sz="3000" b="0" i="1" smtClean="0">
+                        <a:latin typeface="Cambria Math" panose="02040503050406030204" pitchFamily="18" charset="0"/>
+                      </a:rPr>
+                      <m:t>𝑡h𝑒</m:t>
+                    </m:r>
+                    <m:r>
+                      <a:rPr lang="en-US" sz="3000" b="0" i="1" smtClean="0">
+                        <a:latin typeface="Cambria Math" panose="02040503050406030204" pitchFamily="18" charset="0"/>
+                      </a:rPr>
+                      <m:t> </m:t>
+                    </m:r>
+                    <m:r>
+                      <a:rPr lang="en-US" sz="3000" b="0" i="1" smtClean="0">
+                        <a:latin typeface="Cambria Math" panose="02040503050406030204" pitchFamily="18" charset="0"/>
+                      </a:rPr>
+                      <m:t>𝑠𝑙𝑜𝑝𝑒</m:t>
+                    </m:r>
+                    <m:r>
+                      <a:rPr lang="en-US" sz="3000" b="0" i="1" smtClean="0">
+                        <a:latin typeface="Cambria Math" panose="02040503050406030204" pitchFamily="18" charset="0"/>
+                      </a:rPr>
+                      <m:t> </m:t>
+                    </m:r>
+                    <m:r>
+                      <a:rPr lang="en-US" sz="3000" b="0" i="1" smtClean="0">
+                        <a:latin typeface="Cambria Math" panose="02040503050406030204" pitchFamily="18" charset="0"/>
+                      </a:rPr>
+                      <m:t>𝑒𝑞𝑢𝑎𝑡𝑖𝑜𝑛</m:t>
+                    </m:r>
+                    <m:r>
+                      <a:rPr lang="en-US" sz="3000" b="0" i="1" smtClean="0">
+                        <a:latin typeface="Cambria Math" panose="02040503050406030204" pitchFamily="18" charset="0"/>
+                      </a:rPr>
+                      <m:t>:</m:t>
+                    </m:r>
+                    <m:r>
+                      <a:rPr lang="en-US" sz="3000" b="0" i="1" smtClean="0">
+                        <a:latin typeface="Cambria Math" panose="02040503050406030204" pitchFamily="18" charset="0"/>
+                      </a:rPr>
+                      <m:t>𝑚</m:t>
+                    </m:r>
+                    <m:r>
+                      <a:rPr lang="en-US" sz="3000" b="0" i="1" smtClean="0">
+                        <a:latin typeface="Cambria Math" panose="02040503050406030204" pitchFamily="18" charset="0"/>
+                      </a:rPr>
+                      <m:t>=</m:t>
+                    </m:r>
+                    <m:f>
+                      <m:fPr>
+                        <m:ctrlPr>
+                          <a:rPr lang="en-US" sz="3000" b="0" i="1" smtClean="0">
+                            <a:latin typeface="Cambria Math" panose="02040503050406030204" pitchFamily="18" charset="0"/>
+                          </a:rPr>
+                        </m:ctrlPr>
+                      </m:fPr>
+                      <m:num>
+                        <m:sSub>
+                          <m:sSubPr>
+                            <m:ctrlPr>
+                              <a:rPr lang="en-US" sz="3000" b="0" i="1" smtClean="0">
+                                <a:latin typeface="Cambria Math" panose="02040503050406030204" pitchFamily="18" charset="0"/>
+                              </a:rPr>
+                            </m:ctrlPr>
+                          </m:sSubPr>
+                          <m:e>
+                            <m:r>
+                              <a:rPr lang="en-US" sz="3000" b="0" i="1" smtClean="0">
+                                <a:latin typeface="Cambria Math" panose="02040503050406030204" pitchFamily="18" charset="0"/>
+                              </a:rPr>
+                              <m:t>𝑦</m:t>
+                            </m:r>
+                          </m:e>
+                          <m:sub>
+                            <m:r>
+                              <a:rPr lang="en-US" sz="3000" b="0" i="1" smtClean="0">
+                                <a:latin typeface="Cambria Math" panose="02040503050406030204" pitchFamily="18" charset="0"/>
+                              </a:rPr>
+                              <m:t>2</m:t>
+                            </m:r>
+                          </m:sub>
+                        </m:sSub>
+                        <m:r>
+                          <a:rPr lang="en-US" sz="3000" b="0" i="1" smtClean="0">
+                            <a:latin typeface="Cambria Math" panose="02040503050406030204" pitchFamily="18" charset="0"/>
+                          </a:rPr>
+                          <m:t>−</m:t>
+                        </m:r>
+                        <m:sSub>
+                          <m:sSubPr>
+                            <m:ctrlPr>
+                              <a:rPr lang="en-US" sz="3000" b="0" i="1" smtClean="0">
+                                <a:latin typeface="Cambria Math" panose="02040503050406030204" pitchFamily="18" charset="0"/>
+                              </a:rPr>
+                            </m:ctrlPr>
+                          </m:sSubPr>
+                          <m:e>
+                            <m:r>
+                              <a:rPr lang="en-US" sz="3000" b="0" i="1" smtClean="0">
+                                <a:latin typeface="Cambria Math" panose="02040503050406030204" pitchFamily="18" charset="0"/>
+                              </a:rPr>
+                              <m:t>𝑦</m:t>
+                            </m:r>
+                          </m:e>
+                          <m:sub>
+                            <m:r>
+                              <a:rPr lang="en-US" sz="3000" b="0" i="1" smtClean="0">
+                                <a:latin typeface="Cambria Math" panose="02040503050406030204" pitchFamily="18" charset="0"/>
+                              </a:rPr>
+                              <m:t>1</m:t>
+                            </m:r>
+                          </m:sub>
+                        </m:sSub>
+                      </m:num>
+                      <m:den>
+                        <m:sSub>
+                          <m:sSubPr>
+                            <m:ctrlPr>
+                              <a:rPr lang="en-US" sz="3000" b="0" i="1" smtClean="0">
+                                <a:latin typeface="Cambria Math" panose="02040503050406030204" pitchFamily="18" charset="0"/>
+                              </a:rPr>
+                            </m:ctrlPr>
+                          </m:sSubPr>
+                          <m:e>
+                            <m:r>
+                              <a:rPr lang="en-US" sz="3000" b="0" i="1" smtClean="0">
+                                <a:latin typeface="Cambria Math" panose="02040503050406030204" pitchFamily="18" charset="0"/>
+                              </a:rPr>
+                              <m:t>𝑥</m:t>
+                            </m:r>
+                          </m:e>
+                          <m:sub>
+                            <m:r>
+                              <a:rPr lang="en-US" sz="3000" b="0" i="1" smtClean="0">
+                                <a:latin typeface="Cambria Math" panose="02040503050406030204" pitchFamily="18" charset="0"/>
+                              </a:rPr>
+                              <m:t>2</m:t>
+                            </m:r>
+                          </m:sub>
+                        </m:sSub>
+                        <m:r>
+                          <a:rPr lang="en-US" sz="3000" b="0" i="1" smtClean="0">
+                            <a:latin typeface="Cambria Math" panose="02040503050406030204" pitchFamily="18" charset="0"/>
+                          </a:rPr>
+                          <m:t>−</m:t>
+                        </m:r>
+                        <m:sSub>
+                          <m:sSubPr>
+                            <m:ctrlPr>
+                              <a:rPr lang="en-US" sz="3000" b="0" i="1" smtClean="0">
+                                <a:latin typeface="Cambria Math" panose="02040503050406030204" pitchFamily="18" charset="0"/>
+                              </a:rPr>
+                            </m:ctrlPr>
+                          </m:sSubPr>
+                          <m:e>
+                            <m:r>
+                              <a:rPr lang="en-US" sz="3000" b="0" i="1" smtClean="0">
+                                <a:latin typeface="Cambria Math" panose="02040503050406030204" pitchFamily="18" charset="0"/>
+                              </a:rPr>
+                              <m:t>𝑥</m:t>
+                            </m:r>
+                          </m:e>
+                          <m:sub>
+                            <m:r>
+                              <a:rPr lang="en-US" sz="3000" b="0" i="1" smtClean="0">
+                                <a:latin typeface="Cambria Math" panose="02040503050406030204" pitchFamily="18" charset="0"/>
+                              </a:rPr>
+                              <m:t>1</m:t>
+                            </m:r>
+                          </m:sub>
+                        </m:sSub>
+                      </m:den>
+                    </m:f>
+                  </m:oMath>
+                </a14:m>
+                <a:r>
+                  <a:rPr lang="en-US" dirty="0" smtClean="0"/>
+                  <a:t>                    </a:t>
+                </a:r>
+                <a:br>
+                  <a:rPr lang="en-US" dirty="0" smtClean="0"/>
+                </a:br>
+                <a:r>
+                  <a:rPr lang="en-US" dirty="0" smtClean="0"/>
+                  <a:t>Note: Use </a:t>
+                </a:r>
+                <a:r>
+                  <a:rPr lang="en-US" dirty="0"/>
+                  <a:t>the </a:t>
+                </a:r>
+                <a:r>
+                  <a:rPr lang="en-US" dirty="0" smtClean="0"/>
+                  <a:t>1</a:t>
+                </a:r>
+                <a:r>
+                  <a:rPr lang="en-US" baseline="30000" dirty="0" smtClean="0"/>
+                  <a:t>st</a:t>
+                </a:r>
+                <a:r>
+                  <a:rPr lang="en-US" dirty="0" smtClean="0"/>
+                  <a:t> point </a:t>
+                </a:r>
+                <a:r>
+                  <a:rPr lang="en-US" dirty="0"/>
+                  <a:t>as point 1 and the 2</a:t>
+                </a:r>
+                <a:r>
+                  <a:rPr lang="en-US" baseline="30000" dirty="0"/>
+                  <a:t>nd</a:t>
+                </a:r>
+                <a:r>
+                  <a:rPr lang="en-US" dirty="0"/>
+                  <a:t> as point 2</a:t>
+                </a:r>
+              </a:p>
+              <a:p>
+                <a:pPr marL="0" indent="0">
+                  <a:buNone/>
+                </a:pPr>
+                <a:endParaRPr lang="en-US" dirty="0" smtClean="0"/>
+              </a:p>
+              <a:p>
+                <a:pPr marL="0" indent="0">
+                  <a:buNone/>
+                </a:pPr>
+                <a14:m>
+                  <m:oMath xmlns:m="http://schemas.openxmlformats.org/officeDocument/2006/math">
+                    <m:r>
+                      <a:rPr lang="en-US" sz="3200" i="1">
+                        <a:latin typeface="Cambria Math" panose="02040503050406030204" pitchFamily="18" charset="0"/>
+                      </a:rPr>
+                      <m:t>𝑚</m:t>
+                    </m:r>
+                    <m:r>
+                      <a:rPr lang="en-US" sz="3200" i="1">
+                        <a:latin typeface="Cambria Math" panose="02040503050406030204" pitchFamily="18" charset="0"/>
+                      </a:rPr>
+                      <m:t>=</m:t>
+                    </m:r>
+                    <m:f>
+                      <m:fPr>
+                        <m:ctrlPr>
+                          <a:rPr lang="en-US" sz="3200" i="1">
+                            <a:latin typeface="Cambria Math" panose="02040503050406030204" pitchFamily="18" charset="0"/>
+                          </a:rPr>
+                        </m:ctrlPr>
+                      </m:fPr>
+                      <m:num>
+                        <m:sSub>
+                          <m:sSubPr>
+                            <m:ctrlPr>
+                              <a:rPr lang="en-US" sz="3200" i="1">
+                                <a:latin typeface="Cambria Math" panose="02040503050406030204" pitchFamily="18" charset="0"/>
+                              </a:rPr>
+                            </m:ctrlPr>
+                          </m:sSubPr>
+                          <m:e>
+                            <m:r>
+                              <a:rPr lang="en-US" sz="3200" i="1">
+                                <a:latin typeface="Cambria Math" panose="02040503050406030204" pitchFamily="18" charset="0"/>
+                              </a:rPr>
+                              <m:t>𝑦</m:t>
+                            </m:r>
+                          </m:e>
+                          <m:sub>
+                            <m:r>
+                              <a:rPr lang="en-US" sz="3200" i="1">
+                                <a:latin typeface="Cambria Math" panose="02040503050406030204" pitchFamily="18" charset="0"/>
+                              </a:rPr>
+                              <m:t>2</m:t>
+                            </m:r>
+                          </m:sub>
+                        </m:sSub>
+                        <m:r>
+                          <a:rPr lang="en-US" sz="3200" i="1">
+                            <a:latin typeface="Cambria Math" panose="02040503050406030204" pitchFamily="18" charset="0"/>
+                          </a:rPr>
+                          <m:t>−</m:t>
+                        </m:r>
+                        <m:sSub>
+                          <m:sSubPr>
+                            <m:ctrlPr>
+                              <a:rPr lang="en-US" sz="3200" i="1">
+                                <a:latin typeface="Cambria Math" panose="02040503050406030204" pitchFamily="18" charset="0"/>
+                              </a:rPr>
+                            </m:ctrlPr>
+                          </m:sSubPr>
+                          <m:e>
+                            <m:r>
+                              <a:rPr lang="en-US" sz="3200" i="1">
+                                <a:latin typeface="Cambria Math" panose="02040503050406030204" pitchFamily="18" charset="0"/>
+                              </a:rPr>
+                              <m:t>𝑦</m:t>
+                            </m:r>
+                          </m:e>
+                          <m:sub>
+                            <m:r>
+                              <a:rPr lang="en-US" sz="3200" i="1">
+                                <a:latin typeface="Cambria Math" panose="02040503050406030204" pitchFamily="18" charset="0"/>
+                              </a:rPr>
+                              <m:t>1</m:t>
+                            </m:r>
+                          </m:sub>
+                        </m:sSub>
+                      </m:num>
+                      <m:den>
+                        <m:sSub>
+                          <m:sSubPr>
+                            <m:ctrlPr>
+                              <a:rPr lang="en-US" sz="3200" i="1">
+                                <a:latin typeface="Cambria Math" panose="02040503050406030204" pitchFamily="18" charset="0"/>
+                              </a:rPr>
+                            </m:ctrlPr>
+                          </m:sSubPr>
+                          <m:e>
+                            <m:r>
+                              <a:rPr lang="en-US" sz="3200" i="1">
+                                <a:latin typeface="Cambria Math" panose="02040503050406030204" pitchFamily="18" charset="0"/>
+                              </a:rPr>
+                              <m:t>𝑥</m:t>
+                            </m:r>
+                          </m:e>
+                          <m:sub>
+                            <m:r>
+                              <a:rPr lang="en-US" sz="3200" i="1">
+                                <a:latin typeface="Cambria Math" panose="02040503050406030204" pitchFamily="18" charset="0"/>
+                              </a:rPr>
+                              <m:t>2</m:t>
+                            </m:r>
+                          </m:sub>
+                        </m:sSub>
+                        <m:r>
+                          <a:rPr lang="en-US" sz="3200" i="1">
+                            <a:latin typeface="Cambria Math" panose="02040503050406030204" pitchFamily="18" charset="0"/>
+                          </a:rPr>
+                          <m:t>−</m:t>
+                        </m:r>
+                        <m:sSub>
+                          <m:sSubPr>
+                            <m:ctrlPr>
+                              <a:rPr lang="en-US" sz="3200" i="1">
+                                <a:latin typeface="Cambria Math" panose="02040503050406030204" pitchFamily="18" charset="0"/>
+                              </a:rPr>
+                            </m:ctrlPr>
+                          </m:sSubPr>
+                          <m:e>
+                            <m:r>
+                              <a:rPr lang="en-US" sz="3200" i="1">
+                                <a:latin typeface="Cambria Math" panose="02040503050406030204" pitchFamily="18" charset="0"/>
+                              </a:rPr>
+                              <m:t>𝑥</m:t>
+                            </m:r>
+                          </m:e>
+                          <m:sub>
+                            <m:r>
+                              <a:rPr lang="en-US" sz="3200" i="1">
+                                <a:latin typeface="Cambria Math" panose="02040503050406030204" pitchFamily="18" charset="0"/>
+                              </a:rPr>
+                              <m:t>1</m:t>
+                            </m:r>
+                          </m:sub>
+                        </m:sSub>
+                      </m:den>
+                    </m:f>
+                    <m:r>
+                      <a:rPr lang="en-US" sz="3200" b="0" i="1" smtClean="0">
+                        <a:latin typeface="Cambria Math" panose="02040503050406030204" pitchFamily="18" charset="0"/>
+                      </a:rPr>
+                      <m:t>=</m:t>
+                    </m:r>
+                    <m:f>
+                      <m:fPr>
+                        <m:ctrlPr>
+                          <a:rPr lang="en-US" sz="3200" i="1">
+                            <a:latin typeface="Cambria Math" panose="02040503050406030204" pitchFamily="18" charset="0"/>
+                          </a:rPr>
+                        </m:ctrlPr>
+                      </m:fPr>
+                      <m:num>
+                        <m:r>
+                          <a:rPr lang="en-US" sz="3200" b="0" i="1" smtClean="0">
+                            <a:latin typeface="Cambria Math" panose="02040503050406030204" pitchFamily="18" charset="0"/>
+                          </a:rPr>
+                          <m:t>1</m:t>
+                        </m:r>
+                        <m:r>
+                          <a:rPr lang="en-US" sz="3200" i="1">
+                            <a:latin typeface="Cambria Math" panose="02040503050406030204" pitchFamily="18" charset="0"/>
+                          </a:rPr>
+                          <m:t>−</m:t>
+                        </m:r>
+                        <m:r>
+                          <a:rPr lang="en-US" sz="3200" b="0" i="1" smtClean="0">
+                            <a:latin typeface="Cambria Math" panose="02040503050406030204" pitchFamily="18" charset="0"/>
+                          </a:rPr>
+                          <m:t>10</m:t>
+                        </m:r>
+                      </m:num>
+                      <m:den>
+                        <m:r>
+                          <a:rPr lang="en-US" sz="3200" b="0" i="1" smtClean="0">
+                            <a:latin typeface="Cambria Math" panose="02040503050406030204" pitchFamily="18" charset="0"/>
+                          </a:rPr>
+                          <m:t>0</m:t>
+                        </m:r>
+                        <m:r>
+                          <a:rPr lang="en-US" sz="3200" i="1">
+                            <a:latin typeface="Cambria Math" panose="02040503050406030204" pitchFamily="18" charset="0"/>
+                          </a:rPr>
+                          <m:t>−</m:t>
+                        </m:r>
+                        <m:r>
+                          <a:rPr lang="en-US" sz="3200" b="0" i="1" smtClean="0">
+                            <a:latin typeface="Cambria Math" panose="02040503050406030204" pitchFamily="18" charset="0"/>
+                          </a:rPr>
+                          <m:t>3</m:t>
+                        </m:r>
+                      </m:den>
+                    </m:f>
+                    <m:r>
+                      <a:rPr lang="en-US" sz="3200" b="0" i="0" smtClean="0">
+                        <a:latin typeface="Cambria Math" panose="02040503050406030204" pitchFamily="18" charset="0"/>
+                      </a:rPr>
+                      <m:t>=</m:t>
+                    </m:r>
+                    <m:f>
+                      <m:fPr>
+                        <m:ctrlPr>
+                          <a:rPr lang="en-US" sz="3200" i="1">
+                            <a:latin typeface="Cambria Math" panose="02040503050406030204" pitchFamily="18" charset="0"/>
+                          </a:rPr>
+                        </m:ctrlPr>
+                      </m:fPr>
+                      <m:num>
+                        <m:r>
+                          <a:rPr lang="en-US" sz="3200" i="1">
+                            <a:latin typeface="Cambria Math" panose="02040503050406030204" pitchFamily="18" charset="0"/>
+                          </a:rPr>
+                          <m:t>−</m:t>
+                        </m:r>
+                        <m:r>
+                          <a:rPr lang="en-US" sz="3200" b="0" i="1" smtClean="0">
+                            <a:latin typeface="Cambria Math" panose="02040503050406030204" pitchFamily="18" charset="0"/>
+                          </a:rPr>
+                          <m:t>9</m:t>
+                        </m:r>
+                      </m:num>
+                      <m:den>
+                        <m:r>
+                          <a:rPr lang="en-US" sz="3200" i="1">
+                            <a:latin typeface="Cambria Math" panose="02040503050406030204" pitchFamily="18" charset="0"/>
+                          </a:rPr>
+                          <m:t>−3</m:t>
+                        </m:r>
+                      </m:den>
+                    </m:f>
+                    <m:r>
+                      <a:rPr lang="en-US" sz="3200" b="0" i="1" smtClean="0">
+                        <a:latin typeface="Cambria Math" panose="02040503050406030204" pitchFamily="18" charset="0"/>
+                      </a:rPr>
+                      <m:t>=3</m:t>
+                    </m:r>
+                  </m:oMath>
+                </a14:m>
+                <a:r>
+                  <a:rPr lang="en-US" sz="3200" dirty="0" smtClean="0"/>
+                  <a:t>   so we know slope, we need y-intercept…</a:t>
+                </a:r>
+              </a:p>
+              <a:p>
+                <a:pPr marL="0" indent="0">
+                  <a:buNone/>
+                </a:pPr>
+                <a:endParaRPr lang="en-US" sz="3200" dirty="0"/>
+              </a:p>
+              <a:p>
+                <a:pPr marL="0" indent="0">
+                  <a:buNone/>
+                </a:pPr>
+                <a:r>
+                  <a:rPr lang="en-US" sz="3200" dirty="0" smtClean="0"/>
+                  <a:t>You might notice that x=0 is a point, so when x is zero we’re on the </a:t>
+                </a:r>
+                <a:r>
+                  <a:rPr lang="en-US" sz="3200" dirty="0"/>
+                  <a:t>y</a:t>
+                </a:r>
+                <a:r>
+                  <a:rPr lang="en-US" sz="3200" dirty="0" smtClean="0"/>
+                  <a:t> axis so the intercept is the y value of (0,1)</a:t>
+                </a:r>
+              </a:p>
+              <a:p>
+                <a:pPr marL="0" indent="0">
+                  <a:buNone/>
+                </a:pPr>
+                <a14:m>
+                  <m:oMathPara xmlns:m="http://schemas.openxmlformats.org/officeDocument/2006/math">
+                    <m:oMathParaPr>
+                      <m:jc m:val="left"/>
+                    </m:oMathParaPr>
+                    <m:oMath xmlns:m="http://schemas.openxmlformats.org/officeDocument/2006/math">
+                      <m:r>
+                        <a:rPr lang="en-US" sz="3200" b="1" i="1" smtClean="0">
+                          <a:latin typeface="Cambria Math" panose="02040503050406030204" pitchFamily="18" charset="0"/>
+                        </a:rPr>
+                        <m:t>𝒚</m:t>
+                      </m:r>
+                      <m:r>
+                        <a:rPr lang="en-US" sz="3200" b="1" i="1" smtClean="0">
+                          <a:latin typeface="Cambria Math" panose="02040503050406030204" pitchFamily="18" charset="0"/>
+                        </a:rPr>
+                        <m:t>=</m:t>
+                      </m:r>
+                      <m:r>
+                        <a:rPr lang="en-US" sz="3200" b="1" i="1" smtClean="0">
+                          <a:latin typeface="Cambria Math" panose="02040503050406030204" pitchFamily="18" charset="0"/>
+                        </a:rPr>
+                        <m:t>𝟑</m:t>
+                      </m:r>
+                      <m:r>
+                        <a:rPr lang="en-US" sz="3200" b="1" i="1" smtClean="0">
+                          <a:latin typeface="Cambria Math" panose="02040503050406030204" pitchFamily="18" charset="0"/>
+                        </a:rPr>
+                        <m:t>𝒙</m:t>
+                      </m:r>
+                      <m:r>
+                        <a:rPr lang="en-US" sz="3200" b="1" i="1" smtClean="0">
+                          <a:latin typeface="Cambria Math" panose="02040503050406030204" pitchFamily="18" charset="0"/>
+                        </a:rPr>
+                        <m:t>+</m:t>
+                      </m:r>
+                      <m:r>
+                        <a:rPr lang="en-US" sz="3200" b="1" i="1" smtClean="0">
+                          <a:latin typeface="Cambria Math" panose="02040503050406030204" pitchFamily="18" charset="0"/>
+                        </a:rPr>
+                        <m:t>𝟏</m:t>
+                      </m:r>
+                    </m:oMath>
+                  </m:oMathPara>
+                </a14:m>
+                <a:endParaRPr lang="en-US" sz="3200" b="1" dirty="0"/>
+              </a:p>
+            </p:txBody>
+          </p:sp>
+        </mc:Choice>
+        <mc:Fallback xmlns="">
+          <p:sp>
+            <p:nvSpPr>
+              <p:cNvPr id="3" name="Content Placeholder 2"/>
+              <p:cNvSpPr>
+                <a:spLocks noGrp="1" noRot="1" noChangeAspect="1" noMove="1" noResize="1" noEditPoints="1" noAdjustHandles="1" noChangeArrowheads="1" noChangeShapeType="1" noTextEdit="1"/>
+              </p:cNvSpPr>
+              <p:nvPr>
+                <p:ph idx="1"/>
+              </p:nvPr>
+            </p:nvSpPr>
+            <p:spPr>
+              <a:xfrm>
+                <a:off x="749808" y="1858061"/>
+                <a:ext cx="11442192" cy="4999939"/>
+              </a:xfrm>
+              <a:blipFill rotWithShape="0">
+                <a:blip r:embed="rId2"/>
+                <a:stretch>
+                  <a:fillRect l="-1225" t="-1829"/>
+                </a:stretch>
+              </a:blipFill>
+            </p:spPr>
+            <p:txBody>
+              <a:bodyPr/>
+              <a:lstStyle/>
+              <a:p>
+                <a:r>
+                  <a:rPr lang="en-US">
+                    <a:noFill/>
+                  </a:rPr>
+                  <a:t> </a:t>
+                </a:r>
+              </a:p>
+            </p:txBody>
+          </p:sp>
+        </mc:Fallback>
+      </mc:AlternateContent>
+    </p:spTree>
+    <p:extLst>
+      <p:ext uri="{BB962C8B-B14F-4D97-AF65-F5344CB8AC3E}">
+        <p14:creationId xmlns:p14="http://schemas.microsoft.com/office/powerpoint/2010/main" val="1792346999"/>
+      </p:ext>
+    </p:extLst>
+  </p:cSld>
+  <p:clrMapOvr>
+    <a:masterClrMapping/>
+  </p:clrMapOvr>
+  <p:timing>
+    <p:tnLst>
+      <p:par>
+        <p:cTn id="1" dur="indefinite" restart="never" nodeType="tmRoot"/>
+      </p:par>
+    </p:tnLst>
+  </p:timing>
+</p:sld>
+</file>
+
+<file path=ppt/slides/slide3.xml><?xml version="1.0" encoding="utf-8"?>
+<p:sld xmlns:a="http://schemas.openxmlformats.org/drawingml/2006/main" xmlns:r="http://schemas.openxmlformats.org/officeDocument/2006/relationships" xmlns:p="http://schemas.openxmlformats.org/presentationml/2006/main">
+  <p:cSld>
+    <p:spTree>
+      <p:nvGrpSpPr>
+        <p:cNvPr id="1" name=""/>
+        <p:cNvGrpSpPr/>
+        <p:nvPr/>
+      </p:nvGrpSpPr>
+      <p:grpSpPr>
+        <a:xfrm>
+          <a:off x="0" y="0"/>
+          <a:ext cx="0" cy="0"/>
+          <a:chOff x="0" y="0"/>
+          <a:chExt cx="0" cy="0"/>
+        </a:xfrm>
+      </p:grpSpPr>
+      <p:sp>
+        <p:nvSpPr>
+          <p:cNvPr id="2" name="Title 1"/>
+          <p:cNvSpPr>
+            <a:spLocks noGrp="1"/>
+          </p:cNvSpPr>
+          <p:nvPr>
+            <p:ph type="title"/>
+          </p:nvPr>
+        </p:nvSpPr>
+        <p:spPr>
+          <a:xfrm>
+            <a:off x="749808" y="0"/>
+            <a:ext cx="9601200" cy="1485900"/>
+          </a:xfrm>
+        </p:spPr>
+        <p:txBody>
+          <a:bodyPr>
+            <a:normAutofit fontScale="90000"/>
+          </a:bodyPr>
+          <a:lstStyle/>
+          <a:p>
+            <a:r>
+              <a:rPr lang="en-US" dirty="0" smtClean="0"/>
+              <a:t>Bell Work Explained:</a:t>
+            </a:r>
+            <a:br>
+              <a:rPr lang="en-US" dirty="0" smtClean="0"/>
+            </a:br>
+            <a:r>
+              <a:rPr lang="en-US" dirty="0"/>
+              <a:t>1.) Write the equation, and graph the line through (3, 10) and (0, 1)</a:t>
+            </a:r>
+            <a:br>
+              <a:rPr lang="en-US" dirty="0"/>
+            </a:br>
+            <a:endParaRPr lang="en-US" dirty="0"/>
+          </a:p>
+        </p:txBody>
+      </p:sp>
+      <mc:AlternateContent xmlns:mc="http://schemas.openxmlformats.org/markup-compatibility/2006" xmlns:a14="http://schemas.microsoft.com/office/drawing/2010/main">
+        <mc:Choice Requires="a14">
+          <p:sp>
+            <p:nvSpPr>
+              <p:cNvPr id="3" name="Content Placeholder 2"/>
+              <p:cNvSpPr>
+                <a:spLocks noGrp="1"/>
+              </p:cNvSpPr>
+              <p:nvPr>
+                <p:ph idx="1"/>
+              </p:nvPr>
+            </p:nvSpPr>
+            <p:spPr>
+              <a:xfrm>
+                <a:off x="749808" y="1858061"/>
+                <a:ext cx="11442192" cy="4999939"/>
+              </a:xfrm>
+            </p:spPr>
+            <p:txBody>
+              <a:bodyPr>
+                <a:normAutofit/>
+              </a:bodyPr>
+              <a:lstStyle/>
+              <a:p>
+                <a:pPr marL="0" indent="0">
+                  <a:buNone/>
+                </a:pPr>
+                <a14:m>
+                  <m:oMathPara xmlns:m="http://schemas.openxmlformats.org/officeDocument/2006/math">
+                    <m:oMathParaPr>
+                      <m:jc m:val="left"/>
+                    </m:oMathParaPr>
+                    <m:oMath xmlns:m="http://schemas.openxmlformats.org/officeDocument/2006/math">
+                      <m:r>
+                        <a:rPr lang="en-US" sz="3200" b="0" i="1" smtClean="0">
+                          <a:latin typeface="Cambria Math" panose="02040503050406030204" pitchFamily="18" charset="0"/>
+                        </a:rPr>
+                        <m:t>𝑅𝑒𝑚𝑒𝑚𝑏𝑒𝑟</m:t>
+                      </m:r>
+                      <m:r>
+                        <a:rPr lang="en-US" sz="3200" b="0" i="1" smtClean="0">
+                          <a:latin typeface="Cambria Math" panose="02040503050406030204" pitchFamily="18" charset="0"/>
+                        </a:rPr>
+                        <m:t>: </m:t>
+                      </m:r>
+                      <m:r>
+                        <a:rPr lang="en-US" sz="3200" i="1">
+                          <a:latin typeface="Cambria Math" panose="02040503050406030204" pitchFamily="18" charset="0"/>
+                        </a:rPr>
+                        <m:t>𝑚</m:t>
+                      </m:r>
+                      <m:r>
+                        <a:rPr lang="en-US" sz="3200" i="1">
+                          <a:latin typeface="Cambria Math" panose="02040503050406030204" pitchFamily="18" charset="0"/>
+                        </a:rPr>
+                        <m:t>=</m:t>
+                      </m:r>
+                      <m:f>
+                        <m:fPr>
+                          <m:ctrlPr>
+                            <a:rPr lang="en-US" sz="3200" i="1">
+                              <a:latin typeface="Cambria Math" panose="02040503050406030204" pitchFamily="18" charset="0"/>
+                            </a:rPr>
+                          </m:ctrlPr>
+                        </m:fPr>
+                        <m:num>
+                          <m:sSub>
+                            <m:sSubPr>
+                              <m:ctrlPr>
+                                <a:rPr lang="en-US" sz="3200" i="1">
+                                  <a:latin typeface="Cambria Math" panose="02040503050406030204" pitchFamily="18" charset="0"/>
+                                </a:rPr>
+                              </m:ctrlPr>
+                            </m:sSubPr>
+                            <m:e>
+                              <m:r>
+                                <a:rPr lang="en-US" sz="3200" i="1">
+                                  <a:latin typeface="Cambria Math" panose="02040503050406030204" pitchFamily="18" charset="0"/>
+                                </a:rPr>
+                                <m:t>𝑦</m:t>
+                              </m:r>
+                            </m:e>
+                            <m:sub>
+                              <m:r>
+                                <a:rPr lang="en-US" sz="3200" i="1">
+                                  <a:latin typeface="Cambria Math" panose="02040503050406030204" pitchFamily="18" charset="0"/>
+                                </a:rPr>
+                                <m:t>2</m:t>
+                              </m:r>
+                            </m:sub>
+                          </m:sSub>
+                          <m:r>
+                            <a:rPr lang="en-US" sz="3200" i="1">
+                              <a:latin typeface="Cambria Math" panose="02040503050406030204" pitchFamily="18" charset="0"/>
+                            </a:rPr>
+                            <m:t>−</m:t>
+                          </m:r>
+                          <m:sSub>
+                            <m:sSubPr>
+                              <m:ctrlPr>
+                                <a:rPr lang="en-US" sz="3200" i="1">
+                                  <a:latin typeface="Cambria Math" panose="02040503050406030204" pitchFamily="18" charset="0"/>
+                                </a:rPr>
+                              </m:ctrlPr>
+                            </m:sSubPr>
+                            <m:e>
+                              <m:r>
+                                <a:rPr lang="en-US" sz="3200" i="1">
+                                  <a:latin typeface="Cambria Math" panose="02040503050406030204" pitchFamily="18" charset="0"/>
+                                </a:rPr>
+                                <m:t>𝑦</m:t>
+                              </m:r>
+                            </m:e>
+                            <m:sub>
+                              <m:r>
+                                <a:rPr lang="en-US" sz="3200" i="1">
+                                  <a:latin typeface="Cambria Math" panose="02040503050406030204" pitchFamily="18" charset="0"/>
+                                </a:rPr>
+                                <m:t>1</m:t>
+                              </m:r>
+                            </m:sub>
+                          </m:sSub>
+                        </m:num>
+                        <m:den>
+                          <m:sSub>
+                            <m:sSubPr>
+                              <m:ctrlPr>
+                                <a:rPr lang="en-US" sz="3200" i="1">
+                                  <a:latin typeface="Cambria Math" panose="02040503050406030204" pitchFamily="18" charset="0"/>
+                                </a:rPr>
+                              </m:ctrlPr>
+                            </m:sSubPr>
+                            <m:e>
+                              <m:r>
+                                <a:rPr lang="en-US" sz="3200" i="1">
+                                  <a:latin typeface="Cambria Math" panose="02040503050406030204" pitchFamily="18" charset="0"/>
+                                </a:rPr>
+                                <m:t>𝑥</m:t>
+                              </m:r>
+                            </m:e>
+                            <m:sub>
+                              <m:r>
+                                <a:rPr lang="en-US" sz="3200" i="1">
+                                  <a:latin typeface="Cambria Math" panose="02040503050406030204" pitchFamily="18" charset="0"/>
+                                </a:rPr>
+                                <m:t>2</m:t>
+                              </m:r>
+                            </m:sub>
+                          </m:sSub>
+                          <m:r>
+                            <a:rPr lang="en-US" sz="3200" i="1">
+                              <a:latin typeface="Cambria Math" panose="02040503050406030204" pitchFamily="18" charset="0"/>
+                            </a:rPr>
+                            <m:t>−</m:t>
+                          </m:r>
+                          <m:sSub>
+                            <m:sSubPr>
+                              <m:ctrlPr>
+                                <a:rPr lang="en-US" sz="3200" i="1">
+                                  <a:latin typeface="Cambria Math" panose="02040503050406030204" pitchFamily="18" charset="0"/>
+                                </a:rPr>
+                              </m:ctrlPr>
+                            </m:sSubPr>
+                            <m:e>
+                              <m:r>
+                                <a:rPr lang="en-US" sz="3200" i="1">
+                                  <a:latin typeface="Cambria Math" panose="02040503050406030204" pitchFamily="18" charset="0"/>
+                                </a:rPr>
+                                <m:t>𝑥</m:t>
+                              </m:r>
+                            </m:e>
+                            <m:sub>
+                              <m:r>
+                                <a:rPr lang="en-US" sz="3200" i="1">
+                                  <a:latin typeface="Cambria Math" panose="02040503050406030204" pitchFamily="18" charset="0"/>
+                                </a:rPr>
+                                <m:t>1</m:t>
+                              </m:r>
+                            </m:sub>
+                          </m:sSub>
+                        </m:den>
+                      </m:f>
+                      <m:r>
+                        <a:rPr lang="en-US" sz="3200" b="0" i="1" smtClean="0">
+                          <a:latin typeface="Cambria Math" panose="02040503050406030204" pitchFamily="18" charset="0"/>
+                        </a:rPr>
+                        <m:t>=</m:t>
+                      </m:r>
+                      <m:f>
+                        <m:fPr>
+                          <m:ctrlPr>
+                            <a:rPr lang="en-US" sz="3200" i="1">
+                              <a:latin typeface="Cambria Math" panose="02040503050406030204" pitchFamily="18" charset="0"/>
+                            </a:rPr>
+                          </m:ctrlPr>
+                        </m:fPr>
+                        <m:num>
+                          <m:r>
+                            <a:rPr lang="en-US" sz="3200" b="0" i="1" smtClean="0">
+                              <a:latin typeface="Cambria Math" panose="02040503050406030204" pitchFamily="18" charset="0"/>
+                            </a:rPr>
+                            <m:t>1</m:t>
+                          </m:r>
+                          <m:r>
+                            <a:rPr lang="en-US" sz="3200" i="1">
+                              <a:latin typeface="Cambria Math" panose="02040503050406030204" pitchFamily="18" charset="0"/>
+                            </a:rPr>
+                            <m:t>−</m:t>
+                          </m:r>
+                          <m:r>
+                            <a:rPr lang="en-US" sz="3200" b="0" i="1" smtClean="0">
+                              <a:latin typeface="Cambria Math" panose="02040503050406030204" pitchFamily="18" charset="0"/>
+                            </a:rPr>
+                            <m:t>10</m:t>
+                          </m:r>
+                        </m:num>
+                        <m:den>
+                          <m:r>
+                            <a:rPr lang="en-US" sz="3200" b="0" i="1" smtClean="0">
+                              <a:latin typeface="Cambria Math" panose="02040503050406030204" pitchFamily="18" charset="0"/>
+                            </a:rPr>
+                            <m:t>0</m:t>
+                          </m:r>
+                          <m:r>
+                            <a:rPr lang="en-US" sz="3200" i="1">
+                              <a:latin typeface="Cambria Math" panose="02040503050406030204" pitchFamily="18" charset="0"/>
+                            </a:rPr>
+                            <m:t>−</m:t>
+                          </m:r>
+                          <m:r>
+                            <a:rPr lang="en-US" sz="3200" b="0" i="1" smtClean="0">
+                              <a:latin typeface="Cambria Math" panose="02040503050406030204" pitchFamily="18" charset="0"/>
+                            </a:rPr>
+                            <m:t>3</m:t>
+                          </m:r>
+                        </m:den>
+                      </m:f>
+                      <m:r>
+                        <a:rPr lang="en-US" sz="3200" b="0" i="0" smtClean="0">
+                          <a:latin typeface="Cambria Math" panose="02040503050406030204" pitchFamily="18" charset="0"/>
+                        </a:rPr>
+                        <m:t>=</m:t>
+                      </m:r>
+                      <m:f>
+                        <m:fPr>
+                          <m:ctrlPr>
+                            <a:rPr lang="en-US" sz="3200" i="1">
+                              <a:latin typeface="Cambria Math" panose="02040503050406030204" pitchFamily="18" charset="0"/>
+                            </a:rPr>
+                          </m:ctrlPr>
+                        </m:fPr>
+                        <m:num>
+                          <m:r>
+                            <a:rPr lang="en-US" sz="3200" i="1">
+                              <a:latin typeface="Cambria Math" panose="02040503050406030204" pitchFamily="18" charset="0"/>
+                            </a:rPr>
+                            <m:t>−</m:t>
+                          </m:r>
+                          <m:r>
+                            <a:rPr lang="en-US" sz="3200" b="0" i="1" smtClean="0">
+                              <a:latin typeface="Cambria Math" panose="02040503050406030204" pitchFamily="18" charset="0"/>
+                            </a:rPr>
+                            <m:t>9</m:t>
+                          </m:r>
+                        </m:num>
+                        <m:den>
+                          <m:r>
+                            <a:rPr lang="en-US" sz="3200" i="1">
+                              <a:latin typeface="Cambria Math" panose="02040503050406030204" pitchFamily="18" charset="0"/>
+                            </a:rPr>
+                            <m:t>−3</m:t>
+                          </m:r>
+                        </m:den>
+                      </m:f>
+                      <m:r>
+                        <a:rPr lang="en-US" sz="3200" b="0" i="1" smtClean="0">
+                          <a:latin typeface="Cambria Math" panose="02040503050406030204" pitchFamily="18" charset="0"/>
+                        </a:rPr>
+                        <m:t>=3</m:t>
+                      </m:r>
+                    </m:oMath>
+                  </m:oMathPara>
+                </a14:m>
+                <a:endParaRPr lang="en-US" sz="3200" dirty="0" smtClean="0"/>
+              </a:p>
+              <a:p>
+                <a:pPr marL="0" indent="0">
+                  <a:buNone/>
+                </a:pPr>
+                <a:endParaRPr lang="en-US" sz="3200" dirty="0"/>
+              </a:p>
+              <a:p>
+                <a:pPr marL="0" indent="0">
+                  <a:buNone/>
+                </a:pPr>
+                <a:r>
+                  <a:rPr lang="en-US" sz="3200" dirty="0" smtClean="0"/>
+                  <a:t>If you don’t remember (0,1) is y-intercept use Point-Slope form:</a:t>
+                </a:r>
+              </a:p>
+              <a:p>
+                <a:pPr marL="0" indent="0">
+                  <a:buNone/>
+                </a:pPr>
+                <a14:m>
+                  <m:oMathPara xmlns:m="http://schemas.openxmlformats.org/officeDocument/2006/math">
+                    <m:oMathParaPr>
+                      <m:jc m:val="left"/>
+                    </m:oMathParaPr>
+                    <m:oMath xmlns:m="http://schemas.openxmlformats.org/officeDocument/2006/math">
+                      <m:sSub>
+                        <m:sSubPr>
+                          <m:ctrlPr>
+                            <a:rPr lang="en-US" sz="3200" i="1">
+                              <a:latin typeface="Cambria Math" panose="02040503050406030204" pitchFamily="18" charset="0"/>
+                            </a:rPr>
+                          </m:ctrlPr>
+                        </m:sSubPr>
+                        <m:e>
+                          <m:r>
+                            <a:rPr lang="en-US" sz="3200" b="0" i="1" smtClean="0">
+                              <a:latin typeface="Cambria Math" panose="02040503050406030204" pitchFamily="18" charset="0"/>
+                            </a:rPr>
+                            <m:t>𝑦</m:t>
+                          </m:r>
+                          <m:r>
+                            <a:rPr lang="en-US" sz="3200" b="0" i="1" smtClean="0">
+                              <a:latin typeface="Cambria Math" panose="02040503050406030204" pitchFamily="18" charset="0"/>
+                            </a:rPr>
+                            <m:t>−</m:t>
+                          </m:r>
+                          <m:r>
+                            <a:rPr lang="en-US" sz="3200" i="1">
+                              <a:latin typeface="Cambria Math" panose="02040503050406030204" pitchFamily="18" charset="0"/>
+                            </a:rPr>
+                            <m:t>𝑦</m:t>
+                          </m:r>
+                        </m:e>
+                        <m:sub>
+                          <m:r>
+                            <a:rPr lang="en-US" sz="3200" b="0" i="1" smtClean="0">
+                              <a:latin typeface="Cambria Math" panose="02040503050406030204" pitchFamily="18" charset="0"/>
+                            </a:rPr>
+                            <m:t>1</m:t>
+                          </m:r>
+                        </m:sub>
+                      </m:sSub>
+                      <m:r>
+                        <a:rPr lang="en-US" sz="3200" b="0" i="1" smtClean="0">
+                          <a:latin typeface="Cambria Math" panose="02040503050406030204" pitchFamily="18" charset="0"/>
+                        </a:rPr>
+                        <m:t>=</m:t>
+                      </m:r>
+                      <m:r>
+                        <a:rPr lang="en-US" sz="3200" b="0" i="1" smtClean="0">
+                          <a:latin typeface="Cambria Math" panose="02040503050406030204" pitchFamily="18" charset="0"/>
+                        </a:rPr>
+                        <m:t>𝑚</m:t>
+                      </m:r>
+                      <m:d>
+                        <m:dPr>
+                          <m:ctrlPr>
+                            <a:rPr lang="en-US" sz="3200" b="0" i="1" smtClean="0">
+                              <a:latin typeface="Cambria Math" panose="02040503050406030204" pitchFamily="18" charset="0"/>
+                            </a:rPr>
+                          </m:ctrlPr>
+                        </m:dPr>
+                        <m:e>
+                          <m:r>
+                            <a:rPr lang="en-US" sz="3200" b="0" i="1" smtClean="0">
+                              <a:latin typeface="Cambria Math" panose="02040503050406030204" pitchFamily="18" charset="0"/>
+                            </a:rPr>
+                            <m:t>𝑥</m:t>
+                          </m:r>
+                          <m:r>
+                            <a:rPr lang="en-US" sz="3200" b="0" i="1" smtClean="0">
+                              <a:latin typeface="Cambria Math" panose="02040503050406030204" pitchFamily="18" charset="0"/>
+                            </a:rPr>
+                            <m:t>−</m:t>
+                          </m:r>
+                          <m:sSub>
+                            <m:sSubPr>
+                              <m:ctrlPr>
+                                <a:rPr lang="en-US" sz="3200" i="1">
+                                  <a:latin typeface="Cambria Math" panose="02040503050406030204" pitchFamily="18" charset="0"/>
+                                </a:rPr>
+                              </m:ctrlPr>
+                            </m:sSubPr>
+                            <m:e>
+                              <m:r>
+                                <a:rPr lang="en-US" sz="3200" b="0" i="1" smtClean="0">
+                                  <a:latin typeface="Cambria Math" panose="02040503050406030204" pitchFamily="18" charset="0"/>
+                                </a:rPr>
+                                <m:t>𝑥</m:t>
+                              </m:r>
+                            </m:e>
+                            <m:sub>
+                              <m:r>
+                                <a:rPr lang="en-US" sz="3200" b="0" i="1" smtClean="0">
+                                  <a:latin typeface="Cambria Math" panose="02040503050406030204" pitchFamily="18" charset="0"/>
+                                </a:rPr>
+                                <m:t>1</m:t>
+                              </m:r>
+                            </m:sub>
+                          </m:sSub>
+                        </m:e>
+                      </m:d>
+                      <m:r>
+                        <a:rPr lang="en-US" sz="3200" b="0" i="1" smtClean="0">
+                          <a:latin typeface="Cambria Math" panose="02040503050406030204" pitchFamily="18" charset="0"/>
+                        </a:rPr>
+                        <m:t> </m:t>
+                      </m:r>
+                      <m:r>
+                        <a:rPr lang="en-US" sz="3200" b="0" i="1" smtClean="0">
+                          <a:latin typeface="Cambria Math" panose="02040503050406030204" pitchFamily="18" charset="0"/>
+                        </a:rPr>
+                        <m:t>𝑤h𝑒𝑟𝑒</m:t>
+                      </m:r>
+                      <m:r>
+                        <a:rPr lang="en-US" sz="3200" b="0" i="1" smtClean="0">
+                          <a:latin typeface="Cambria Math" panose="02040503050406030204" pitchFamily="18" charset="0"/>
+                        </a:rPr>
+                        <m:t> </m:t>
+                      </m:r>
+                      <m:r>
+                        <a:rPr lang="en-US" sz="3200" b="0" i="1" smtClean="0">
+                          <a:latin typeface="Cambria Math" panose="02040503050406030204" pitchFamily="18" charset="0"/>
+                        </a:rPr>
+                        <m:t>𝑚</m:t>
+                      </m:r>
+                      <m:r>
+                        <a:rPr lang="en-US" sz="3200" b="0" i="1" smtClean="0">
+                          <a:latin typeface="Cambria Math" panose="02040503050406030204" pitchFamily="18" charset="0"/>
+                        </a:rPr>
+                        <m:t>=3 </m:t>
+                      </m:r>
+                      <m:d>
+                        <m:dPr>
+                          <m:ctrlPr>
+                            <a:rPr lang="en-US" sz="3200" b="0" i="1" smtClean="0">
+                              <a:latin typeface="Cambria Math" panose="02040503050406030204" pitchFamily="18" charset="0"/>
+                            </a:rPr>
+                          </m:ctrlPr>
+                        </m:dPr>
+                        <m:e>
+                          <m:r>
+                            <a:rPr lang="en-US" sz="3200" b="0" i="1" smtClean="0">
+                              <a:latin typeface="Cambria Math" panose="02040503050406030204" pitchFamily="18" charset="0"/>
+                            </a:rPr>
+                            <m:t>𝑎𝑏𝑜𝑣𝑒</m:t>
+                          </m:r>
+                        </m:e>
+                      </m:d>
+                      <m:r>
+                        <a:rPr lang="en-US" sz="3200" b="0" i="1" smtClean="0">
+                          <a:latin typeface="Cambria Math" panose="02040503050406030204" pitchFamily="18" charset="0"/>
+                        </a:rPr>
+                        <m:t>𝑎𝑛𝑑</m:t>
+                      </m:r>
+                      <m:sSub>
+                        <m:sSubPr>
+                          <m:ctrlPr>
+                            <a:rPr lang="en-US" sz="3200" i="1">
+                              <a:latin typeface="Cambria Math" panose="02040503050406030204" pitchFamily="18" charset="0"/>
+                            </a:rPr>
+                          </m:ctrlPr>
+                        </m:sSubPr>
+                        <m:e>
+                          <m:r>
+                            <a:rPr lang="en-US" sz="3200" b="0" i="1" smtClean="0">
+                              <a:latin typeface="Cambria Math" panose="02040503050406030204" pitchFamily="18" charset="0"/>
+                            </a:rPr>
+                            <m:t> (</m:t>
+                          </m:r>
+                          <m:r>
+                            <a:rPr lang="en-US" sz="3200" b="0" i="1" smtClean="0">
+                              <a:latin typeface="Cambria Math" panose="02040503050406030204" pitchFamily="18" charset="0"/>
+                            </a:rPr>
+                            <m:t>𝑥</m:t>
+                          </m:r>
+                        </m:e>
+                        <m:sub>
+                          <m:r>
+                            <a:rPr lang="en-US" sz="3200" b="0" i="1" smtClean="0">
+                              <a:latin typeface="Cambria Math" panose="02040503050406030204" pitchFamily="18" charset="0"/>
+                            </a:rPr>
+                            <m:t>1</m:t>
+                          </m:r>
+                        </m:sub>
+                      </m:sSub>
+                      <m:r>
+                        <a:rPr lang="en-US" sz="3200" b="0" i="1" smtClean="0">
+                          <a:latin typeface="Cambria Math" panose="02040503050406030204" pitchFamily="18" charset="0"/>
+                        </a:rPr>
+                        <m:t>,</m:t>
+                      </m:r>
+                      <m:sSub>
+                        <m:sSubPr>
+                          <m:ctrlPr>
+                            <a:rPr lang="en-US" sz="3200" i="1">
+                              <a:latin typeface="Cambria Math" panose="02040503050406030204" pitchFamily="18" charset="0"/>
+                            </a:rPr>
+                          </m:ctrlPr>
+                        </m:sSubPr>
+                        <m:e>
+                          <m:r>
+                            <a:rPr lang="en-US" sz="3200" i="1">
+                              <a:latin typeface="Cambria Math" panose="02040503050406030204" pitchFamily="18" charset="0"/>
+                            </a:rPr>
+                            <m:t>𝑦</m:t>
+                          </m:r>
+                        </m:e>
+                        <m:sub>
+                          <m:r>
+                            <a:rPr lang="en-US" sz="3200" b="0" i="1" smtClean="0">
+                              <a:latin typeface="Cambria Math" panose="02040503050406030204" pitchFamily="18" charset="0"/>
+                            </a:rPr>
+                            <m:t>1</m:t>
+                          </m:r>
+                        </m:sub>
+                      </m:sSub>
+                      <m:r>
+                        <a:rPr lang="en-US" sz="3200" b="0" i="1" smtClean="0">
+                          <a:latin typeface="Cambria Math" panose="02040503050406030204" pitchFamily="18" charset="0"/>
+                        </a:rPr>
+                        <m:t>) </m:t>
+                      </m:r>
+                      <m:r>
+                        <a:rPr lang="en-US" sz="3200" b="0" i="1" smtClean="0">
+                          <a:latin typeface="Cambria Math" panose="02040503050406030204" pitchFamily="18" charset="0"/>
+                        </a:rPr>
+                        <m:t>𝑖𝑠</m:t>
+                      </m:r>
+                      <m:r>
+                        <a:rPr lang="en-US" sz="3200" b="0" i="1" smtClean="0">
+                          <a:latin typeface="Cambria Math" panose="02040503050406030204" pitchFamily="18" charset="0"/>
+                        </a:rPr>
+                        <m:t> </m:t>
+                      </m:r>
+                      <m:r>
+                        <a:rPr lang="en-US" sz="3200" b="0" i="1" smtClean="0">
+                          <a:latin typeface="Cambria Math" panose="02040503050406030204" pitchFamily="18" charset="0"/>
+                        </a:rPr>
+                        <m:t>𝑎</m:t>
+                      </m:r>
+                      <m:r>
+                        <a:rPr lang="en-US" sz="3200" b="0" i="1" smtClean="0">
+                          <a:latin typeface="Cambria Math" panose="02040503050406030204" pitchFamily="18" charset="0"/>
+                        </a:rPr>
+                        <m:t> </m:t>
+                      </m:r>
+                      <m:r>
+                        <a:rPr lang="en-US" sz="3200" b="0" i="1" smtClean="0">
+                          <a:latin typeface="Cambria Math" panose="02040503050406030204" pitchFamily="18" charset="0"/>
+                        </a:rPr>
+                        <m:t>𝑝𝑜𝑖𝑛𝑡</m:t>
+                      </m:r>
+                    </m:oMath>
+                  </m:oMathPara>
+                </a14:m>
+                <a:endParaRPr lang="en-US" sz="3200" b="1" dirty="0" smtClean="0"/>
+              </a:p>
+              <a:p>
+                <a:pPr marL="0" indent="0">
+                  <a:buNone/>
+                </a:pPr>
+                <a:r>
+                  <a:rPr lang="en-US" sz="3000" b="0" i="1" dirty="0" smtClean="0">
+                    <a:latin typeface="Cambria Math" panose="02040503050406030204" pitchFamily="18" charset="0"/>
+                  </a:rPr>
+                  <a:t/>
+                </a:r>
+                <a:br>
+                  <a:rPr lang="en-US" sz="3000" b="0" i="1" dirty="0" smtClean="0">
+                    <a:latin typeface="Cambria Math" panose="02040503050406030204" pitchFamily="18" charset="0"/>
+                  </a:rPr>
+                </a:br>
+                <a14:m>
+                  <m:oMath xmlns:m="http://schemas.openxmlformats.org/officeDocument/2006/math">
+                    <m:r>
+                      <a:rPr lang="en-US" sz="3000" b="0" i="1" smtClean="0">
+                        <a:latin typeface="Cambria Math" panose="02040503050406030204" pitchFamily="18" charset="0"/>
+                      </a:rPr>
+                      <m:t>𝑦</m:t>
+                    </m:r>
+                    <m:r>
+                      <a:rPr lang="en-US" sz="3000" b="0" i="1" smtClean="0">
+                        <a:latin typeface="Cambria Math" panose="02040503050406030204" pitchFamily="18" charset="0"/>
+                      </a:rPr>
+                      <m:t>−10=3</m:t>
+                    </m:r>
+                    <m:d>
+                      <m:dPr>
+                        <m:ctrlPr>
+                          <a:rPr lang="en-US" sz="3000" i="1">
+                            <a:latin typeface="Cambria Math" panose="02040503050406030204" pitchFamily="18" charset="0"/>
+                          </a:rPr>
+                        </m:ctrlPr>
+                      </m:dPr>
+                      <m:e>
+                        <m:r>
+                          <a:rPr lang="en-US" sz="3000" i="1">
+                            <a:latin typeface="Cambria Math" panose="02040503050406030204" pitchFamily="18" charset="0"/>
+                          </a:rPr>
+                          <m:t>𝑥</m:t>
+                        </m:r>
+                        <m:r>
+                          <a:rPr lang="en-US" sz="3000" i="1">
+                            <a:latin typeface="Cambria Math" panose="02040503050406030204" pitchFamily="18" charset="0"/>
+                          </a:rPr>
+                          <m:t>−3</m:t>
+                        </m:r>
+                      </m:e>
+                    </m:d>
+                    <m:r>
+                      <a:rPr lang="en-US" sz="3000" b="0" i="1" smtClean="0">
+                        <a:latin typeface="Cambria Math" panose="02040503050406030204" pitchFamily="18" charset="0"/>
+                      </a:rPr>
+                      <m:t>→</m:t>
+                    </m:r>
+                    <m:r>
+                      <a:rPr lang="en-US" sz="3000" b="0" i="1" smtClean="0">
+                        <a:latin typeface="Cambria Math" panose="02040503050406030204" pitchFamily="18" charset="0"/>
+                      </a:rPr>
+                      <m:t>𝑦</m:t>
+                    </m:r>
+                    <m:r>
+                      <a:rPr lang="en-US" sz="3000" b="0" i="1" smtClean="0">
+                        <a:latin typeface="Cambria Math" panose="02040503050406030204" pitchFamily="18" charset="0"/>
+                      </a:rPr>
+                      <m:t>−10=3</m:t>
+                    </m:r>
+                    <m:r>
+                      <a:rPr lang="en-US" sz="3000" b="0" i="1" smtClean="0">
+                        <a:latin typeface="Cambria Math" panose="02040503050406030204" pitchFamily="18" charset="0"/>
+                      </a:rPr>
+                      <m:t>𝑥</m:t>
+                    </m:r>
+                    <m:r>
+                      <a:rPr lang="en-US" sz="3000" b="0" i="1" smtClean="0">
+                        <a:latin typeface="Cambria Math" panose="02040503050406030204" pitchFamily="18" charset="0"/>
+                      </a:rPr>
+                      <m:t>−9</m:t>
+                    </m:r>
+                  </m:oMath>
+                </a14:m>
+                <a:r>
+                  <a:rPr lang="en-US" sz="3000" b="1" dirty="0" smtClean="0"/>
+                  <a:t>   </a:t>
+                </a:r>
+                <a14:m>
+                  <m:oMath xmlns:m="http://schemas.openxmlformats.org/officeDocument/2006/math">
+                    <m:r>
+                      <a:rPr lang="en-US" sz="2400" i="1">
+                        <a:latin typeface="Cambria Math" panose="02040503050406030204" pitchFamily="18" charset="0"/>
+                      </a:rPr>
+                      <m:t>(</m:t>
+                    </m:r>
+                    <m:r>
+                      <a:rPr lang="en-US" sz="2400" i="1">
+                        <a:latin typeface="Cambria Math" panose="02040503050406030204" pitchFamily="18" charset="0"/>
+                      </a:rPr>
+                      <m:t>𝐼</m:t>
+                    </m:r>
+                    <m:r>
+                      <a:rPr lang="en-US" sz="2400" i="1">
+                        <a:latin typeface="Cambria Math" panose="02040503050406030204" pitchFamily="18" charset="0"/>
+                      </a:rPr>
+                      <m:t> </m:t>
+                    </m:r>
+                    <m:r>
+                      <a:rPr lang="en-US" sz="2400" i="1">
+                        <a:latin typeface="Cambria Math" panose="02040503050406030204" pitchFamily="18" charset="0"/>
+                      </a:rPr>
+                      <m:t>𝑗𝑢𝑠𝑡</m:t>
+                    </m:r>
+                    <m:r>
+                      <a:rPr lang="en-US" sz="2400" i="1">
+                        <a:latin typeface="Cambria Math" panose="02040503050406030204" pitchFamily="18" charset="0"/>
+                      </a:rPr>
+                      <m:t> </m:t>
+                    </m:r>
+                    <m:r>
+                      <a:rPr lang="en-US" sz="2400" i="1">
+                        <a:latin typeface="Cambria Math" panose="02040503050406030204" pitchFamily="18" charset="0"/>
+                      </a:rPr>
+                      <m:t>𝑑𝑖𝑠𝑡𝑟𝑖𝑏𝑢𝑡𝑒𝑑</m:t>
+                    </m:r>
+                    <m:r>
+                      <a:rPr lang="en-US" sz="2400" b="0" i="1" smtClean="0">
+                        <a:latin typeface="Cambria Math" panose="02040503050406030204" pitchFamily="18" charset="0"/>
+                      </a:rPr>
+                      <m:t>…</m:t>
+                    </m:r>
+                    <m:r>
+                      <a:rPr lang="en-US" sz="2400" b="0" i="1" smtClean="0">
+                        <a:latin typeface="Cambria Math" panose="02040503050406030204" pitchFamily="18" charset="0"/>
+                      </a:rPr>
+                      <m:t>𝑛𝑜𝑤</m:t>
+                    </m:r>
+                    <m:r>
+                      <a:rPr lang="en-US" sz="2400" b="0" i="1" smtClean="0">
+                        <a:latin typeface="Cambria Math" panose="02040503050406030204" pitchFamily="18" charset="0"/>
+                      </a:rPr>
+                      <m:t> </m:t>
+                    </m:r>
+                    <m:r>
+                      <a:rPr lang="en-US" sz="2400" b="0" i="1" smtClean="0">
+                        <a:latin typeface="Cambria Math" panose="02040503050406030204" pitchFamily="18" charset="0"/>
+                      </a:rPr>
+                      <m:t>𝑎𝑑𝑑</m:t>
+                    </m:r>
+                    <m:r>
+                      <a:rPr lang="en-US" sz="2400" b="0" i="1" smtClean="0">
+                        <a:latin typeface="Cambria Math" panose="02040503050406030204" pitchFamily="18" charset="0"/>
+                      </a:rPr>
+                      <m:t> 10)</m:t>
+                    </m:r>
+                  </m:oMath>
+                </a14:m>
+                <a:endParaRPr lang="en-US" sz="2400" b="1" dirty="0"/>
+              </a:p>
+              <a:p>
+                <a:pPr marL="0" indent="0">
+                  <a:buNone/>
+                </a:pPr>
+                <a:endParaRPr lang="en-US" sz="3000" b="1" dirty="0" smtClean="0"/>
+              </a:p>
+              <a:p>
+                <a:pPr marL="0" indent="0">
+                  <a:buNone/>
+                </a:pPr>
+                <a14:m>
+                  <m:oMath xmlns:m="http://schemas.openxmlformats.org/officeDocument/2006/math">
+                    <m:r>
+                      <a:rPr lang="en-US" sz="3000" b="1" i="1">
+                        <a:latin typeface="Cambria Math" panose="02040503050406030204" pitchFamily="18" charset="0"/>
+                      </a:rPr>
+                      <m:t>𝒚</m:t>
+                    </m:r>
+                    <m:r>
+                      <a:rPr lang="en-US" sz="3000" b="1" i="1">
+                        <a:latin typeface="Cambria Math" panose="02040503050406030204" pitchFamily="18" charset="0"/>
+                      </a:rPr>
+                      <m:t>=</m:t>
+                    </m:r>
+                    <m:r>
+                      <a:rPr lang="en-US" sz="3000" b="1" i="1">
+                        <a:latin typeface="Cambria Math" panose="02040503050406030204" pitchFamily="18" charset="0"/>
+                      </a:rPr>
+                      <m:t>𝟑</m:t>
+                    </m:r>
+                    <m:r>
+                      <a:rPr lang="en-US" sz="3000" b="1" i="1">
+                        <a:latin typeface="Cambria Math" panose="02040503050406030204" pitchFamily="18" charset="0"/>
+                      </a:rPr>
+                      <m:t>𝒙</m:t>
+                    </m:r>
+                    <m:r>
+                      <a:rPr lang="en-US" sz="3000" b="1" i="1" smtClean="0">
+                        <a:latin typeface="Cambria Math" panose="02040503050406030204" pitchFamily="18" charset="0"/>
+                      </a:rPr>
+                      <m:t>+</m:t>
+                    </m:r>
+                    <m:r>
+                      <a:rPr lang="en-US" sz="3000" b="1" i="1" smtClean="0">
+                        <a:latin typeface="Cambria Math" panose="02040503050406030204" pitchFamily="18" charset="0"/>
+                      </a:rPr>
+                      <m:t>𝟏</m:t>
+                    </m:r>
+                  </m:oMath>
+                </a14:m>
+                <a:r>
+                  <a:rPr lang="en-US" sz="3000" b="1" dirty="0" smtClean="0"/>
+                  <a:t>     Note: Same answer both ways!</a:t>
+                </a:r>
+                <a:endParaRPr lang="en-US" sz="3000" b="1" dirty="0"/>
+              </a:p>
+            </p:txBody>
+          </p:sp>
+        </mc:Choice>
+        <mc:Fallback xmlns="">
+          <p:sp>
+            <p:nvSpPr>
+              <p:cNvPr id="3" name="Content Placeholder 2"/>
+              <p:cNvSpPr>
+                <a:spLocks noGrp="1" noRot="1" noChangeAspect="1" noMove="1" noResize="1" noEditPoints="1" noAdjustHandles="1" noChangeArrowheads="1" noChangeShapeType="1" noTextEdit="1"/>
+              </p:cNvSpPr>
+              <p:nvPr>
+                <p:ph idx="1"/>
+              </p:nvPr>
+            </p:nvSpPr>
+            <p:spPr>
+              <a:xfrm>
+                <a:off x="749808" y="1858061"/>
+                <a:ext cx="11442192" cy="4999939"/>
+              </a:xfrm>
+              <a:blipFill rotWithShape="0">
+                <a:blip r:embed="rId2"/>
+                <a:stretch>
+                  <a:fillRect l="-1332" b="-2073"/>
+                </a:stretch>
+              </a:blipFill>
+            </p:spPr>
+            <p:txBody>
+              <a:bodyPr/>
+              <a:lstStyle/>
+              <a:p>
+                <a:r>
+                  <a:rPr lang="en-US">
+                    <a:noFill/>
+                  </a:rPr>
+                  <a:t> </a:t>
+                </a:r>
+              </a:p>
+            </p:txBody>
+          </p:sp>
+        </mc:Fallback>
+      </mc:AlternateContent>
+    </p:spTree>
+    <p:extLst>
+      <p:ext uri="{BB962C8B-B14F-4D97-AF65-F5344CB8AC3E}">
+        <p14:creationId xmlns:p14="http://schemas.microsoft.com/office/powerpoint/2010/main" val="398084264"/>
+      </p:ext>
+    </p:extLst>
+  </p:cSld>
+  <p:clrMapOvr>
+    <a:masterClrMapping/>
+  </p:clrMapOvr>
+  <p:timing>
+    <p:tnLst>
+      <p:par>
+        <p:cTn id="1" dur="indefinite" restart="never" nodeType="tmRoot"/>
+      </p:par>
+    </p:tnLst>
+  </p:timing>
+</p:sld>
+</file>
+
+<file path=ppt/slides/slide4.xml><?xml version="1.0" encoding="utf-8"?>
+<p:sld xmlns:a="http://schemas.openxmlformats.org/drawingml/2006/main" xmlns:r="http://schemas.openxmlformats.org/officeDocument/2006/relationships" xmlns:p="http://schemas.openxmlformats.org/presentationml/2006/main">
+  <p:cSld>
+    <p:spTree>
+      <p:nvGrpSpPr>
+        <p:cNvPr id="1" name=""/>
+        <p:cNvGrpSpPr/>
+        <p:nvPr/>
+      </p:nvGrpSpPr>
+      <p:grpSpPr>
+        <a:xfrm>
+          <a:off x="0" y="0"/>
+          <a:ext cx="0" cy="0"/>
+          <a:chOff x="0" y="0"/>
+          <a:chExt cx="0" cy="0"/>
+        </a:xfrm>
+      </p:grpSpPr>
+      <p:sp>
+        <p:nvSpPr>
+          <p:cNvPr id="2" name="Title 1"/>
+          <p:cNvSpPr>
+            <a:spLocks noGrp="1"/>
+          </p:cNvSpPr>
+          <p:nvPr>
+            <p:ph type="title"/>
+          </p:nvPr>
+        </p:nvSpPr>
+        <p:spPr>
+          <a:xfrm>
+            <a:off x="1371600" y="129845"/>
+            <a:ext cx="9601200" cy="1485900"/>
+          </a:xfrm>
+        </p:spPr>
+        <p:txBody>
+          <a:bodyPr>
+            <a:normAutofit fontScale="90000"/>
+          </a:bodyPr>
+          <a:lstStyle/>
+          <a:p>
+            <a:r>
+              <a:rPr lang="en-US" dirty="0" smtClean="0"/>
+              <a:t>Bell Work Explained:</a:t>
+            </a:r>
+            <a:br>
+              <a:rPr lang="en-US" dirty="0" smtClean="0"/>
+            </a:br>
+            <a:r>
+              <a:rPr lang="en-US" dirty="0" smtClean="0"/>
+              <a:t>2</a:t>
+            </a:r>
+            <a:r>
+              <a:rPr lang="en-US" dirty="0"/>
+              <a:t>.) Write the equation of the line through the point (-6, 1) and parallel to y=3x+8</a:t>
+            </a:r>
+          </a:p>
+        </p:txBody>
+      </p:sp>
+      <mc:AlternateContent xmlns:mc="http://schemas.openxmlformats.org/markup-compatibility/2006" xmlns:a14="http://schemas.microsoft.com/office/drawing/2010/main">
+        <mc:Choice Requires="a14">
+          <p:sp>
+            <p:nvSpPr>
+              <p:cNvPr id="3" name="Content Placeholder 2"/>
+              <p:cNvSpPr>
+                <a:spLocks noGrp="1"/>
+              </p:cNvSpPr>
+              <p:nvPr>
+                <p:ph idx="1"/>
+              </p:nvPr>
+            </p:nvSpPr>
+            <p:spPr>
+              <a:xfrm>
+                <a:off x="1031443" y="2286000"/>
+                <a:ext cx="11104473" cy="3581400"/>
+              </a:xfrm>
+            </p:spPr>
+            <p:txBody>
+              <a:bodyPr>
+                <a:normAutofit/>
+              </a:bodyPr>
+              <a:lstStyle/>
+              <a:p>
+                <a:pPr marL="0" indent="0">
+                  <a:buNone/>
+                </a:pPr>
+                <a:r>
+                  <a:rPr lang="en-US" sz="2400" dirty="0" smtClean="0"/>
+                  <a:t>We need to remember parallel lines have the same slope. So the line they gave us has a slope of 3 (that is the m value in y=3x+8) therefore our line has a slope of 3!</a:t>
+                </a:r>
+              </a:p>
+              <a:p>
+                <a:pPr marL="0" indent="0">
+                  <a:buNone/>
+                </a:pPr>
+                <a:r>
+                  <a:rPr lang="en-US" sz="2400" dirty="0" smtClean="0"/>
+                  <a:t>So we know the slope is 3 and they gave us a point so we use Point-Slope Formula</a:t>
+                </a:r>
+              </a:p>
+              <a:p>
+                <a:pPr marL="0" indent="0">
+                  <a:buNone/>
+                </a:pPr>
+                <a14:m>
+                  <m:oMath xmlns:m="http://schemas.openxmlformats.org/officeDocument/2006/math">
+                    <m:sSub>
+                      <m:sSubPr>
+                        <m:ctrlPr>
+                          <a:rPr lang="en-US" sz="1800" i="1">
+                            <a:latin typeface="Cambria Math" panose="02040503050406030204" pitchFamily="18" charset="0"/>
+                          </a:rPr>
+                        </m:ctrlPr>
+                      </m:sSubPr>
+                      <m:e>
+                        <m:r>
+                          <a:rPr lang="en-US" sz="1800" i="1">
+                            <a:latin typeface="Cambria Math" panose="02040503050406030204" pitchFamily="18" charset="0"/>
+                          </a:rPr>
+                          <m:t>𝑦</m:t>
+                        </m:r>
+                        <m:r>
+                          <a:rPr lang="en-US" sz="1800" i="1">
+                            <a:latin typeface="Cambria Math" panose="02040503050406030204" pitchFamily="18" charset="0"/>
+                          </a:rPr>
+                          <m:t>−</m:t>
+                        </m:r>
+                        <m:r>
+                          <a:rPr lang="en-US" sz="1800" i="1">
+                            <a:latin typeface="Cambria Math" panose="02040503050406030204" pitchFamily="18" charset="0"/>
+                          </a:rPr>
+                          <m:t>𝑦</m:t>
+                        </m:r>
+                      </m:e>
+                      <m:sub>
+                        <m:r>
+                          <a:rPr lang="en-US" sz="1800" i="1">
+                            <a:latin typeface="Cambria Math" panose="02040503050406030204" pitchFamily="18" charset="0"/>
+                          </a:rPr>
+                          <m:t>1</m:t>
+                        </m:r>
+                      </m:sub>
+                    </m:sSub>
+                    <m:r>
+                      <a:rPr lang="en-US" sz="1800" i="1">
+                        <a:latin typeface="Cambria Math" panose="02040503050406030204" pitchFamily="18" charset="0"/>
+                      </a:rPr>
+                      <m:t>=</m:t>
+                    </m:r>
+                    <m:r>
+                      <a:rPr lang="en-US" sz="1800" i="1">
+                        <a:latin typeface="Cambria Math" panose="02040503050406030204" pitchFamily="18" charset="0"/>
+                      </a:rPr>
+                      <m:t>𝑚</m:t>
+                    </m:r>
+                    <m:d>
+                      <m:dPr>
+                        <m:ctrlPr>
+                          <a:rPr lang="en-US" sz="1800" i="1">
+                            <a:latin typeface="Cambria Math" panose="02040503050406030204" pitchFamily="18" charset="0"/>
+                          </a:rPr>
+                        </m:ctrlPr>
+                      </m:dPr>
+                      <m:e>
+                        <m:r>
+                          <a:rPr lang="en-US" sz="1800" i="1">
+                            <a:latin typeface="Cambria Math" panose="02040503050406030204" pitchFamily="18" charset="0"/>
+                          </a:rPr>
+                          <m:t>𝑥</m:t>
+                        </m:r>
+                        <m:r>
+                          <a:rPr lang="en-US" sz="1800" i="1">
+                            <a:latin typeface="Cambria Math" panose="02040503050406030204" pitchFamily="18" charset="0"/>
+                          </a:rPr>
+                          <m:t>−</m:t>
+                        </m:r>
+                        <m:sSub>
+                          <m:sSubPr>
+                            <m:ctrlPr>
+                              <a:rPr lang="en-US" sz="1800" i="1">
+                                <a:latin typeface="Cambria Math" panose="02040503050406030204" pitchFamily="18" charset="0"/>
+                              </a:rPr>
+                            </m:ctrlPr>
+                          </m:sSubPr>
+                          <m:e>
+                            <m:r>
+                              <a:rPr lang="en-US" sz="1800" i="1">
+                                <a:latin typeface="Cambria Math" panose="02040503050406030204" pitchFamily="18" charset="0"/>
+                              </a:rPr>
+                              <m:t>𝑥</m:t>
+                            </m:r>
+                          </m:e>
+                          <m:sub>
+                            <m:r>
+                              <a:rPr lang="en-US" sz="1800" i="1">
+                                <a:latin typeface="Cambria Math" panose="02040503050406030204" pitchFamily="18" charset="0"/>
+                              </a:rPr>
+                              <m:t>1</m:t>
+                            </m:r>
+                          </m:sub>
+                        </m:sSub>
+                      </m:e>
+                    </m:d>
+                    <m:r>
+                      <a:rPr lang="en-US" sz="1800" b="0" i="1" smtClean="0">
+                        <a:latin typeface="Cambria Math" panose="02040503050406030204" pitchFamily="18" charset="0"/>
+                      </a:rPr>
+                      <m:t>→</m:t>
+                    </m:r>
+                    <m:r>
+                      <a:rPr lang="en-US" sz="2400" i="1" smtClean="0">
+                        <a:latin typeface="Cambria Math" panose="02040503050406030204" pitchFamily="18" charset="0"/>
+                      </a:rPr>
+                      <m:t> </m:t>
+                    </m:r>
+                    <m:r>
+                      <a:rPr lang="en-US" sz="2400" b="0" i="1" smtClean="0">
+                        <a:latin typeface="Cambria Math" panose="02040503050406030204" pitchFamily="18" charset="0"/>
+                      </a:rPr>
+                      <m:t>          </m:t>
+                    </m:r>
+                    <m:r>
+                      <a:rPr lang="en-US" sz="2400" b="0" i="1" smtClean="0">
+                        <a:latin typeface="Cambria Math" panose="02040503050406030204" pitchFamily="18" charset="0"/>
+                      </a:rPr>
+                      <m:t>𝑦</m:t>
+                    </m:r>
+                    <m:r>
+                      <a:rPr lang="en-US" sz="2400" b="0" i="1" smtClean="0">
+                        <a:latin typeface="Cambria Math" panose="02040503050406030204" pitchFamily="18" charset="0"/>
+                      </a:rPr>
+                      <m:t>−1=3</m:t>
+                    </m:r>
+                    <m:d>
+                      <m:dPr>
+                        <m:ctrlPr>
+                          <a:rPr lang="en-US" sz="2400" i="1">
+                            <a:latin typeface="Cambria Math" panose="02040503050406030204" pitchFamily="18" charset="0"/>
+                          </a:rPr>
+                        </m:ctrlPr>
+                      </m:dPr>
+                      <m:e>
+                        <m:r>
+                          <a:rPr lang="en-US" sz="2400" i="1">
+                            <a:latin typeface="Cambria Math" panose="02040503050406030204" pitchFamily="18" charset="0"/>
+                          </a:rPr>
+                          <m:t>𝑥</m:t>
+                        </m:r>
+                        <m:r>
+                          <a:rPr lang="en-US" sz="2400" i="1">
+                            <a:latin typeface="Cambria Math" panose="02040503050406030204" pitchFamily="18" charset="0"/>
+                          </a:rPr>
+                          <m:t>−−6</m:t>
+                        </m:r>
+                      </m:e>
+                    </m:d>
+                    <m:r>
+                      <a:rPr lang="en-US" sz="2400" b="0" i="1" smtClean="0">
+                        <a:latin typeface="Cambria Math" panose="02040503050406030204" pitchFamily="18" charset="0"/>
+                      </a:rPr>
+                      <m:t>→            </m:t>
+                    </m:r>
+                    <m:r>
+                      <a:rPr lang="en-US" sz="2400" b="0" i="1" smtClean="0">
+                        <a:latin typeface="Cambria Math" panose="02040503050406030204" pitchFamily="18" charset="0"/>
+                      </a:rPr>
+                      <m:t>𝑦</m:t>
+                    </m:r>
+                    <m:r>
+                      <a:rPr lang="en-US" sz="2400" i="1">
+                        <a:latin typeface="Cambria Math" panose="02040503050406030204" pitchFamily="18" charset="0"/>
+                      </a:rPr>
+                      <m:t>−1=3</m:t>
+                    </m:r>
+                    <m:d>
+                      <m:dPr>
+                        <m:ctrlPr>
+                          <a:rPr lang="en-US" sz="2400" i="1">
+                            <a:latin typeface="Cambria Math" panose="02040503050406030204" pitchFamily="18" charset="0"/>
+                          </a:rPr>
+                        </m:ctrlPr>
+                      </m:dPr>
+                      <m:e>
+                        <m:r>
+                          <a:rPr lang="en-US" sz="2400" i="1">
+                            <a:latin typeface="Cambria Math" panose="02040503050406030204" pitchFamily="18" charset="0"/>
+                          </a:rPr>
+                          <m:t>𝑥</m:t>
+                        </m:r>
+                        <m:r>
+                          <a:rPr lang="en-US" sz="2400" b="0" i="1" smtClean="0">
+                            <a:latin typeface="Cambria Math" panose="02040503050406030204" pitchFamily="18" charset="0"/>
+                          </a:rPr>
+                          <m:t>+</m:t>
+                        </m:r>
+                        <m:r>
+                          <a:rPr lang="en-US" sz="2400" i="1">
+                            <a:latin typeface="Cambria Math" panose="02040503050406030204" pitchFamily="18" charset="0"/>
+                          </a:rPr>
+                          <m:t>6</m:t>
+                        </m:r>
+                      </m:e>
+                    </m:d>
+                  </m:oMath>
+                </a14:m>
+                <a:r>
+                  <a:rPr lang="en-US" sz="2400" dirty="0" smtClean="0"/>
+                  <a:t>    </a:t>
+                </a:r>
+                <a:r>
+                  <a:rPr lang="en-US" dirty="0" smtClean="0"/>
+                  <a:t>(now distribute)</a:t>
+                </a:r>
+              </a:p>
+              <a:p>
+                <a:pPr marL="0" indent="0">
+                  <a:buNone/>
+                </a:pPr>
+                <a:endParaRPr lang="en-US" sz="2400" dirty="0"/>
+              </a:p>
+              <a:p>
+                <a:pPr marL="0" indent="0">
+                  <a:buNone/>
+                </a:pPr>
+                <a14:m>
+                  <m:oMath xmlns:m="http://schemas.openxmlformats.org/officeDocument/2006/math">
+                    <m:r>
+                      <a:rPr lang="en-US" sz="2400" i="1">
+                        <a:latin typeface="Cambria Math" panose="02040503050406030204" pitchFamily="18" charset="0"/>
+                      </a:rPr>
+                      <m:t>𝑦</m:t>
+                    </m:r>
+                    <m:r>
+                      <a:rPr lang="en-US" sz="2400" i="1">
+                        <a:latin typeface="Cambria Math" panose="02040503050406030204" pitchFamily="18" charset="0"/>
+                      </a:rPr>
+                      <m:t>−1=3</m:t>
+                    </m:r>
+                    <m:r>
+                      <a:rPr lang="en-US" sz="2400" b="0" i="1" smtClean="0">
+                        <a:latin typeface="Cambria Math" panose="02040503050406030204" pitchFamily="18" charset="0"/>
+                      </a:rPr>
+                      <m:t>𝑥</m:t>
+                    </m:r>
+                    <m:r>
+                      <a:rPr lang="en-US" sz="2400" b="0" i="1" smtClean="0">
+                        <a:latin typeface="Cambria Math" panose="02040503050406030204" pitchFamily="18" charset="0"/>
+                      </a:rPr>
+                      <m:t>+18</m:t>
+                    </m:r>
+                  </m:oMath>
+                </a14:m>
+                <a:r>
+                  <a:rPr lang="en-US" sz="2400" dirty="0" smtClean="0"/>
+                  <a:t>  (add 1 to both sides)  </a:t>
+                </a:r>
+                <a:r>
+                  <a:rPr lang="en-US" sz="2400" dirty="0" smtClean="0">
+                    <a:sym typeface="Wingdings" panose="05000000000000000000" pitchFamily="2" charset="2"/>
+                  </a:rPr>
+                  <a:t> </a:t>
+                </a:r>
+                <a14:m>
+                  <m:oMath xmlns:m="http://schemas.openxmlformats.org/officeDocument/2006/math">
+                    <m:r>
+                      <a:rPr lang="en-US" sz="2400" b="1" i="1">
+                        <a:latin typeface="Cambria Math" panose="02040503050406030204" pitchFamily="18" charset="0"/>
+                      </a:rPr>
+                      <m:t>𝒚</m:t>
+                    </m:r>
+                    <m:r>
+                      <a:rPr lang="en-US" sz="2400" b="1" i="1">
+                        <a:latin typeface="Cambria Math" panose="02040503050406030204" pitchFamily="18" charset="0"/>
+                      </a:rPr>
+                      <m:t>=</m:t>
+                    </m:r>
+                    <m:r>
+                      <a:rPr lang="en-US" sz="2400" b="1" i="1">
+                        <a:latin typeface="Cambria Math" panose="02040503050406030204" pitchFamily="18" charset="0"/>
+                      </a:rPr>
+                      <m:t>𝟑</m:t>
+                    </m:r>
+                    <m:r>
+                      <a:rPr lang="en-US" sz="2400" b="1" i="1">
+                        <a:latin typeface="Cambria Math" panose="02040503050406030204" pitchFamily="18" charset="0"/>
+                      </a:rPr>
+                      <m:t>𝒙</m:t>
+                    </m:r>
+                    <m:r>
+                      <a:rPr lang="en-US" sz="2400" b="1" i="1">
+                        <a:latin typeface="Cambria Math" panose="02040503050406030204" pitchFamily="18" charset="0"/>
+                      </a:rPr>
+                      <m:t>+</m:t>
+                    </m:r>
+                    <m:r>
+                      <a:rPr lang="en-US" sz="2400" b="1" i="1">
+                        <a:latin typeface="Cambria Math" panose="02040503050406030204" pitchFamily="18" charset="0"/>
+                      </a:rPr>
+                      <m:t>𝟏</m:t>
+                    </m:r>
+                  </m:oMath>
+                </a14:m>
+                <a:r>
+                  <a:rPr lang="en-US" sz="2400" b="1" dirty="0" smtClean="0"/>
+                  <a:t>9</a:t>
+                </a:r>
+                <a:r>
+                  <a:rPr lang="en-US" sz="2400" b="1" dirty="0"/>
+                  <a:t> </a:t>
+                </a:r>
+              </a:p>
+            </p:txBody>
+          </p:sp>
+        </mc:Choice>
+        <mc:Fallback xmlns="">
+          <p:sp>
+            <p:nvSpPr>
+              <p:cNvPr id="3" name="Content Placeholder 2"/>
+              <p:cNvSpPr>
+                <a:spLocks noGrp="1" noRot="1" noChangeAspect="1" noMove="1" noResize="1" noEditPoints="1" noAdjustHandles="1" noChangeArrowheads="1" noChangeShapeType="1" noTextEdit="1"/>
+              </p:cNvSpPr>
+              <p:nvPr>
+                <p:ph idx="1"/>
+              </p:nvPr>
+            </p:nvSpPr>
+            <p:spPr>
+              <a:xfrm>
+                <a:off x="1031443" y="2286000"/>
+                <a:ext cx="11104473" cy="3581400"/>
+              </a:xfrm>
+              <a:blipFill rotWithShape="0">
+                <a:blip r:embed="rId2"/>
+                <a:stretch>
+                  <a:fillRect l="-823" t="-1871" r="-439"/>
+                </a:stretch>
+              </a:blipFill>
+            </p:spPr>
+            <p:txBody>
+              <a:bodyPr/>
+              <a:lstStyle/>
+              <a:p>
+                <a:r>
+                  <a:rPr lang="en-US">
+                    <a:noFill/>
+                  </a:rPr>
+                  <a:t> </a:t>
+                </a:r>
+              </a:p>
+            </p:txBody>
+          </p:sp>
+        </mc:Fallback>
+      </mc:AlternateContent>
+    </p:spTree>
+    <p:extLst>
+      <p:ext uri="{BB962C8B-B14F-4D97-AF65-F5344CB8AC3E}">
+        <p14:creationId xmlns:p14="http://schemas.microsoft.com/office/powerpoint/2010/main" val="907041324"/>
+      </p:ext>
+    </p:extLst>
+  </p:cSld>
+  <p:clrMapOvr>
+    <a:masterClrMapping/>
+  </p:clrMapOvr>
+  <p:timing>
+    <p:tnLst>
+      <p:par>
+        <p:cTn id="1" dur="indefinite" restart="never" nodeType="tmRoot"/>
+      </p:par>
+    </p:tnLst>
+  </p:timing>
+</p:sld>
+</file>
+
+<file path=ppt/slides/slide5.xml><?xml version="1.0" encoding="utf-8"?>
+<p:sld xmlns:a="http://schemas.openxmlformats.org/drawingml/2006/main" xmlns:r="http://schemas.openxmlformats.org/officeDocument/2006/relationships" xmlns:p="http://schemas.openxmlformats.org/presentationml/2006/main">
+  <p:cSld>
+    <p:spTree>
+      <p:nvGrpSpPr>
+        <p:cNvPr id="1" name=""/>
+        <p:cNvGrpSpPr/>
+        <p:nvPr/>
+      </p:nvGrpSpPr>
+      <p:grpSpPr>
+        <a:xfrm>
+          <a:off x="0" y="0"/>
+          <a:ext cx="0" cy="0"/>
+          <a:chOff x="0" y="0"/>
+          <a:chExt cx="0" cy="0"/>
+        </a:xfrm>
+      </p:grpSpPr>
+      <p:sp>
+        <p:nvSpPr>
+          <p:cNvPr id="2" name="Title 1"/>
+          <p:cNvSpPr>
+            <a:spLocks noGrp="1"/>
+          </p:cNvSpPr>
+          <p:nvPr>
+            <p:ph type="title"/>
+          </p:nvPr>
+        </p:nvSpPr>
+        <p:spPr/>
+        <p:txBody>
+          <a:bodyPr/>
+          <a:lstStyle/>
+          <a:p>
+            <a:r>
+              <a:rPr lang="en-US" dirty="0" smtClean="0"/>
+              <a:t>Bell Work Explained: </a:t>
+            </a:r>
+            <a:br>
+              <a:rPr lang="en-US" dirty="0" smtClean="0"/>
+            </a:br>
+            <a:r>
+              <a:rPr lang="en-US" dirty="0"/>
+              <a:t>Also, state the domain and range.</a:t>
+            </a:r>
+          </a:p>
+        </p:txBody>
+      </p:sp>
+      <p:sp>
+        <p:nvSpPr>
+          <p:cNvPr id="3" name="Content Placeholder 2"/>
+          <p:cNvSpPr>
+            <a:spLocks noGrp="1"/>
+          </p:cNvSpPr>
+          <p:nvPr>
+            <p:ph idx="1"/>
+          </p:nvPr>
+        </p:nvSpPr>
+        <p:spPr/>
+        <p:txBody>
+          <a:bodyPr/>
+          <a:lstStyle/>
+          <a:p>
+            <a:pPr marL="0" indent="0">
+              <a:buNone/>
+            </a:pPr>
+            <a:r>
+              <a:rPr lang="en-US" dirty="0" smtClean="0"/>
+              <a:t>We can think of the </a:t>
+            </a:r>
+            <a:r>
+              <a:rPr lang="en-US" b="1" i="1" dirty="0" smtClean="0"/>
+              <a:t>domain</a:t>
+            </a:r>
+            <a:r>
+              <a:rPr lang="en-US" dirty="0" smtClean="0"/>
+              <a:t> as whatever </a:t>
+            </a:r>
+            <a:r>
+              <a:rPr lang="en-US" b="1" i="1" dirty="0" smtClean="0"/>
+              <a:t>x values </a:t>
+            </a:r>
+            <a:r>
+              <a:rPr lang="en-US" dirty="0" smtClean="0"/>
+              <a:t>are input into the equation for now. </a:t>
+            </a:r>
+          </a:p>
+          <a:p>
+            <a:pPr marL="0" indent="0">
+              <a:buNone/>
+            </a:pPr>
+            <a:r>
+              <a:rPr lang="en-US" dirty="0" smtClean="0"/>
+              <a:t>So just list out all of the x values… this is A LOT of numbers so in this case we can just say everything is part of the domain – because you can use any x you want!</a:t>
+            </a:r>
+          </a:p>
+          <a:p>
+            <a:pPr marL="0" indent="0">
+              <a:buNone/>
+            </a:pPr>
+            <a:endParaRPr lang="en-US" dirty="0"/>
+          </a:p>
+          <a:p>
+            <a:pPr marL="0" indent="0">
+              <a:buNone/>
+            </a:pPr>
+            <a:endParaRPr lang="en-US" dirty="0" smtClean="0"/>
+          </a:p>
+          <a:p>
+            <a:pPr marL="0" indent="0">
+              <a:buNone/>
+            </a:pPr>
+            <a:r>
+              <a:rPr lang="en-US" dirty="0"/>
+              <a:t>We can think of the </a:t>
+            </a:r>
+            <a:r>
+              <a:rPr lang="en-US" b="1" i="1" dirty="0" smtClean="0"/>
+              <a:t>range</a:t>
+            </a:r>
+            <a:r>
+              <a:rPr lang="en-US" dirty="0" smtClean="0"/>
+              <a:t> as </a:t>
+            </a:r>
+            <a:r>
+              <a:rPr lang="en-US" dirty="0"/>
+              <a:t>whatever </a:t>
+            </a:r>
+            <a:r>
+              <a:rPr lang="en-US" b="1" i="1" dirty="0" smtClean="0"/>
+              <a:t>y </a:t>
+            </a:r>
+            <a:r>
+              <a:rPr lang="en-US" b="1" i="1" dirty="0"/>
+              <a:t>values </a:t>
+            </a:r>
+            <a:r>
+              <a:rPr lang="en-US" dirty="0"/>
+              <a:t>are </a:t>
+            </a:r>
+            <a:r>
+              <a:rPr lang="en-US" dirty="0" smtClean="0"/>
+              <a:t>output from the </a:t>
+            </a:r>
+            <a:r>
+              <a:rPr lang="en-US" dirty="0"/>
+              <a:t>equation for now. </a:t>
+            </a:r>
+          </a:p>
+          <a:p>
+            <a:pPr marL="0" indent="0">
+              <a:buNone/>
+            </a:pPr>
+            <a:r>
+              <a:rPr lang="en-US" dirty="0"/>
+              <a:t>So just list out all of the </a:t>
+            </a:r>
+            <a:r>
+              <a:rPr lang="en-US" dirty="0" smtClean="0"/>
+              <a:t>y </a:t>
+            </a:r>
+            <a:r>
+              <a:rPr lang="en-US" dirty="0"/>
+              <a:t>values… this is A LOT of numbers so in this case we can just say everything is part of the </a:t>
+            </a:r>
+            <a:r>
+              <a:rPr lang="en-US" dirty="0" smtClean="0"/>
+              <a:t>range also– </a:t>
+            </a:r>
+            <a:r>
+              <a:rPr lang="en-US" dirty="0"/>
+              <a:t>because </a:t>
+            </a:r>
+            <a:r>
+              <a:rPr lang="en-US"/>
+              <a:t>you </a:t>
+            </a:r>
+            <a:r>
+              <a:rPr lang="en-US" smtClean="0"/>
+              <a:t>get any y you want!</a:t>
+            </a:r>
+            <a:endParaRPr lang="en-US" dirty="0"/>
+          </a:p>
+          <a:p>
+            <a:pPr marL="0" indent="0">
+              <a:buNone/>
+            </a:pPr>
+            <a:endParaRPr lang="en-US" dirty="0"/>
+          </a:p>
+        </p:txBody>
+      </p:sp>
+    </p:spTree>
+    <p:extLst>
+      <p:ext uri="{BB962C8B-B14F-4D97-AF65-F5344CB8AC3E}">
+        <p14:creationId xmlns:p14="http://schemas.microsoft.com/office/powerpoint/2010/main" val="3287469387"/>
+      </p:ext>
+    </p:extLst>
+  </p:cSld>
+  <p:clrMapOvr>
+    <a:masterClrMapping/>
+  </p:clrMapOvr>
+  <p:timing>
+    <p:tnLst>
+      <p:par>
+        <p:cTn id="1" dur="indefinite" restart="never" nodeType="tmRoot"/>
+      </p:par>
+    </p:tnLst>
+  </p:timing>
+</p:sld>
+</file>
+
+<file path=ppt/slides/slide6.xml><?xml version="1.0" encoding="utf-8"?>
+<p:sld xmlns:a="http://schemas.openxmlformats.org/drawingml/2006/main" xmlns:r="http://schemas.openxmlformats.org/officeDocument/2006/relationships" xmlns:p="http://schemas.openxmlformats.org/presentationml/2006/main">
+  <p:cSld>
+    <p:spTree>
+      <p:nvGrpSpPr>
+        <p:cNvPr id="1" name=""/>
+        <p:cNvGrpSpPr/>
+        <p:nvPr/>
+      </p:nvGrpSpPr>
+      <p:grpSpPr>
+        <a:xfrm>
+          <a:off x="0" y="0"/>
+          <a:ext cx="0" cy="0"/>
+          <a:chOff x="0" y="0"/>
+          <a:chExt cx="0" cy="0"/>
+        </a:xfrm>
+      </p:grpSpPr>
+      <p:sp>
+        <p:nvSpPr>
+          <p:cNvPr id="2" name="Title 1"/>
+          <p:cNvSpPr>
+            <a:spLocks noGrp="1"/>
+          </p:cNvSpPr>
+          <p:nvPr>
+            <p:ph type="title"/>
+          </p:nvPr>
+        </p:nvSpPr>
+        <p:spPr/>
+        <p:txBody>
+          <a:bodyPr/>
+          <a:lstStyle/>
+          <a:p>
+            <a:r>
+              <a:rPr lang="en-US" dirty="0" smtClean="0"/>
+              <a:t>Homework From Last Time… </a:t>
+            </a:r>
+            <a:endParaRPr lang="en-US" dirty="0"/>
+          </a:p>
+        </p:txBody>
+      </p:sp>
+      <p:sp>
+        <p:nvSpPr>
+          <p:cNvPr id="3" name="Content Placeholder 2"/>
+          <p:cNvSpPr>
+            <a:spLocks noGrp="1"/>
+          </p:cNvSpPr>
+          <p:nvPr>
+            <p:ph idx="1"/>
+          </p:nvPr>
+        </p:nvSpPr>
+        <p:spPr/>
+        <p:txBody>
+          <a:bodyPr>
+            <a:normAutofit/>
+          </a:bodyPr>
+          <a:lstStyle/>
+          <a:p>
+            <a:pPr marL="0" indent="0">
+              <a:buNone/>
+            </a:pPr>
+            <a:r>
+              <a:rPr lang="en-US" sz="3000" dirty="0" smtClean="0"/>
+              <a:t>New Material</a:t>
+            </a:r>
+          </a:p>
+          <a:p>
+            <a:pPr marL="0" indent="0">
+              <a:buNone/>
+            </a:pPr>
+            <a:r>
+              <a:rPr lang="en-US" sz="3000" dirty="0" smtClean="0"/>
+              <a:t>Page 86 #</a:t>
+            </a:r>
+            <a:r>
+              <a:rPr lang="en-US" sz="3200" dirty="0" smtClean="0"/>
+              <a:t>1, 11, 17, 19, 27, 32</a:t>
+            </a:r>
+            <a:endParaRPr lang="en-US" sz="3000" dirty="0" smtClean="0"/>
+          </a:p>
+          <a:p>
+            <a:pPr marL="0" indent="0">
+              <a:buNone/>
+            </a:pPr>
+            <a:endParaRPr lang="en-US" sz="3000" dirty="0" smtClean="0"/>
+          </a:p>
+          <a:p>
+            <a:pPr marL="0" indent="0">
+              <a:buNone/>
+            </a:pPr>
+            <a:r>
+              <a:rPr lang="en-US" sz="3000" dirty="0" smtClean="0"/>
+              <a:t>Mixed Review</a:t>
+            </a:r>
+          </a:p>
+          <a:p>
+            <a:pPr marL="0" indent="0">
+              <a:buNone/>
+            </a:pPr>
+            <a:r>
+              <a:rPr lang="en-US" sz="3000" smtClean="0"/>
+              <a:t>Page 88 #60, 62, 66, 67</a:t>
+            </a:r>
+            <a:endParaRPr lang="en-US" sz="3000" dirty="0"/>
+          </a:p>
+        </p:txBody>
+      </p:sp>
+    </p:spTree>
+    <p:extLst>
+      <p:ext uri="{BB962C8B-B14F-4D97-AF65-F5344CB8AC3E}">
+        <p14:creationId xmlns:p14="http://schemas.microsoft.com/office/powerpoint/2010/main" val="98526893"/>
+      </p:ext>
+    </p:extLst>
+  </p:cSld>
+  <p:clrMapOvr>
+    <a:masterClrMapping/>
+  </p:clrMapOvr>
+  <p:timing>
+    <p:tnLst>
+      <p:par>
+        <p:cTn id="1" dur="indefinite" restart="never" nodeType="tmRoot"/>
+      </p:par>
+    </p:tnLst>
+  </p:timing>
+</p:sld>
+</file>
+
+<file path=ppt/slides/slide7.xml><?xml version="1.0" encoding="utf-8"?>
+<p:sld xmlns:a="http://schemas.openxmlformats.org/drawingml/2006/main" xmlns:r="http://schemas.openxmlformats.org/officeDocument/2006/relationships" xmlns:p="http://schemas.openxmlformats.org/presentationml/2006/main">
+  <p:cSld>
+    <p:spTree>
+      <p:nvGrpSpPr>
+        <p:cNvPr id="1" name=""/>
+        <p:cNvGrpSpPr/>
+        <p:nvPr/>
+      </p:nvGrpSpPr>
+      <p:grpSpPr>
+        <a:xfrm>
+          <a:off x="0" y="0"/>
+          <a:ext cx="0" cy="0"/>
+          <a:chOff x="0" y="0"/>
+          <a:chExt cx="0" cy="0"/>
+        </a:xfrm>
+      </p:grpSpPr>
+      <p:sp>
+        <p:nvSpPr>
+          <p:cNvPr id="2" name="Title 1"/>
+          <p:cNvSpPr>
+            <a:spLocks noGrp="1"/>
+          </p:cNvSpPr>
+          <p:nvPr>
+            <p:ph type="ctrTitle"/>
+          </p:nvPr>
+        </p:nvSpPr>
+        <p:spPr/>
+        <p:txBody>
+          <a:bodyPr/>
+          <a:lstStyle/>
+          <a:p>
+            <a:r>
+              <a:rPr lang="en-US" dirty="0" smtClean="0"/>
+              <a:t>ALGEBRA 3</a:t>
+            </a:r>
+            <a:endParaRPr lang="en-US" dirty="0"/>
+          </a:p>
+        </p:txBody>
+      </p:sp>
+      <p:sp>
+        <p:nvSpPr>
+          <p:cNvPr id="3" name="Subtitle 2"/>
+          <p:cNvSpPr>
+            <a:spLocks noGrp="1"/>
+          </p:cNvSpPr>
+          <p:nvPr>
+            <p:ph type="subTitle" idx="1"/>
+          </p:nvPr>
+        </p:nvSpPr>
+        <p:spPr/>
+        <p:txBody>
+          <a:bodyPr/>
+          <a:lstStyle/>
+          <a:p>
+            <a:r>
+              <a:rPr lang="en-US" dirty="0" smtClean="0"/>
+              <a:t>Day 18</a:t>
+            </a:r>
+            <a:endParaRPr lang="en-US" dirty="0"/>
+          </a:p>
+        </p:txBody>
+      </p:sp>
+    </p:spTree>
+    <p:extLst>
+      <p:ext uri="{BB962C8B-B14F-4D97-AF65-F5344CB8AC3E}">
+        <p14:creationId xmlns:p14="http://schemas.microsoft.com/office/powerpoint/2010/main" val="3063505576"/>
+      </p:ext>
+    </p:extLst>
+  </p:cSld>
+  <p:clrMapOvr>
+    <a:masterClrMapping/>
+  </p:clrMapOvr>
+  <p:timing>
+    <p:tnLst>
+      <p:par>
+        <p:cTn id="1" dur="indefinite" restart="never" nodeType="tmRoot"/>
+      </p:par>
+    </p:tnLst>
+  </p:timing>
+</p:sld>
+</file>
+
+<file path=ppt/slides/slide8.xml><?xml version="1.0" encoding="utf-8"?>
+<p:sld xmlns:a="http://schemas.openxmlformats.org/drawingml/2006/main" xmlns:r="http://schemas.openxmlformats.org/officeDocument/2006/relationships" xmlns:p="http://schemas.openxmlformats.org/presentationml/2006/main">
+  <p:cSld>
+    <p:spTree>
+      <p:nvGrpSpPr>
+        <p:cNvPr id="1" name=""/>
+        <p:cNvGrpSpPr/>
+        <p:nvPr/>
+      </p:nvGrpSpPr>
+      <p:grpSpPr>
+        <a:xfrm>
+          <a:off x="0" y="0"/>
+          <a:ext cx="0" cy="0"/>
+          <a:chOff x="0" y="0"/>
+          <a:chExt cx="0" cy="0"/>
+        </a:xfrm>
+      </p:grpSpPr>
+      <p:sp>
+        <p:nvSpPr>
+          <p:cNvPr id="2" name="Title 1"/>
+          <p:cNvSpPr>
+            <a:spLocks noGrp="1"/>
+          </p:cNvSpPr>
+          <p:nvPr>
+            <p:ph type="title"/>
+          </p:nvPr>
+        </p:nvSpPr>
+        <p:spPr>
+          <a:xfrm>
+            <a:off x="1371599" y="0"/>
+            <a:ext cx="9601200" cy="1485900"/>
+          </a:xfrm>
+        </p:spPr>
+        <p:txBody>
+          <a:bodyPr/>
+          <a:lstStyle/>
+          <a:p>
+            <a:r>
+              <a:rPr lang="en-US" dirty="0" smtClean="0"/>
+              <a:t>Quiz 1: Level 2 (5 – 9 minutes)</a:t>
+            </a:r>
+            <a:endParaRPr lang="en-US" dirty="0"/>
+          </a:p>
+        </p:txBody>
+      </p:sp>
+      <mc:AlternateContent xmlns:mc="http://schemas.openxmlformats.org/markup-compatibility/2006" xmlns:a14="http://schemas.microsoft.com/office/drawing/2010/main">
+        <mc:Choice Requires="a14">
+          <p:sp>
+            <p:nvSpPr>
+              <p:cNvPr id="3" name="Content Placeholder 2"/>
+              <p:cNvSpPr>
+                <a:spLocks noGrp="1"/>
+              </p:cNvSpPr>
+              <p:nvPr>
+                <p:ph idx="1"/>
+              </p:nvPr>
+            </p:nvSpPr>
+            <p:spPr>
+              <a:xfrm>
+                <a:off x="884420" y="839450"/>
+                <a:ext cx="11122701" cy="6018550"/>
+              </a:xfrm>
+            </p:spPr>
+            <p:txBody>
+              <a:bodyPr>
+                <a:noAutofit/>
+              </a:bodyPr>
+              <a:lstStyle/>
+              <a:p>
+                <a:pPr marL="0" indent="0">
+                  <a:buNone/>
+                </a:pPr>
+                <a:r>
+                  <a:rPr lang="en-US" sz="3400" dirty="0" smtClean="0">
+                    <a:latin typeface="Cambria Math" panose="02040503050406030204" pitchFamily="18" charset="0"/>
+                  </a:rPr>
+                  <a:t>1.) Given (5,2) (-7,10) (3,10) (0,5) (3, -6) (1, 3/5)</a:t>
+                </a:r>
+              </a:p>
+              <a:p>
+                <a:pPr marL="530352" lvl="1" indent="0">
+                  <a:buNone/>
+                </a:pPr>
+                <a:r>
+                  <a:rPr lang="en-US" sz="3400" dirty="0" smtClean="0">
+                    <a:latin typeface="Cambria Math" panose="02040503050406030204" pitchFamily="18" charset="0"/>
+                  </a:rPr>
+                  <a:t>Is it a relation? _____               Is it a function? ______</a:t>
+                </a:r>
+              </a:p>
+              <a:p>
+                <a:pPr marL="530352" lvl="1" indent="0">
+                  <a:buNone/>
+                </a:pPr>
+                <a:r>
+                  <a:rPr lang="en-US" sz="3400" i="1" dirty="0" smtClean="0">
+                    <a:latin typeface="Cambria Math" panose="02040503050406030204" pitchFamily="18" charset="0"/>
+                  </a:rPr>
+                  <a:t>State Domain: __________	 State Range: </a:t>
+                </a:r>
+                <a:r>
+                  <a:rPr lang="en-US" sz="3400" dirty="0" smtClean="0">
+                    <a:latin typeface="Cambria Math" panose="02040503050406030204" pitchFamily="18" charset="0"/>
+                  </a:rPr>
+                  <a:t>__________</a:t>
+                </a:r>
+              </a:p>
+              <a:p>
+                <a:pPr marL="530352" lvl="1" indent="0">
+                  <a:buNone/>
+                </a:pPr>
+                <a:endParaRPr lang="en-US" sz="3400" i="1" dirty="0" smtClean="0">
+                  <a:latin typeface="Cambria Math" panose="02040503050406030204" pitchFamily="18" charset="0"/>
+                </a:endParaRPr>
+              </a:p>
+              <a:p>
+                <a:pPr marL="0" indent="0">
+                  <a:buNone/>
+                </a:pPr>
+                <a14:m>
+                  <m:oMathPara xmlns:m="http://schemas.openxmlformats.org/officeDocument/2006/math">
+                    <m:oMathParaPr>
+                      <m:jc m:val="left"/>
+                    </m:oMathParaPr>
+                    <m:oMath xmlns:m="http://schemas.openxmlformats.org/officeDocument/2006/math">
+                      <m:r>
+                        <a:rPr lang="en-US" sz="3400" i="1" dirty="0">
+                          <a:latin typeface="Cambria Math" panose="02040503050406030204" pitchFamily="18" charset="0"/>
+                        </a:rPr>
+                        <m:t>2</m:t>
+                      </m:r>
+                      <m:r>
+                        <a:rPr lang="en-US" sz="3400" i="1" dirty="0" smtClean="0">
+                          <a:latin typeface="Cambria Math" panose="02040503050406030204" pitchFamily="18" charset="0"/>
+                        </a:rPr>
+                        <m:t>.) </m:t>
+                      </m:r>
+                      <m:r>
+                        <a:rPr lang="en-US" sz="3400" i="1" dirty="0" smtClean="0">
+                          <a:latin typeface="Cambria Math" panose="02040503050406030204" pitchFamily="18" charset="0"/>
+                        </a:rPr>
+                        <m:t>𝑊𝑟𝑖𝑡𝑒</m:t>
+                      </m:r>
+                      <m:r>
+                        <a:rPr lang="en-US" sz="3400" i="1" dirty="0" smtClean="0">
+                          <a:latin typeface="Cambria Math" panose="02040503050406030204" pitchFamily="18" charset="0"/>
+                        </a:rPr>
+                        <m:t> </m:t>
+                      </m:r>
+                      <m:r>
+                        <a:rPr lang="en-US" sz="3400" i="1" dirty="0" smtClean="0">
+                          <a:latin typeface="Cambria Math" panose="02040503050406030204" pitchFamily="18" charset="0"/>
+                        </a:rPr>
+                        <m:t>𝑡h𝑒</m:t>
+                      </m:r>
+                      <m:r>
+                        <a:rPr lang="en-US" sz="3400" i="1" dirty="0" smtClean="0">
+                          <a:latin typeface="Cambria Math" panose="02040503050406030204" pitchFamily="18" charset="0"/>
+                        </a:rPr>
+                        <m:t> </m:t>
+                      </m:r>
+                      <m:r>
+                        <a:rPr lang="en-US" sz="3400" i="1" dirty="0" smtClean="0">
+                          <a:latin typeface="Cambria Math" panose="02040503050406030204" pitchFamily="18" charset="0"/>
+                        </a:rPr>
+                        <m:t>𝑒𝑞𝑢𝑎𝑡𝑖𝑜𝑛</m:t>
+                      </m:r>
+                      <m:r>
+                        <a:rPr lang="en-US" sz="3400" i="1" dirty="0" smtClean="0">
+                          <a:latin typeface="Cambria Math" panose="02040503050406030204" pitchFamily="18" charset="0"/>
+                        </a:rPr>
+                        <m:t>, </m:t>
+                      </m:r>
+                      <m:r>
+                        <a:rPr lang="en-US" sz="3400" i="1" dirty="0" smtClean="0">
+                          <a:latin typeface="Cambria Math" panose="02040503050406030204" pitchFamily="18" charset="0"/>
+                        </a:rPr>
+                        <m:t>𝑔𝑖𝑣𝑒𝑛</m:t>
+                      </m:r>
+                      <m:r>
+                        <a:rPr lang="en-US" sz="3400" i="1" dirty="0" smtClean="0">
+                          <a:latin typeface="Cambria Math" panose="02040503050406030204" pitchFamily="18" charset="0"/>
+                        </a:rPr>
+                        <m:t> </m:t>
+                      </m:r>
+                      <m:r>
+                        <a:rPr lang="en-US" sz="3400" i="1" dirty="0" smtClean="0">
+                          <a:latin typeface="Cambria Math" panose="02040503050406030204" pitchFamily="18" charset="0"/>
+                        </a:rPr>
+                        <m:t>𝑡h𝑎𝑡</m:t>
+                      </m:r>
+                      <m:r>
+                        <a:rPr lang="en-US" sz="3400" i="1" dirty="0" smtClean="0">
+                          <a:latin typeface="Cambria Math" panose="02040503050406030204" pitchFamily="18" charset="0"/>
+                        </a:rPr>
+                        <m:t> </m:t>
+                      </m:r>
+                    </m:oMath>
+                    <m:oMath xmlns:m="http://schemas.openxmlformats.org/officeDocument/2006/math">
+                      <m:r>
+                        <a:rPr lang="en-US" sz="3400" i="1" dirty="0" smtClean="0">
+                          <a:latin typeface="Cambria Math" panose="02040503050406030204" pitchFamily="18" charset="0"/>
+                        </a:rPr>
+                        <m:t>𝑡h𝑒</m:t>
+                      </m:r>
+                      <m:r>
+                        <a:rPr lang="en-US" sz="3400" i="1" dirty="0" smtClean="0">
+                          <a:latin typeface="Cambria Math" panose="02040503050406030204" pitchFamily="18" charset="0"/>
+                        </a:rPr>
+                        <m:t> </m:t>
+                      </m:r>
+                      <m:r>
+                        <a:rPr lang="en-US" sz="3400" i="1" dirty="0" smtClean="0">
+                          <a:latin typeface="Cambria Math" panose="02040503050406030204" pitchFamily="18" charset="0"/>
+                        </a:rPr>
+                        <m:t>𝑠𝑙𝑜𝑝𝑒</m:t>
+                      </m:r>
+                      <m:r>
+                        <a:rPr lang="en-US" sz="3400" i="1" dirty="0" smtClean="0">
+                          <a:latin typeface="Cambria Math" panose="02040503050406030204" pitchFamily="18" charset="0"/>
+                        </a:rPr>
+                        <m:t> </m:t>
+                      </m:r>
+                      <m:r>
+                        <a:rPr lang="en-US" sz="3400" i="1" dirty="0" smtClean="0">
+                          <a:latin typeface="Cambria Math" panose="02040503050406030204" pitchFamily="18" charset="0"/>
+                        </a:rPr>
+                        <m:t>𝑖𝑠</m:t>
+                      </m:r>
+                      <m:r>
+                        <a:rPr lang="en-US" sz="3400" i="1" dirty="0" smtClean="0">
+                          <a:latin typeface="Cambria Math" panose="02040503050406030204" pitchFamily="18" charset="0"/>
+                        </a:rPr>
+                        <m:t> −</m:t>
+                      </m:r>
+                      <m:f>
+                        <m:fPr>
+                          <m:ctrlPr>
+                            <a:rPr lang="en-US" sz="3400" i="1" dirty="0" smtClean="0">
+                              <a:latin typeface="Cambria Math" panose="02040503050406030204" pitchFamily="18" charset="0"/>
+                            </a:rPr>
+                          </m:ctrlPr>
+                        </m:fPr>
+                        <m:num>
+                          <m:r>
+                            <a:rPr lang="en-US" sz="3400" b="0" i="1" dirty="0" smtClean="0">
+                              <a:latin typeface="Cambria Math" panose="02040503050406030204" pitchFamily="18" charset="0"/>
+                            </a:rPr>
+                            <m:t>2</m:t>
+                          </m:r>
+                        </m:num>
+                        <m:den>
+                          <m:r>
+                            <a:rPr lang="en-US" sz="3400" b="0" i="1" dirty="0" smtClean="0">
+                              <a:latin typeface="Cambria Math" panose="02040503050406030204" pitchFamily="18" charset="0"/>
+                            </a:rPr>
+                            <m:t>3</m:t>
+                          </m:r>
+                        </m:den>
+                      </m:f>
+                      <m:r>
+                        <a:rPr lang="en-US" sz="3400" i="1" dirty="0" smtClean="0">
+                          <a:latin typeface="Cambria Math" panose="02040503050406030204" pitchFamily="18" charset="0"/>
+                        </a:rPr>
+                        <m:t> </m:t>
+                      </m:r>
+                      <m:r>
+                        <a:rPr lang="en-US" sz="3400" i="1" dirty="0" smtClean="0">
+                          <a:latin typeface="Cambria Math" panose="02040503050406030204" pitchFamily="18" charset="0"/>
+                        </a:rPr>
+                        <m:t>𝑎𝑛𝑑</m:t>
+                      </m:r>
+                      <m:r>
+                        <a:rPr lang="en-US" sz="3400" i="1" dirty="0" smtClean="0">
+                          <a:latin typeface="Cambria Math" panose="02040503050406030204" pitchFamily="18" charset="0"/>
+                        </a:rPr>
+                        <m:t> </m:t>
+                      </m:r>
+                      <m:r>
+                        <a:rPr lang="en-US" sz="3400" i="1" dirty="0" smtClean="0">
+                          <a:latin typeface="Cambria Math" panose="02040503050406030204" pitchFamily="18" charset="0"/>
+                        </a:rPr>
+                        <m:t>𝑡h𝑒</m:t>
+                      </m:r>
+                      <m:r>
+                        <a:rPr lang="en-US" sz="3400" i="1" dirty="0" smtClean="0">
+                          <a:latin typeface="Cambria Math" panose="02040503050406030204" pitchFamily="18" charset="0"/>
+                        </a:rPr>
+                        <m:t> </m:t>
+                      </m:r>
+                      <m:r>
+                        <a:rPr lang="en-US" sz="3400" i="1" dirty="0" smtClean="0">
+                          <a:latin typeface="Cambria Math" panose="02040503050406030204" pitchFamily="18" charset="0"/>
+                        </a:rPr>
+                        <m:t>𝑦</m:t>
+                      </m:r>
+                      <m:r>
+                        <a:rPr lang="en-US" sz="3400" i="1" dirty="0" smtClean="0">
+                          <a:latin typeface="Cambria Math" panose="02040503050406030204" pitchFamily="18" charset="0"/>
+                        </a:rPr>
+                        <m:t>−</m:t>
+                      </m:r>
+                      <m:r>
+                        <a:rPr lang="en-US" sz="3400" i="1" dirty="0" smtClean="0">
+                          <a:latin typeface="Cambria Math" panose="02040503050406030204" pitchFamily="18" charset="0"/>
+                        </a:rPr>
+                        <m:t>𝑖𝑛𝑡𝑒𝑟𝑐𝑒𝑝𝑡</m:t>
+                      </m:r>
+                      <m:r>
+                        <a:rPr lang="en-US" sz="3400" i="1" dirty="0" smtClean="0">
+                          <a:latin typeface="Cambria Math" panose="02040503050406030204" pitchFamily="18" charset="0"/>
+                        </a:rPr>
+                        <m:t> </m:t>
+                      </m:r>
+                      <m:r>
+                        <a:rPr lang="en-US" sz="3400" i="1" dirty="0" smtClean="0">
+                          <a:latin typeface="Cambria Math" panose="02040503050406030204" pitchFamily="18" charset="0"/>
+                        </a:rPr>
+                        <m:t>𝑖𝑠</m:t>
+                      </m:r>
+                      <m:r>
+                        <a:rPr lang="en-US" sz="3400" i="1" dirty="0" smtClean="0">
+                          <a:latin typeface="Cambria Math" panose="02040503050406030204" pitchFamily="18" charset="0"/>
+                        </a:rPr>
+                        <m:t> (0,5)</m:t>
+                      </m:r>
+                    </m:oMath>
+                  </m:oMathPara>
+                </a14:m>
+                <a:endParaRPr lang="en-US" sz="3400" dirty="0" smtClean="0"/>
+              </a:p>
+              <a:p>
+                <a:endParaRPr lang="en-US" sz="3400" i="1" dirty="0" smtClean="0">
+                  <a:latin typeface="Cambria Math" panose="02040503050406030204" pitchFamily="18" charset="0"/>
+                </a:endParaRPr>
+              </a:p>
+              <a:p>
+                <a:pPr marL="0" indent="0">
+                  <a:buNone/>
+                </a:pPr>
+                <a14:m>
+                  <m:oMathPara xmlns:m="http://schemas.openxmlformats.org/officeDocument/2006/math">
+                    <m:oMathParaPr>
+                      <m:jc m:val="left"/>
+                    </m:oMathParaPr>
+                    <m:oMath xmlns:m="http://schemas.openxmlformats.org/officeDocument/2006/math">
+                      <m:r>
+                        <a:rPr lang="en-US" sz="3400" i="1" dirty="0">
+                          <a:latin typeface="Cambria Math" panose="02040503050406030204" pitchFamily="18" charset="0"/>
+                        </a:rPr>
+                        <m:t>3</m:t>
+                      </m:r>
+                      <m:r>
+                        <a:rPr lang="en-US" sz="3400" i="1" dirty="0" smtClean="0">
+                          <a:latin typeface="Cambria Math" panose="02040503050406030204" pitchFamily="18" charset="0"/>
+                        </a:rPr>
+                        <m:t>.) </m:t>
+                      </m:r>
+                      <m:r>
+                        <a:rPr lang="en-US" sz="3400" i="1" dirty="0">
+                          <a:latin typeface="Cambria Math" panose="02040503050406030204" pitchFamily="18" charset="0"/>
+                        </a:rPr>
+                        <m:t>𝑊𝑟𝑖𝑡𝑒</m:t>
+                      </m:r>
+                      <m:r>
+                        <a:rPr lang="en-US" sz="3400" i="1" dirty="0">
+                          <a:latin typeface="Cambria Math" panose="02040503050406030204" pitchFamily="18" charset="0"/>
+                        </a:rPr>
+                        <m:t> </m:t>
+                      </m:r>
+                      <m:r>
+                        <a:rPr lang="en-US" sz="3400" i="1" dirty="0">
+                          <a:latin typeface="Cambria Math" panose="02040503050406030204" pitchFamily="18" charset="0"/>
+                        </a:rPr>
+                        <m:t>𝑡h𝑒</m:t>
+                      </m:r>
+                      <m:r>
+                        <a:rPr lang="en-US" sz="3400" i="1" dirty="0">
+                          <a:latin typeface="Cambria Math" panose="02040503050406030204" pitchFamily="18" charset="0"/>
+                        </a:rPr>
+                        <m:t> </m:t>
+                      </m:r>
+                      <m:r>
+                        <a:rPr lang="en-US" sz="3400" i="1" dirty="0">
+                          <a:latin typeface="Cambria Math" panose="02040503050406030204" pitchFamily="18" charset="0"/>
+                        </a:rPr>
+                        <m:t>𝑒𝑞𝑢𝑎𝑡𝑖𝑜𝑛</m:t>
+                      </m:r>
+                      <m:r>
+                        <a:rPr lang="en-US" sz="3400" b="0" i="1" dirty="0" smtClean="0">
+                          <a:latin typeface="Cambria Math" panose="02040503050406030204" pitchFamily="18" charset="0"/>
+                        </a:rPr>
+                        <m:t> </m:t>
+                      </m:r>
+                      <m:r>
+                        <a:rPr lang="en-US" sz="3400" b="0" i="1" dirty="0" smtClean="0">
+                          <a:latin typeface="Cambria Math" panose="02040503050406030204" pitchFamily="18" charset="0"/>
+                        </a:rPr>
+                        <m:t>𝑜𝑓</m:t>
+                      </m:r>
+                      <m:r>
+                        <a:rPr lang="en-US" sz="3400" b="0" i="1" dirty="0" smtClean="0">
+                          <a:latin typeface="Cambria Math" panose="02040503050406030204" pitchFamily="18" charset="0"/>
+                        </a:rPr>
+                        <m:t> </m:t>
+                      </m:r>
+                      <m:r>
+                        <a:rPr lang="en-US" sz="3400" i="1" dirty="0">
+                          <a:latin typeface="Cambria Math" panose="02040503050406030204" pitchFamily="18" charset="0"/>
+                        </a:rPr>
+                        <m:t>𝑡h𝑒</m:t>
+                      </m:r>
+                      <m:r>
+                        <a:rPr lang="en-US" sz="3400" i="1" dirty="0">
+                          <a:latin typeface="Cambria Math" panose="02040503050406030204" pitchFamily="18" charset="0"/>
+                        </a:rPr>
+                        <m:t> </m:t>
+                      </m:r>
+                      <m:r>
+                        <a:rPr lang="en-US" sz="3400" i="1" dirty="0">
+                          <a:latin typeface="Cambria Math" panose="02040503050406030204" pitchFamily="18" charset="0"/>
+                        </a:rPr>
+                        <m:t>𝑙𝑖𝑛𝑒</m:t>
+                      </m:r>
+                      <m:r>
+                        <a:rPr lang="en-US" sz="3400" i="1" dirty="0">
+                          <a:latin typeface="Cambria Math" panose="02040503050406030204" pitchFamily="18" charset="0"/>
+                        </a:rPr>
+                        <m:t> </m:t>
+                      </m:r>
+                    </m:oMath>
+                    <m:oMath xmlns:m="http://schemas.openxmlformats.org/officeDocument/2006/math">
+                      <m:r>
+                        <a:rPr lang="en-US" sz="3400" i="1" dirty="0">
+                          <a:latin typeface="Cambria Math" panose="02040503050406030204" pitchFamily="18" charset="0"/>
+                        </a:rPr>
+                        <m:t>𝑡h𝑟𝑜𝑢𝑔h</m:t>
+                      </m:r>
+                      <m:r>
+                        <a:rPr lang="en-US" sz="3400" i="1" dirty="0">
+                          <a:latin typeface="Cambria Math" panose="02040503050406030204" pitchFamily="18" charset="0"/>
+                        </a:rPr>
+                        <m:t> (−2, 4) </m:t>
+                      </m:r>
+                      <m:r>
+                        <a:rPr lang="en-US" sz="3400" i="1" dirty="0">
+                          <a:latin typeface="Cambria Math" panose="02040503050406030204" pitchFamily="18" charset="0"/>
+                        </a:rPr>
+                        <m:t>𝑎𝑛𝑑</m:t>
+                      </m:r>
+                      <m:r>
+                        <a:rPr lang="en-US" sz="3400" i="1" dirty="0">
+                          <a:latin typeface="Cambria Math" panose="02040503050406030204" pitchFamily="18" charset="0"/>
+                        </a:rPr>
+                        <m:t> (0, −8)</m:t>
+                      </m:r>
+                    </m:oMath>
+                  </m:oMathPara>
+                </a14:m>
+                <a:endParaRPr lang="en-US" sz="3400" dirty="0"/>
+              </a:p>
+            </p:txBody>
+          </p:sp>
+        </mc:Choice>
+        <mc:Fallback xmlns="">
+          <p:sp>
+            <p:nvSpPr>
+              <p:cNvPr id="3" name="Content Placeholder 2"/>
+              <p:cNvSpPr>
+                <a:spLocks noGrp="1" noRot="1" noChangeAspect="1" noMove="1" noResize="1" noEditPoints="1" noAdjustHandles="1" noChangeArrowheads="1" noChangeShapeType="1" noTextEdit="1"/>
+              </p:cNvSpPr>
+              <p:nvPr>
+                <p:ph idx="1"/>
+              </p:nvPr>
+            </p:nvSpPr>
+            <p:spPr>
+              <a:xfrm>
+                <a:off x="884420" y="839450"/>
+                <a:ext cx="11122701" cy="6018550"/>
+              </a:xfrm>
+              <a:blipFill rotWithShape="0">
+                <a:blip r:embed="rId2"/>
+                <a:stretch>
+                  <a:fillRect l="-1534" t="-2026"/>
+                </a:stretch>
+              </a:blipFill>
+            </p:spPr>
+            <p:txBody>
+              <a:bodyPr/>
+              <a:lstStyle/>
+              <a:p>
+                <a:r>
+                  <a:rPr lang="en-US">
+                    <a:noFill/>
+                  </a:rPr>
+                  <a:t> </a:t>
+                </a:r>
+              </a:p>
+            </p:txBody>
+          </p:sp>
+        </mc:Fallback>
+      </mc:AlternateContent>
+    </p:spTree>
+    <p:extLst>
+      <p:ext uri="{BB962C8B-B14F-4D97-AF65-F5344CB8AC3E}">
+        <p14:creationId xmlns:p14="http://schemas.microsoft.com/office/powerpoint/2010/main" val="1458222847"/>
+      </p:ext>
+    </p:extLst>
+  </p:cSld>
+  <p:clrMapOvr>
+    <a:masterClrMapping/>
+  </p:clrMapOvr>
+  <p:timing>
+    <p:tnLst>
+      <p:par>
+        <p:cTn id="1" dur="indefinite" restart="never" nodeType="tmRoot"/>
+      </p:par>
+    </p:tnLst>
+  </p:timing>
+</p:sld>
+</file>
+
+<file path=ppt/slides/slide9.xml><?xml version="1.0" encoding="utf-8"?>
+<p:sld xmlns:a="http://schemas.openxmlformats.org/drawingml/2006/main" xmlns:r="http://schemas.openxmlformats.org/officeDocument/2006/relationships" xmlns:p="http://schemas.openxmlformats.org/presentationml/2006/main">
+  <p:cSld>
+    <p:spTree>
+      <p:nvGrpSpPr>
+        <p:cNvPr id="1" name=""/>
+        <p:cNvGrpSpPr/>
+        <p:nvPr/>
+      </p:nvGrpSpPr>
+      <p:grpSpPr>
+        <a:xfrm>
+          <a:off x="0" y="0"/>
+          <a:ext cx="0" cy="0"/>
+          <a:chOff x="0" y="0"/>
+          <a:chExt cx="0" cy="0"/>
+        </a:xfrm>
+      </p:grpSpPr>
+      <p:sp>
+        <p:nvSpPr>
+          <p:cNvPr id="2" name="Title 1"/>
+          <p:cNvSpPr>
+            <a:spLocks noGrp="1"/>
+          </p:cNvSpPr>
+          <p:nvPr>
+            <p:ph type="title"/>
+          </p:nvPr>
+        </p:nvSpPr>
+        <p:spPr/>
+        <p:txBody>
+          <a:bodyPr/>
+          <a:lstStyle/>
+          <a:p>
+            <a:r>
+              <a:rPr lang="en-US" dirty="0" smtClean="0"/>
+              <a:t>Quiz 1: Level 3 (5 – 7 minutes)</a:t>
+            </a:r>
+            <a:endParaRPr lang="en-US" dirty="0"/>
+          </a:p>
+        </p:txBody>
+      </p:sp>
+      <mc:AlternateContent xmlns:mc="http://schemas.openxmlformats.org/markup-compatibility/2006" xmlns:a14="http://schemas.microsoft.com/office/drawing/2010/main">
+        <mc:Choice Requires="a14">
+          <p:sp>
+            <p:nvSpPr>
+              <p:cNvPr id="3" name="Content Placeholder 2"/>
+              <p:cNvSpPr>
+                <a:spLocks noGrp="1"/>
+              </p:cNvSpPr>
+              <p:nvPr>
+                <p:ph idx="1"/>
+              </p:nvPr>
+            </p:nvSpPr>
+            <p:spPr>
+              <a:xfrm>
+                <a:off x="1371599" y="2285999"/>
+                <a:ext cx="9915993" cy="4219731"/>
+              </a:xfrm>
+            </p:spPr>
+            <p:txBody>
+              <a:bodyPr>
+                <a:noAutofit/>
+              </a:bodyPr>
+              <a:lstStyle/>
+              <a:p>
+                <a:pPr marL="0" indent="0">
+                  <a:buNone/>
+                </a:pPr>
+                <a14:m>
+                  <m:oMathPara xmlns:m="http://schemas.openxmlformats.org/officeDocument/2006/math">
+                    <m:oMathParaPr>
+                      <m:jc m:val="left"/>
+                    </m:oMathParaPr>
+                    <m:oMath xmlns:m="http://schemas.openxmlformats.org/officeDocument/2006/math">
+                      <m:r>
+                        <a:rPr lang="en-US" sz="3800" i="1" dirty="0">
+                          <a:latin typeface="Cambria Math" panose="02040503050406030204" pitchFamily="18" charset="0"/>
+                        </a:rPr>
+                        <m:t>4</m:t>
+                      </m:r>
+                      <m:r>
+                        <a:rPr lang="en-US" sz="3800" i="1" dirty="0" smtClean="0">
+                          <a:latin typeface="Cambria Math" panose="02040503050406030204" pitchFamily="18" charset="0"/>
+                        </a:rPr>
+                        <m:t>.) </m:t>
+                      </m:r>
+                      <m:r>
+                        <a:rPr lang="en-US" sz="3800" i="1" dirty="0">
+                          <a:latin typeface="Cambria Math" panose="02040503050406030204" pitchFamily="18" charset="0"/>
+                        </a:rPr>
+                        <m:t>𝑊𝑟𝑖𝑡𝑒</m:t>
+                      </m:r>
+                      <m:r>
+                        <a:rPr lang="en-US" sz="3800" i="1" dirty="0">
+                          <a:latin typeface="Cambria Math" panose="02040503050406030204" pitchFamily="18" charset="0"/>
+                        </a:rPr>
+                        <m:t> </m:t>
+                      </m:r>
+                      <m:r>
+                        <a:rPr lang="en-US" sz="3800" i="1" dirty="0">
+                          <a:latin typeface="Cambria Math" panose="02040503050406030204" pitchFamily="18" charset="0"/>
+                        </a:rPr>
+                        <m:t>𝑡h𝑒</m:t>
+                      </m:r>
+                      <m:r>
+                        <a:rPr lang="en-US" sz="3800" i="1" dirty="0">
+                          <a:latin typeface="Cambria Math" panose="02040503050406030204" pitchFamily="18" charset="0"/>
+                        </a:rPr>
+                        <m:t> </m:t>
+                      </m:r>
+                      <m:r>
+                        <a:rPr lang="en-US" sz="3800" i="1" dirty="0">
+                          <a:latin typeface="Cambria Math" panose="02040503050406030204" pitchFamily="18" charset="0"/>
+                        </a:rPr>
+                        <m:t>𝑒𝑞𝑢𝑎𝑡𝑖𝑜𝑛</m:t>
+                      </m:r>
+                      <m:r>
+                        <a:rPr lang="en-US" sz="3800" b="0" i="1" dirty="0" smtClean="0">
+                          <a:latin typeface="Cambria Math" panose="02040503050406030204" pitchFamily="18" charset="0"/>
+                        </a:rPr>
+                        <m:t> </m:t>
+                      </m:r>
+                      <m:r>
+                        <a:rPr lang="en-US" sz="3800" b="0" i="1" dirty="0" smtClean="0">
+                          <a:latin typeface="Cambria Math" panose="02040503050406030204" pitchFamily="18" charset="0"/>
+                        </a:rPr>
+                        <m:t>𝑜𝑓</m:t>
+                      </m:r>
+                      <m:r>
+                        <a:rPr lang="en-US" sz="3800" b="0" i="1" dirty="0" smtClean="0">
+                          <a:latin typeface="Cambria Math" panose="02040503050406030204" pitchFamily="18" charset="0"/>
+                        </a:rPr>
+                        <m:t> </m:t>
+                      </m:r>
+                      <m:r>
+                        <a:rPr lang="en-US" sz="3800" i="1" dirty="0">
+                          <a:latin typeface="Cambria Math" panose="02040503050406030204" pitchFamily="18" charset="0"/>
+                        </a:rPr>
+                        <m:t>𝑡h𝑒</m:t>
+                      </m:r>
+                      <m:r>
+                        <a:rPr lang="en-US" sz="3800" i="1" dirty="0">
+                          <a:latin typeface="Cambria Math" panose="02040503050406030204" pitchFamily="18" charset="0"/>
+                        </a:rPr>
+                        <m:t> </m:t>
+                      </m:r>
+                      <m:r>
+                        <a:rPr lang="en-US" sz="3800" i="1" dirty="0">
+                          <a:latin typeface="Cambria Math" panose="02040503050406030204" pitchFamily="18" charset="0"/>
+                        </a:rPr>
+                        <m:t>𝑙𝑖𝑛𝑒</m:t>
+                      </m:r>
+                      <m:r>
+                        <a:rPr lang="en-US" sz="3800" i="1" dirty="0">
+                          <a:latin typeface="Cambria Math" panose="02040503050406030204" pitchFamily="18" charset="0"/>
+                        </a:rPr>
+                        <m:t> </m:t>
+                      </m:r>
+                    </m:oMath>
+                    <m:oMath xmlns:m="http://schemas.openxmlformats.org/officeDocument/2006/math">
+                      <m:r>
+                        <a:rPr lang="en-US" sz="3800" i="1" dirty="0">
+                          <a:latin typeface="Cambria Math" panose="02040503050406030204" pitchFamily="18" charset="0"/>
+                        </a:rPr>
+                        <m:t>𝑡h𝑟𝑜𝑢𝑔h</m:t>
+                      </m:r>
+                      <m:r>
+                        <a:rPr lang="en-US" sz="3800" b="0" i="1" dirty="0" smtClean="0">
+                          <a:latin typeface="Cambria Math" panose="02040503050406030204" pitchFamily="18" charset="0"/>
+                        </a:rPr>
+                        <m:t> </m:t>
+                      </m:r>
+                      <m:r>
+                        <a:rPr lang="en-US" sz="3800" b="0" i="1" dirty="0" smtClean="0">
+                          <a:latin typeface="Cambria Math" panose="02040503050406030204" pitchFamily="18" charset="0"/>
+                        </a:rPr>
+                        <m:t>𝑡h𝑒</m:t>
+                      </m:r>
+                      <m:r>
+                        <a:rPr lang="en-US" sz="3800" b="0" i="1" dirty="0" smtClean="0">
+                          <a:latin typeface="Cambria Math" panose="02040503050406030204" pitchFamily="18" charset="0"/>
+                        </a:rPr>
+                        <m:t> </m:t>
+                      </m:r>
+                      <m:r>
+                        <a:rPr lang="en-US" sz="3800" b="0" i="1" dirty="0" smtClean="0">
+                          <a:latin typeface="Cambria Math" panose="02040503050406030204" pitchFamily="18" charset="0"/>
+                        </a:rPr>
+                        <m:t>𝑝𝑜𝑖𝑛𝑡𝑠</m:t>
+                      </m:r>
+                      <m:r>
+                        <a:rPr lang="en-US" sz="3800" i="1" dirty="0">
+                          <a:latin typeface="Cambria Math" panose="02040503050406030204" pitchFamily="18" charset="0"/>
+                        </a:rPr>
+                        <m:t> </m:t>
+                      </m:r>
+                      <m:r>
+                        <a:rPr lang="en-US" sz="3800" i="1" dirty="0" smtClean="0">
+                          <a:latin typeface="Cambria Math" panose="02040503050406030204" pitchFamily="18" charset="0"/>
+                        </a:rPr>
+                        <m:t>(2, </m:t>
+                      </m:r>
+                      <m:r>
+                        <a:rPr lang="en-US" sz="3800" b="0" i="1" dirty="0" smtClean="0">
+                          <a:latin typeface="Cambria Math" panose="02040503050406030204" pitchFamily="18" charset="0"/>
+                        </a:rPr>
+                        <m:t>12</m:t>
+                      </m:r>
+                      <m:r>
+                        <a:rPr lang="en-US" sz="3800" i="1" dirty="0" smtClean="0">
+                          <a:latin typeface="Cambria Math" panose="02040503050406030204" pitchFamily="18" charset="0"/>
+                        </a:rPr>
+                        <m:t>) </m:t>
+                      </m:r>
+                      <m:r>
+                        <a:rPr lang="en-US" sz="3800" i="1" dirty="0">
+                          <a:latin typeface="Cambria Math" panose="02040503050406030204" pitchFamily="18" charset="0"/>
+                        </a:rPr>
+                        <m:t>𝑎𝑛𝑑</m:t>
+                      </m:r>
+                      <m:r>
+                        <a:rPr lang="en-US" sz="3800" i="1" dirty="0">
+                          <a:latin typeface="Cambria Math" panose="02040503050406030204" pitchFamily="18" charset="0"/>
+                        </a:rPr>
+                        <m:t> (−2, 0)</m:t>
+                      </m:r>
+                    </m:oMath>
+                  </m:oMathPara>
+                </a14:m>
+                <a:endParaRPr lang="en-US" sz="3800" dirty="0" smtClean="0"/>
+              </a:p>
+              <a:p>
+                <a:endParaRPr lang="en-US" sz="3800" dirty="0"/>
+              </a:p>
+              <a:p>
+                <a:pPr marL="0" indent="0">
+                  <a:buNone/>
+                </a:pPr>
+                <a:r>
+                  <a:rPr lang="en-US" sz="3800" dirty="0"/>
+                  <a:t>5</a:t>
+                </a:r>
+                <a:r>
+                  <a:rPr lang="en-US" sz="3800" dirty="0" smtClean="0"/>
+                  <a:t>.) Graph </a:t>
+                </a:r>
+                <a14:m>
+                  <m:oMath xmlns:m="http://schemas.openxmlformats.org/officeDocument/2006/math">
+                    <m:r>
+                      <a:rPr lang="en-US" sz="3800" b="0" i="1" smtClean="0">
+                        <a:latin typeface="Cambria Math" panose="02040503050406030204" pitchFamily="18" charset="0"/>
+                      </a:rPr>
+                      <m:t>2</m:t>
+                    </m:r>
+                    <m:r>
+                      <a:rPr lang="en-US" sz="3800" b="0" i="1" smtClean="0">
+                        <a:latin typeface="Cambria Math" panose="02040503050406030204" pitchFamily="18" charset="0"/>
+                      </a:rPr>
+                      <m:t>𝑥</m:t>
+                    </m:r>
+                    <m:r>
+                      <a:rPr lang="en-US" sz="3800" b="0" i="1" smtClean="0">
+                        <a:latin typeface="Cambria Math" panose="02040503050406030204" pitchFamily="18" charset="0"/>
+                      </a:rPr>
+                      <m:t>+5</m:t>
+                    </m:r>
+                    <m:r>
+                      <a:rPr lang="en-US" sz="3800" b="0" i="1" smtClean="0">
+                        <a:latin typeface="Cambria Math" panose="02040503050406030204" pitchFamily="18" charset="0"/>
+                      </a:rPr>
+                      <m:t>𝑦</m:t>
+                    </m:r>
+                    <m:r>
+                      <a:rPr lang="en-US" sz="3800" b="0" i="1" smtClean="0">
+                        <a:latin typeface="Cambria Math" panose="02040503050406030204" pitchFamily="18" charset="0"/>
+                      </a:rPr>
+                      <m:t>=20</m:t>
+                    </m:r>
+                  </m:oMath>
+                </a14:m>
+                <a:endParaRPr lang="en-US" sz="3800" dirty="0"/>
+              </a:p>
+            </p:txBody>
+          </p:sp>
+        </mc:Choice>
+        <mc:Fallback xmlns="">
+          <p:sp>
+            <p:nvSpPr>
+              <p:cNvPr id="3" name="Content Placeholder 2"/>
+              <p:cNvSpPr>
+                <a:spLocks noGrp="1" noRot="1" noChangeAspect="1" noMove="1" noResize="1" noEditPoints="1" noAdjustHandles="1" noChangeArrowheads="1" noChangeShapeType="1" noTextEdit="1"/>
+              </p:cNvSpPr>
+              <p:nvPr>
+                <p:ph idx="1"/>
+              </p:nvPr>
+            </p:nvSpPr>
+            <p:spPr>
+              <a:xfrm>
+                <a:off x="1371599" y="2285999"/>
+                <a:ext cx="9915993" cy="4219731"/>
+              </a:xfrm>
+              <a:blipFill rotWithShape="0">
+                <a:blip r:embed="rId2"/>
+                <a:stretch>
+                  <a:fillRect l="-2028"/>
+                </a:stretch>
+              </a:blipFill>
+            </p:spPr>
+            <p:txBody>
+              <a:bodyPr/>
+              <a:lstStyle/>
+              <a:p>
+                <a:r>
+                  <a:rPr lang="en-US">
+                    <a:noFill/>
+                  </a:rPr>
+                  <a:t> </a:t>
+                </a:r>
+              </a:p>
+            </p:txBody>
+          </p:sp>
+        </mc:Fallback>
+      </mc:AlternateContent>
+    </p:spTree>
+    <p:extLst>
+      <p:ext uri="{BB962C8B-B14F-4D97-AF65-F5344CB8AC3E}">
+        <p14:creationId xmlns:p14="http://schemas.microsoft.com/office/powerpoint/2010/main" val="3921807809"/>
       </p:ext>
     </p:extLst>
   </p:cSld>
